--- a/网页设计规划.pptx
+++ b/网页设计规划.pptx
@@ -6,6 +6,14 @@
   </p:sldMasterIdLst>
   <p:sldIdLst>
     <p:sldId id="256" r:id="rId2"/>
+    <p:sldId id="257" r:id="rId3"/>
+    <p:sldId id="258" r:id="rId4"/>
+    <p:sldId id="259" r:id="rId5"/>
+    <p:sldId id="264" r:id="rId6"/>
+    <p:sldId id="260" r:id="rId7"/>
+    <p:sldId id="261" r:id="rId8"/>
+    <p:sldId id="262" r:id="rId9"/>
+    <p:sldId id="263" r:id="rId10"/>
   </p:sldIdLst>
   <p:sldSz cx="12192000" cy="6858000"/>
   <p:notesSz cx="6858000" cy="9144000"/>
@@ -104,6 +112,11 @@
       </a:defRPr>
     </a:lvl9pPr>
   </p:defaultTextStyle>
+  <p:extLst>
+    <p:ext uri="{EFAFB233-063F-42B5-8137-9DF3F51BA10A}">
+      <p15:sldGuideLst xmlns:p15="http://schemas.microsoft.com/office/powerpoint/2012/main"/>
+    </p:ext>
+  </p:extLst>
 </p:presentation>
 </file>
 
@@ -3323,10 +3336,10 @@
       </p:grpSpPr>
       <p:pic>
         <p:nvPicPr>
-          <p:cNvPr id="6" name="图片 5">
-            <a:extLst>
-              <a:ext uri="{FF2B5EF4-FFF2-40B4-BE49-F238E27FC236}">
-                <a16:creationId xmlns:a16="http://schemas.microsoft.com/office/drawing/2014/main" id="{DF720633-50D5-12A1-5C45-099095F209C6}"/>
+          <p:cNvPr id="4" name="图片 3">
+            <a:extLst>
+              <a:ext uri="{FF2B5EF4-FFF2-40B4-BE49-F238E27FC236}">
+                <a16:creationId xmlns:a16="http://schemas.microsoft.com/office/drawing/2014/main" id="{36D24FAE-CBDE-2DCE-94D0-19FC2ADF291D}"/>
               </a:ext>
             </a:extLst>
           </p:cNvPr>
@@ -3343,13 +3356,13 @@
               </a:ext>
             </a:extLst>
           </a:blip>
-          <a:srcRect t="58876" b="12372"/>
+          <a:srcRect t="32551" b="33333"/>
           <a:stretch/>
         </p:blipFill>
         <p:spPr>
           <a:xfrm>
-            <a:off x="0" y="0"/>
-            <a:ext cx="12164349" cy="1976284"/>
+            <a:off x="75927" y="106189"/>
+            <a:ext cx="3799949" cy="935867"/>
           </a:xfrm>
           <a:prstGeom prst="rect">
             <a:avLst/>
@@ -3358,10 +3371,10 @@
       </p:pic>
       <p:sp>
         <p:nvSpPr>
-          <p:cNvPr id="2" name="文本框 1">
-            <a:extLst>
-              <a:ext uri="{FF2B5EF4-FFF2-40B4-BE49-F238E27FC236}">
-                <a16:creationId xmlns:a16="http://schemas.microsoft.com/office/drawing/2014/main" id="{E8011D6E-97B1-56D8-FA81-CD7B3F3A26AE}"/>
+          <p:cNvPr id="5" name="文本框 4">
+            <a:extLst>
+              <a:ext uri="{FF2B5EF4-FFF2-40B4-BE49-F238E27FC236}">
+                <a16:creationId xmlns:a16="http://schemas.microsoft.com/office/drawing/2014/main" id="{7F6056AD-7988-F915-A4D6-FC15180100A1}"/>
               </a:ext>
             </a:extLst>
           </p:cNvPr>
@@ -3370,8 +3383,8 @@
         </p:nvSpPr>
         <p:spPr>
           <a:xfrm>
-            <a:off x="2135567" y="557254"/>
-            <a:ext cx="2319866" cy="861774"/>
+            <a:off x="4358476" y="112457"/>
+            <a:ext cx="3215149" cy="461665"/>
           </a:xfrm>
           <a:prstGeom prst="rect">
             <a:avLst/>
@@ -3379,43 +3392,685 @@
           <a:noFill/>
         </p:spPr>
         <p:txBody>
-          <a:bodyPr wrap="none" rtlCol="0">
+          <a:bodyPr wrap="square" rtlCol="0">
             <a:spAutoFit/>
           </a:bodyPr>
           <a:lstStyle/>
           <a:p>
             <a:r>
-              <a:rPr lang="en-US" altLang="zh-CN" sz="3200" dirty="0"/>
+              <a:rPr lang="en-US" altLang="zh-CN" sz="2400" b="1" dirty="0" err="1">
+                <a:latin typeface="黑体" panose="02010609060101010101" pitchFamily="49" charset="-122"/>
+                <a:ea typeface="黑体" panose="02010609060101010101" pitchFamily="49" charset="-122"/>
+              </a:rPr>
+              <a:t>xxxx</a:t>
+            </a:r>
+            <a:r>
+              <a:rPr lang="zh-CN" altLang="en-US" sz="2400" b="1" dirty="0">
+                <a:latin typeface="黑体" panose="02010609060101010101" pitchFamily="49" charset="-122"/>
+                <a:ea typeface="黑体" panose="02010609060101010101" pitchFamily="49" charset="-122"/>
+              </a:rPr>
+              <a:t>课题组</a:t>
+            </a:r>
+          </a:p>
+        </p:txBody>
+      </p:sp>
+      <p:sp>
+        <p:nvSpPr>
+          <p:cNvPr id="7" name="文本框 6">
+            <a:extLst>
+              <a:ext uri="{FF2B5EF4-FFF2-40B4-BE49-F238E27FC236}">
+                <a16:creationId xmlns:a16="http://schemas.microsoft.com/office/drawing/2014/main" id="{45AA0A13-A028-9ADC-EDE0-BF3B945D78D8}"/>
+              </a:ext>
+            </a:extLst>
+          </p:cNvPr>
+          <p:cNvSpPr txBox="1"/>
+          <p:nvPr/>
+        </p:nvSpPr>
+        <p:spPr>
+          <a:xfrm>
+            <a:off x="4358476" y="536678"/>
+            <a:ext cx="5822950" cy="400110"/>
+          </a:xfrm>
+          <a:prstGeom prst="rect">
+            <a:avLst/>
+          </a:prstGeom>
+          <a:noFill/>
+        </p:spPr>
+        <p:txBody>
+          <a:bodyPr wrap="square" rtlCol="0">
+            <a:spAutoFit/>
+          </a:bodyPr>
+          <a:lstStyle/>
+          <a:p>
+            <a:pPr algn="l"/>
+            <a:r>
+              <a:rPr lang="zh-CN" altLang="en-US" sz="2000" dirty="0">
+                <a:solidFill>
+                  <a:schemeClr val="bg1">
+                    <a:lumMod val="50000"/>
+                  </a:schemeClr>
+                </a:solidFill>
+                <a:latin typeface="黑体" panose="02010609060101010101" pitchFamily="49" charset="-122"/>
+                <a:ea typeface="黑体" panose="02010609060101010101" pitchFamily="49" charset="-122"/>
+              </a:rPr>
+              <a:t>吉林师范大学</a:t>
+            </a:r>
+            <a:r>
+              <a:rPr lang="en-US" altLang="zh-CN" sz="2000" dirty="0">
+                <a:solidFill>
+                  <a:schemeClr val="bg1">
+                    <a:lumMod val="50000"/>
+                  </a:schemeClr>
+                </a:solidFill>
+                <a:latin typeface="黑体" panose="02010609060101010101" pitchFamily="49" charset="-122"/>
+                <a:ea typeface="黑体" panose="02010609060101010101" pitchFamily="49" charset="-122"/>
+              </a:rPr>
               <a:t>xx</a:t>
             </a:r>
             <a:r>
-              <a:rPr lang="zh-CN" altLang="en-US" sz="3200" dirty="0"/>
-              <a:t>课题组</a:t>
-            </a:r>
-            <a:endParaRPr lang="en-US" altLang="zh-CN" sz="3200" dirty="0"/>
-          </a:p>
-          <a:p>
-            <a:r>
-              <a:rPr lang="zh-CN" altLang="en-US" dirty="0"/>
-              <a:t>吉林师范大学</a:t>
-            </a:r>
-            <a:r>
-              <a:rPr lang="en-US" altLang="zh-CN" dirty="0"/>
-              <a:t>/xx</a:t>
-            </a:r>
-            <a:r>
-              <a:rPr lang="zh-CN" altLang="en-US" dirty="0"/>
+              <a:rPr lang="zh-CN" altLang="en-US" sz="2000" dirty="0">
+                <a:solidFill>
+                  <a:schemeClr val="bg1">
+                    <a:lumMod val="50000"/>
+                  </a:schemeClr>
+                </a:solidFill>
+                <a:latin typeface="黑体" panose="02010609060101010101" pitchFamily="49" charset="-122"/>
+                <a:ea typeface="黑体" panose="02010609060101010101" pitchFamily="49" charset="-122"/>
+              </a:rPr>
               <a:t>学院</a:t>
             </a:r>
           </a:p>
         </p:txBody>
       </p:sp>
+      <p:sp>
+        <p:nvSpPr>
+          <p:cNvPr id="9" name="矩形 8">
+            <a:extLst>
+              <a:ext uri="{FF2B5EF4-FFF2-40B4-BE49-F238E27FC236}">
+                <a16:creationId xmlns:a16="http://schemas.microsoft.com/office/drawing/2014/main" id="{F5DD76DF-F613-44E7-C86F-FD4AAC9D89CF}"/>
+              </a:ext>
+            </a:extLst>
+          </p:cNvPr>
+          <p:cNvSpPr/>
+          <p:nvPr/>
+        </p:nvSpPr>
+        <p:spPr>
+          <a:xfrm>
+            <a:off x="0" y="1042056"/>
+            <a:ext cx="12192000" cy="400110"/>
+          </a:xfrm>
+          <a:prstGeom prst="rect">
+            <a:avLst/>
+          </a:prstGeom>
+          <a:solidFill>
+            <a:srgbClr val="3F51B5"/>
+          </a:solidFill>
+          <a:ln>
+            <a:noFill/>
+          </a:ln>
+        </p:spPr>
+        <p:style>
+          <a:lnRef idx="2">
+            <a:schemeClr val="accent1">
+              <a:shade val="15000"/>
+            </a:schemeClr>
+          </a:lnRef>
+          <a:fillRef idx="1">
+            <a:schemeClr val="accent1"/>
+          </a:fillRef>
+          <a:effectRef idx="0">
+            <a:schemeClr val="accent1"/>
+          </a:effectRef>
+          <a:fontRef idx="minor">
+            <a:schemeClr val="lt1"/>
+          </a:fontRef>
+        </p:style>
+        <p:txBody>
+          <a:bodyPr rtlCol="0" anchor="ctr"/>
+          <a:lstStyle/>
+          <a:p>
+            <a:pPr algn="ctr"/>
+            <a:endParaRPr lang="zh-CN" altLang="en-US"/>
+          </a:p>
+        </p:txBody>
+      </p:sp>
+      <p:sp>
+        <p:nvSpPr>
+          <p:cNvPr id="20" name="矩形 19">
+            <a:extLst>
+              <a:ext uri="{FF2B5EF4-FFF2-40B4-BE49-F238E27FC236}">
+                <a16:creationId xmlns:a16="http://schemas.microsoft.com/office/drawing/2014/main" id="{8FA4103A-CE77-4706-2F79-B6804D152042}"/>
+              </a:ext>
+            </a:extLst>
+          </p:cNvPr>
+          <p:cNvSpPr/>
+          <p:nvPr/>
+        </p:nvSpPr>
+        <p:spPr>
+          <a:xfrm>
+            <a:off x="7762913" y="-525024"/>
+            <a:ext cx="1085850" cy="406840"/>
+          </a:xfrm>
+          <a:prstGeom prst="rect">
+            <a:avLst/>
+          </a:prstGeom>
+          <a:solidFill>
+            <a:schemeClr val="accent1">
+              <a:lumMod val="60000"/>
+              <a:lumOff val="40000"/>
+            </a:schemeClr>
+          </a:solidFill>
+          <a:ln>
+            <a:noFill/>
+          </a:ln>
+        </p:spPr>
+        <p:style>
+          <a:lnRef idx="2">
+            <a:schemeClr val="accent1">
+              <a:shade val="15000"/>
+            </a:schemeClr>
+          </a:lnRef>
+          <a:fillRef idx="1">
+            <a:schemeClr val="accent1"/>
+          </a:fillRef>
+          <a:effectRef idx="0">
+            <a:schemeClr val="accent1"/>
+          </a:effectRef>
+          <a:fontRef idx="minor">
+            <a:schemeClr val="lt1"/>
+          </a:fontRef>
+        </p:style>
+        <p:txBody>
+          <a:bodyPr rtlCol="0" anchor="ctr"/>
+          <a:lstStyle/>
+          <a:p>
+            <a:pPr algn="ctr"/>
+            <a:endParaRPr lang="zh-CN" altLang="en-US" dirty="0"/>
+          </a:p>
+        </p:txBody>
+      </p:sp>
+      <p:sp>
+        <p:nvSpPr>
+          <p:cNvPr id="19" name="矩形 18">
+            <a:extLst>
+              <a:ext uri="{FF2B5EF4-FFF2-40B4-BE49-F238E27FC236}">
+                <a16:creationId xmlns:a16="http://schemas.microsoft.com/office/drawing/2014/main" id="{F8217EC4-44B0-EE44-A130-5E0A7E19F0E6}"/>
+              </a:ext>
+            </a:extLst>
+          </p:cNvPr>
+          <p:cNvSpPr/>
+          <p:nvPr/>
+        </p:nvSpPr>
+        <p:spPr>
+          <a:xfrm>
+            <a:off x="547697" y="1035326"/>
+            <a:ext cx="1085850" cy="406840"/>
+          </a:xfrm>
+          <a:prstGeom prst="rect">
+            <a:avLst/>
+          </a:prstGeom>
+          <a:solidFill>
+            <a:schemeClr val="accent1">
+              <a:lumMod val="60000"/>
+              <a:lumOff val="40000"/>
+            </a:schemeClr>
+          </a:solidFill>
+          <a:ln>
+            <a:noFill/>
+          </a:ln>
+        </p:spPr>
+        <p:style>
+          <a:lnRef idx="2">
+            <a:schemeClr val="accent1">
+              <a:shade val="15000"/>
+            </a:schemeClr>
+          </a:lnRef>
+          <a:fillRef idx="1">
+            <a:schemeClr val="accent1"/>
+          </a:fillRef>
+          <a:effectRef idx="0">
+            <a:schemeClr val="accent1"/>
+          </a:effectRef>
+          <a:fontRef idx="minor">
+            <a:schemeClr val="lt1"/>
+          </a:fontRef>
+        </p:style>
+        <p:txBody>
+          <a:bodyPr rtlCol="0" anchor="ctr"/>
+          <a:lstStyle/>
+          <a:p>
+            <a:pPr algn="ctr"/>
+            <a:endParaRPr lang="zh-CN" altLang="en-US" dirty="0"/>
+          </a:p>
+        </p:txBody>
+      </p:sp>
+      <p:sp>
+        <p:nvSpPr>
+          <p:cNvPr id="10" name="文本框 9">
+            <a:extLst>
+              <a:ext uri="{FF2B5EF4-FFF2-40B4-BE49-F238E27FC236}">
+                <a16:creationId xmlns:a16="http://schemas.microsoft.com/office/drawing/2014/main" id="{349D4407-0428-0B5B-7F14-EE06E79CB335}"/>
+              </a:ext>
+            </a:extLst>
+          </p:cNvPr>
+          <p:cNvSpPr txBox="1"/>
+          <p:nvPr/>
+        </p:nvSpPr>
+        <p:spPr>
+          <a:xfrm>
+            <a:off x="792562" y="1042772"/>
+            <a:ext cx="762000" cy="400110"/>
+          </a:xfrm>
+          <a:prstGeom prst="rect">
+            <a:avLst/>
+          </a:prstGeom>
+          <a:noFill/>
+        </p:spPr>
+        <p:txBody>
+          <a:bodyPr wrap="square" rtlCol="0">
+            <a:spAutoFit/>
+          </a:bodyPr>
+          <a:lstStyle/>
+          <a:p>
+            <a:pPr algn="l"/>
+            <a:r>
+              <a:rPr lang="zh-CN" altLang="en-US" sz="2000" b="1" dirty="0">
+                <a:solidFill>
+                  <a:schemeClr val="bg1"/>
+                </a:solidFill>
+                <a:latin typeface="黑体" panose="02010609060101010101" pitchFamily="49" charset="-122"/>
+                <a:ea typeface="黑体" panose="02010609060101010101" pitchFamily="49" charset="-122"/>
+              </a:rPr>
+              <a:t>首页</a:t>
+            </a:r>
+          </a:p>
+        </p:txBody>
+      </p:sp>
+      <p:sp>
+        <p:nvSpPr>
+          <p:cNvPr id="11" name="文本框 10">
+            <a:extLst>
+              <a:ext uri="{FF2B5EF4-FFF2-40B4-BE49-F238E27FC236}">
+                <a16:creationId xmlns:a16="http://schemas.microsoft.com/office/drawing/2014/main" id="{682ED60C-6E66-F7F1-A96D-0302206FACB3}"/>
+              </a:ext>
+            </a:extLst>
+          </p:cNvPr>
+          <p:cNvSpPr txBox="1"/>
+          <p:nvPr/>
+        </p:nvSpPr>
+        <p:spPr>
+          <a:xfrm>
+            <a:off x="1633547" y="1042056"/>
+            <a:ext cx="1275299" cy="400110"/>
+          </a:xfrm>
+          <a:prstGeom prst="rect">
+            <a:avLst/>
+          </a:prstGeom>
+          <a:noFill/>
+        </p:spPr>
+        <p:txBody>
+          <a:bodyPr wrap="square" rtlCol="0">
+            <a:spAutoFit/>
+          </a:bodyPr>
+          <a:lstStyle/>
+          <a:p>
+            <a:pPr algn="l"/>
+            <a:r>
+              <a:rPr lang="zh-CN" altLang="en-US" sz="2000" b="1" dirty="0">
+                <a:solidFill>
+                  <a:schemeClr val="bg1"/>
+                </a:solidFill>
+                <a:latin typeface="黑体" panose="02010609060101010101" pitchFamily="49" charset="-122"/>
+                <a:ea typeface="黑体" panose="02010609060101010101" pitchFamily="49" charset="-122"/>
+              </a:rPr>
+              <a:t>教师介绍</a:t>
+            </a:r>
+          </a:p>
+        </p:txBody>
+      </p:sp>
+      <p:sp>
+        <p:nvSpPr>
+          <p:cNvPr id="12" name="文本框 11">
+            <a:extLst>
+              <a:ext uri="{FF2B5EF4-FFF2-40B4-BE49-F238E27FC236}">
+                <a16:creationId xmlns:a16="http://schemas.microsoft.com/office/drawing/2014/main" id="{79E15224-BC2A-5C42-37EE-4CCA2AD95AEB}"/>
+              </a:ext>
+            </a:extLst>
+          </p:cNvPr>
+          <p:cNvSpPr txBox="1"/>
+          <p:nvPr/>
+        </p:nvSpPr>
+        <p:spPr>
+          <a:xfrm>
+            <a:off x="3013463" y="1035706"/>
+            <a:ext cx="1275299" cy="400110"/>
+          </a:xfrm>
+          <a:prstGeom prst="rect">
+            <a:avLst/>
+          </a:prstGeom>
+          <a:noFill/>
+        </p:spPr>
+        <p:txBody>
+          <a:bodyPr wrap="square" rtlCol="0">
+            <a:spAutoFit/>
+          </a:bodyPr>
+          <a:lstStyle/>
+          <a:p>
+            <a:pPr algn="l"/>
+            <a:r>
+              <a:rPr lang="zh-CN" altLang="en-US" sz="2000" b="1" dirty="0">
+                <a:solidFill>
+                  <a:schemeClr val="bg1"/>
+                </a:solidFill>
+                <a:latin typeface="黑体" panose="02010609060101010101" pitchFamily="49" charset="-122"/>
+                <a:ea typeface="黑体" panose="02010609060101010101" pitchFamily="49" charset="-122"/>
+              </a:rPr>
+              <a:t>组员介绍</a:t>
+            </a:r>
+          </a:p>
+        </p:txBody>
+      </p:sp>
+      <p:sp>
+        <p:nvSpPr>
+          <p:cNvPr id="13" name="文本框 12">
+            <a:extLst>
+              <a:ext uri="{FF2B5EF4-FFF2-40B4-BE49-F238E27FC236}">
+                <a16:creationId xmlns:a16="http://schemas.microsoft.com/office/drawing/2014/main" id="{3122C9C7-3338-CC25-0340-92F0AC795C24}"/>
+              </a:ext>
+            </a:extLst>
+          </p:cNvPr>
+          <p:cNvSpPr txBox="1"/>
+          <p:nvPr/>
+        </p:nvSpPr>
+        <p:spPr>
+          <a:xfrm>
+            <a:off x="7218196" y="1035326"/>
+            <a:ext cx="1489601" cy="400110"/>
+          </a:xfrm>
+          <a:prstGeom prst="rect">
+            <a:avLst/>
+          </a:prstGeom>
+          <a:noFill/>
+        </p:spPr>
+        <p:txBody>
+          <a:bodyPr wrap="square" rtlCol="0">
+            <a:spAutoFit/>
+          </a:bodyPr>
+          <a:lstStyle/>
+          <a:p>
+            <a:pPr algn="l"/>
+            <a:r>
+              <a:rPr lang="zh-CN" altLang="en-US" sz="2000" b="1" dirty="0">
+                <a:solidFill>
+                  <a:schemeClr val="bg1"/>
+                </a:solidFill>
+                <a:latin typeface="黑体" panose="02010609060101010101" pitchFamily="49" charset="-122"/>
+                <a:ea typeface="黑体" panose="02010609060101010101" pitchFamily="49" charset="-122"/>
+              </a:rPr>
+              <a:t>课题组新闻</a:t>
+            </a:r>
+          </a:p>
+        </p:txBody>
+      </p:sp>
+      <p:sp>
+        <p:nvSpPr>
+          <p:cNvPr id="14" name="文本框 13">
+            <a:extLst>
+              <a:ext uri="{FF2B5EF4-FFF2-40B4-BE49-F238E27FC236}">
+                <a16:creationId xmlns:a16="http://schemas.microsoft.com/office/drawing/2014/main" id="{67D759F4-7B87-5A5A-073C-EA13895C448A}"/>
+              </a:ext>
+            </a:extLst>
+          </p:cNvPr>
+          <p:cNvSpPr txBox="1"/>
+          <p:nvPr/>
+        </p:nvSpPr>
+        <p:spPr>
+          <a:xfrm>
+            <a:off x="4342053" y="1035706"/>
+            <a:ext cx="1275299" cy="400110"/>
+          </a:xfrm>
+          <a:prstGeom prst="rect">
+            <a:avLst/>
+          </a:prstGeom>
+          <a:noFill/>
+        </p:spPr>
+        <p:txBody>
+          <a:bodyPr wrap="square" rtlCol="0">
+            <a:spAutoFit/>
+          </a:bodyPr>
+          <a:lstStyle/>
+          <a:p>
+            <a:pPr algn="l"/>
+            <a:r>
+              <a:rPr lang="zh-CN" altLang="en-US" sz="2000" b="1" dirty="0">
+                <a:solidFill>
+                  <a:schemeClr val="bg1"/>
+                </a:solidFill>
+                <a:latin typeface="黑体" panose="02010609060101010101" pitchFamily="49" charset="-122"/>
+                <a:ea typeface="黑体" panose="02010609060101010101" pitchFamily="49" charset="-122"/>
+              </a:rPr>
+              <a:t>研究方向</a:t>
+            </a:r>
+          </a:p>
+        </p:txBody>
+      </p:sp>
+      <p:sp>
+        <p:nvSpPr>
+          <p:cNvPr id="15" name="文本框 14">
+            <a:extLst>
+              <a:ext uri="{FF2B5EF4-FFF2-40B4-BE49-F238E27FC236}">
+                <a16:creationId xmlns:a16="http://schemas.microsoft.com/office/drawing/2014/main" id="{3468D1C6-4F62-E27F-47B2-28C2E4570F0D}"/>
+              </a:ext>
+            </a:extLst>
+          </p:cNvPr>
+          <p:cNvSpPr txBox="1"/>
+          <p:nvPr/>
+        </p:nvSpPr>
+        <p:spPr>
+          <a:xfrm>
+            <a:off x="8848763" y="1035326"/>
+            <a:ext cx="1275299" cy="400110"/>
+          </a:xfrm>
+          <a:prstGeom prst="rect">
+            <a:avLst/>
+          </a:prstGeom>
+          <a:noFill/>
+        </p:spPr>
+        <p:txBody>
+          <a:bodyPr wrap="square" rtlCol="0">
+            <a:spAutoFit/>
+          </a:bodyPr>
+          <a:lstStyle/>
+          <a:p>
+            <a:pPr algn="l"/>
+            <a:r>
+              <a:rPr lang="zh-CN" altLang="en-US" sz="2000" b="1" dirty="0">
+                <a:solidFill>
+                  <a:schemeClr val="bg1"/>
+                </a:solidFill>
+                <a:latin typeface="黑体" panose="02010609060101010101" pitchFamily="49" charset="-122"/>
+                <a:ea typeface="黑体" panose="02010609060101010101" pitchFamily="49" charset="-122"/>
+              </a:rPr>
+              <a:t>组内活动</a:t>
+            </a:r>
+          </a:p>
+        </p:txBody>
+      </p:sp>
+      <p:sp>
+        <p:nvSpPr>
+          <p:cNvPr id="16" name="文本框 15">
+            <a:extLst>
+              <a:ext uri="{FF2B5EF4-FFF2-40B4-BE49-F238E27FC236}">
+                <a16:creationId xmlns:a16="http://schemas.microsoft.com/office/drawing/2014/main" id="{405076C6-B8A3-BD82-9E5A-A8E04B49A749}"/>
+              </a:ext>
+            </a:extLst>
+          </p:cNvPr>
+          <p:cNvSpPr txBox="1"/>
+          <p:nvPr/>
+        </p:nvSpPr>
+        <p:spPr>
+          <a:xfrm>
+            <a:off x="5681785" y="1042056"/>
+            <a:ext cx="1544513" cy="400110"/>
+          </a:xfrm>
+          <a:prstGeom prst="rect">
+            <a:avLst/>
+          </a:prstGeom>
+          <a:noFill/>
+        </p:spPr>
+        <p:txBody>
+          <a:bodyPr wrap="square" rtlCol="0">
+            <a:spAutoFit/>
+          </a:bodyPr>
+          <a:lstStyle/>
+          <a:p>
+            <a:pPr algn="l"/>
+            <a:r>
+              <a:rPr lang="zh-CN" altLang="en-US" sz="2000" b="1" dirty="0">
+                <a:solidFill>
+                  <a:schemeClr val="bg1"/>
+                </a:solidFill>
+                <a:latin typeface="黑体" panose="02010609060101010101" pitchFamily="49" charset="-122"/>
+                <a:ea typeface="黑体" panose="02010609060101010101" pitchFamily="49" charset="-122"/>
+              </a:rPr>
+              <a:t>成果及论文</a:t>
+            </a:r>
+          </a:p>
+        </p:txBody>
+      </p:sp>
+      <p:sp>
+        <p:nvSpPr>
+          <p:cNvPr id="17" name="文本框 16">
+            <a:extLst>
+              <a:ext uri="{FF2B5EF4-FFF2-40B4-BE49-F238E27FC236}">
+                <a16:creationId xmlns:a16="http://schemas.microsoft.com/office/drawing/2014/main" id="{3D75C95A-6546-170F-98A9-C4E3EC10B561}"/>
+              </a:ext>
+            </a:extLst>
+          </p:cNvPr>
+          <p:cNvSpPr txBox="1"/>
+          <p:nvPr/>
+        </p:nvSpPr>
+        <p:spPr>
+          <a:xfrm>
+            <a:off x="10181426" y="1042772"/>
+            <a:ext cx="1275299" cy="400110"/>
+          </a:xfrm>
+          <a:prstGeom prst="rect">
+            <a:avLst/>
+          </a:prstGeom>
+          <a:noFill/>
+        </p:spPr>
+        <p:txBody>
+          <a:bodyPr wrap="square" rtlCol="0">
+            <a:spAutoFit/>
+          </a:bodyPr>
+          <a:lstStyle/>
+          <a:p>
+            <a:pPr algn="l"/>
+            <a:r>
+              <a:rPr lang="zh-CN" altLang="en-US" sz="2000" b="1" dirty="0">
+                <a:solidFill>
+                  <a:schemeClr val="bg1"/>
+                </a:solidFill>
+                <a:latin typeface="黑体" panose="02010609060101010101" pitchFamily="49" charset="-122"/>
+                <a:ea typeface="黑体" panose="02010609060101010101" pitchFamily="49" charset="-122"/>
+              </a:rPr>
+              <a:t>加入我们</a:t>
+            </a:r>
+          </a:p>
+        </p:txBody>
+      </p:sp>
+      <p:sp>
+        <p:nvSpPr>
+          <p:cNvPr id="21" name="文本框 20">
+            <a:extLst>
+              <a:ext uri="{FF2B5EF4-FFF2-40B4-BE49-F238E27FC236}">
+                <a16:creationId xmlns:a16="http://schemas.microsoft.com/office/drawing/2014/main" id="{D9D07881-F9E2-6432-D85F-A13A2EE48732}"/>
+              </a:ext>
+            </a:extLst>
+          </p:cNvPr>
+          <p:cNvSpPr txBox="1"/>
+          <p:nvPr/>
+        </p:nvSpPr>
+        <p:spPr>
+          <a:xfrm>
+            <a:off x="2501900" y="2686050"/>
+            <a:ext cx="4032250" cy="400110"/>
+          </a:xfrm>
+          <a:prstGeom prst="rect">
+            <a:avLst/>
+          </a:prstGeom>
+          <a:noFill/>
+        </p:spPr>
+        <p:txBody>
+          <a:bodyPr wrap="square" rtlCol="0">
+            <a:spAutoFit/>
+          </a:bodyPr>
+          <a:lstStyle/>
+          <a:p>
+            <a:pPr algn="l"/>
+            <a:r>
+              <a:rPr lang="zh-CN" altLang="en-US" sz="2000" b="1" dirty="0">
+                <a:solidFill>
+                  <a:srgbClr val="FF0000"/>
+                </a:solidFill>
+                <a:highlight>
+                  <a:srgbClr val="FFFF00"/>
+                </a:highlight>
+                <a:latin typeface="黑体" panose="02010609060101010101" pitchFamily="49" charset="-122"/>
+                <a:ea typeface="黑体" panose="02010609060101010101" pitchFamily="49" charset="-122"/>
+              </a:rPr>
+              <a:t>课题组简介、课题组图片</a:t>
+            </a:r>
+            <a:endParaRPr lang="en-US" altLang="zh-CN" sz="2000" b="1" dirty="0">
+              <a:solidFill>
+                <a:srgbClr val="FF0000"/>
+              </a:solidFill>
+              <a:highlight>
+                <a:srgbClr val="FFFF00"/>
+              </a:highlight>
+              <a:latin typeface="黑体" panose="02010609060101010101" pitchFamily="49" charset="-122"/>
+              <a:ea typeface="黑体" panose="02010609060101010101" pitchFamily="49" charset="-122"/>
+            </a:endParaRPr>
+          </a:p>
+        </p:txBody>
+      </p:sp>
+    </p:spTree>
+    <p:extLst>
+      <p:ext uri="{BB962C8B-B14F-4D97-AF65-F5344CB8AC3E}">
+        <p14:creationId xmlns:p14="http://schemas.microsoft.com/office/powerpoint/2010/main" val="3680107217"/>
+      </p:ext>
+    </p:extLst>
+  </p:cSld>
+  <p:clrMapOvr>
+    <a:masterClrMapping/>
+  </p:clrMapOvr>
+</p:sld>
+</file>
+
+<file path=ppt/slides/slide2.xml><?xml version="1.0" encoding="utf-8"?>
+<p:sld xmlns:a="http://schemas.openxmlformats.org/drawingml/2006/main" xmlns:r="http://schemas.openxmlformats.org/officeDocument/2006/relationships" xmlns:p="http://schemas.openxmlformats.org/presentationml/2006/main">
+  <p:cSld>
+    <p:spTree>
+      <p:nvGrpSpPr>
+        <p:cNvPr id="1" name=""/>
+        <p:cNvGrpSpPr/>
+        <p:nvPr/>
+      </p:nvGrpSpPr>
+      <p:grpSpPr>
+        <a:xfrm>
+          <a:off x="0" y="0"/>
+          <a:ext cx="0" cy="0"/>
+          <a:chOff x="0" y="0"/>
+          <a:chExt cx="0" cy="0"/>
+        </a:xfrm>
+      </p:grpSpPr>
       <p:pic>
         <p:nvPicPr>
-          <p:cNvPr id="8" name="图片 7">
-            <a:extLst>
-              <a:ext uri="{FF2B5EF4-FFF2-40B4-BE49-F238E27FC236}">
-                <a16:creationId xmlns:a16="http://schemas.microsoft.com/office/drawing/2014/main" id="{811A606A-2C8F-2DB3-89E7-50B404EA7E3D}"/>
+          <p:cNvPr id="4" name="图片 3">
+            <a:extLst>
+              <a:ext uri="{FF2B5EF4-FFF2-40B4-BE49-F238E27FC236}">
+                <a16:creationId xmlns:a16="http://schemas.microsoft.com/office/drawing/2014/main" id="{36D24FAE-CBDE-2DCE-94D0-19FC2ADF291D}"/>
               </a:ext>
             </a:extLst>
           </p:cNvPr>
@@ -3425,21 +4080,606 @@
           <p:nvPr/>
         </p:nvPicPr>
         <p:blipFill>
-          <a:blip r:embed="rId3">
+          <a:blip r:embed="rId2">
             <a:extLst>
               <a:ext uri="{28A0092B-C50C-407E-A947-70E740481C1C}">
                 <a14:useLocalDpi xmlns:a14="http://schemas.microsoft.com/office/drawing/2010/main" val="0"/>
               </a:ext>
             </a:extLst>
           </a:blip>
+          <a:srcRect t="32551" b="33333"/>
+          <a:stretch/>
+        </p:blipFill>
+        <p:spPr>
+          <a:xfrm>
+            <a:off x="75927" y="106189"/>
+            <a:ext cx="3799949" cy="935867"/>
+          </a:xfrm>
+          <a:prstGeom prst="rect">
+            <a:avLst/>
+          </a:prstGeom>
+        </p:spPr>
+      </p:pic>
+      <p:sp>
+        <p:nvSpPr>
+          <p:cNvPr id="5" name="文本框 4">
+            <a:extLst>
+              <a:ext uri="{FF2B5EF4-FFF2-40B4-BE49-F238E27FC236}">
+                <a16:creationId xmlns:a16="http://schemas.microsoft.com/office/drawing/2014/main" id="{7F6056AD-7988-F915-A4D6-FC15180100A1}"/>
+              </a:ext>
+            </a:extLst>
+          </p:cNvPr>
+          <p:cNvSpPr txBox="1"/>
+          <p:nvPr/>
+        </p:nvSpPr>
+        <p:spPr>
+          <a:xfrm>
+            <a:off x="4358476" y="112457"/>
+            <a:ext cx="3215149" cy="461665"/>
+          </a:xfrm>
+          <a:prstGeom prst="rect">
+            <a:avLst/>
+          </a:prstGeom>
+          <a:noFill/>
+        </p:spPr>
+        <p:txBody>
+          <a:bodyPr wrap="square" rtlCol="0">
+            <a:spAutoFit/>
+          </a:bodyPr>
+          <a:lstStyle/>
+          <a:p>
+            <a:r>
+              <a:rPr lang="en-US" altLang="zh-CN" sz="2400" b="1" dirty="0" err="1">
+                <a:latin typeface="黑体" panose="02010609060101010101" pitchFamily="49" charset="-122"/>
+                <a:ea typeface="黑体" panose="02010609060101010101" pitchFamily="49" charset="-122"/>
+              </a:rPr>
+              <a:t>xxxx</a:t>
+            </a:r>
+            <a:r>
+              <a:rPr lang="zh-CN" altLang="en-US" sz="2400" b="1" dirty="0">
+                <a:latin typeface="黑体" panose="02010609060101010101" pitchFamily="49" charset="-122"/>
+                <a:ea typeface="黑体" panose="02010609060101010101" pitchFamily="49" charset="-122"/>
+              </a:rPr>
+              <a:t>课题组</a:t>
+            </a:r>
+          </a:p>
+        </p:txBody>
+      </p:sp>
+      <p:sp>
+        <p:nvSpPr>
+          <p:cNvPr id="7" name="文本框 6">
+            <a:extLst>
+              <a:ext uri="{FF2B5EF4-FFF2-40B4-BE49-F238E27FC236}">
+                <a16:creationId xmlns:a16="http://schemas.microsoft.com/office/drawing/2014/main" id="{45AA0A13-A028-9ADC-EDE0-BF3B945D78D8}"/>
+              </a:ext>
+            </a:extLst>
+          </p:cNvPr>
+          <p:cNvSpPr txBox="1"/>
+          <p:nvPr/>
+        </p:nvSpPr>
+        <p:spPr>
+          <a:xfrm>
+            <a:off x="4358476" y="536678"/>
+            <a:ext cx="5822950" cy="400110"/>
+          </a:xfrm>
+          <a:prstGeom prst="rect">
+            <a:avLst/>
+          </a:prstGeom>
+          <a:noFill/>
+        </p:spPr>
+        <p:txBody>
+          <a:bodyPr wrap="square" rtlCol="0">
+            <a:spAutoFit/>
+          </a:bodyPr>
+          <a:lstStyle/>
+          <a:p>
+            <a:pPr algn="l"/>
+            <a:r>
+              <a:rPr lang="zh-CN" altLang="en-US" sz="2000" dirty="0">
+                <a:solidFill>
+                  <a:schemeClr val="bg1">
+                    <a:lumMod val="50000"/>
+                  </a:schemeClr>
+                </a:solidFill>
+                <a:latin typeface="黑体" panose="02010609060101010101" pitchFamily="49" charset="-122"/>
+                <a:ea typeface="黑体" panose="02010609060101010101" pitchFamily="49" charset="-122"/>
+              </a:rPr>
+              <a:t>吉林师范大学</a:t>
+            </a:r>
+            <a:r>
+              <a:rPr lang="en-US" altLang="zh-CN" sz="2000" dirty="0">
+                <a:solidFill>
+                  <a:schemeClr val="bg1">
+                    <a:lumMod val="50000"/>
+                  </a:schemeClr>
+                </a:solidFill>
+                <a:latin typeface="黑体" panose="02010609060101010101" pitchFamily="49" charset="-122"/>
+                <a:ea typeface="黑体" panose="02010609060101010101" pitchFamily="49" charset="-122"/>
+              </a:rPr>
+              <a:t>xx</a:t>
+            </a:r>
+            <a:r>
+              <a:rPr lang="zh-CN" altLang="en-US" sz="2000" dirty="0">
+                <a:solidFill>
+                  <a:schemeClr val="bg1">
+                    <a:lumMod val="50000"/>
+                  </a:schemeClr>
+                </a:solidFill>
+                <a:latin typeface="黑体" panose="02010609060101010101" pitchFamily="49" charset="-122"/>
+                <a:ea typeface="黑体" panose="02010609060101010101" pitchFamily="49" charset="-122"/>
+              </a:rPr>
+              <a:t>学院</a:t>
+            </a:r>
+          </a:p>
+        </p:txBody>
+      </p:sp>
+      <p:sp>
+        <p:nvSpPr>
+          <p:cNvPr id="9" name="矩形 8">
+            <a:extLst>
+              <a:ext uri="{FF2B5EF4-FFF2-40B4-BE49-F238E27FC236}">
+                <a16:creationId xmlns:a16="http://schemas.microsoft.com/office/drawing/2014/main" id="{F5DD76DF-F613-44E7-C86F-FD4AAC9D89CF}"/>
+              </a:ext>
+            </a:extLst>
+          </p:cNvPr>
+          <p:cNvSpPr/>
+          <p:nvPr/>
+        </p:nvSpPr>
+        <p:spPr>
+          <a:xfrm>
+            <a:off x="0" y="1042056"/>
+            <a:ext cx="12192000" cy="400110"/>
+          </a:xfrm>
+          <a:prstGeom prst="rect">
+            <a:avLst/>
+          </a:prstGeom>
+          <a:solidFill>
+            <a:srgbClr val="3F51B5"/>
+          </a:solidFill>
+          <a:ln>
+            <a:noFill/>
+          </a:ln>
+        </p:spPr>
+        <p:style>
+          <a:lnRef idx="2">
+            <a:schemeClr val="accent1">
+              <a:shade val="15000"/>
+            </a:schemeClr>
+          </a:lnRef>
+          <a:fillRef idx="1">
+            <a:schemeClr val="accent1"/>
+          </a:fillRef>
+          <a:effectRef idx="0">
+            <a:schemeClr val="accent1"/>
+          </a:effectRef>
+          <a:fontRef idx="minor">
+            <a:schemeClr val="lt1"/>
+          </a:fontRef>
+        </p:style>
+        <p:txBody>
+          <a:bodyPr rtlCol="0" anchor="ctr"/>
+          <a:lstStyle/>
+          <a:p>
+            <a:pPr algn="ctr"/>
+            <a:endParaRPr lang="zh-CN" altLang="en-US"/>
+          </a:p>
+        </p:txBody>
+      </p:sp>
+      <p:sp>
+        <p:nvSpPr>
+          <p:cNvPr id="2" name="矩形 1">
+            <a:extLst>
+              <a:ext uri="{FF2B5EF4-FFF2-40B4-BE49-F238E27FC236}">
+                <a16:creationId xmlns:a16="http://schemas.microsoft.com/office/drawing/2014/main" id="{003B77B7-21D6-4FFB-840C-C848CB174B89}"/>
+              </a:ext>
+            </a:extLst>
+          </p:cNvPr>
+          <p:cNvSpPr/>
+          <p:nvPr/>
+        </p:nvSpPr>
+        <p:spPr>
+          <a:xfrm>
+            <a:off x="1628683" y="1042056"/>
+            <a:ext cx="1275299" cy="403475"/>
+          </a:xfrm>
+          <a:prstGeom prst="rect">
+            <a:avLst/>
+          </a:prstGeom>
+          <a:solidFill>
+            <a:schemeClr val="accent1">
+              <a:lumMod val="60000"/>
+              <a:lumOff val="40000"/>
+            </a:schemeClr>
+          </a:solidFill>
+          <a:ln>
+            <a:noFill/>
+          </a:ln>
+        </p:spPr>
+        <p:style>
+          <a:lnRef idx="2">
+            <a:schemeClr val="accent1">
+              <a:shade val="15000"/>
+            </a:schemeClr>
+          </a:lnRef>
+          <a:fillRef idx="1">
+            <a:schemeClr val="accent1"/>
+          </a:fillRef>
+          <a:effectRef idx="0">
+            <a:schemeClr val="accent1"/>
+          </a:effectRef>
+          <a:fontRef idx="minor">
+            <a:schemeClr val="lt1"/>
+          </a:fontRef>
+        </p:style>
+        <p:txBody>
+          <a:bodyPr rtlCol="0" anchor="ctr"/>
+          <a:lstStyle/>
+          <a:p>
+            <a:pPr algn="ctr"/>
+            <a:endParaRPr lang="zh-CN" altLang="en-US" dirty="0"/>
+          </a:p>
+        </p:txBody>
+      </p:sp>
+      <p:sp>
+        <p:nvSpPr>
+          <p:cNvPr id="10" name="文本框 9">
+            <a:extLst>
+              <a:ext uri="{FF2B5EF4-FFF2-40B4-BE49-F238E27FC236}">
+                <a16:creationId xmlns:a16="http://schemas.microsoft.com/office/drawing/2014/main" id="{349D4407-0428-0B5B-7F14-EE06E79CB335}"/>
+              </a:ext>
+            </a:extLst>
+          </p:cNvPr>
+          <p:cNvSpPr txBox="1"/>
+          <p:nvPr/>
+        </p:nvSpPr>
+        <p:spPr>
+          <a:xfrm>
+            <a:off x="792562" y="1042772"/>
+            <a:ext cx="762000" cy="400110"/>
+          </a:xfrm>
+          <a:prstGeom prst="rect">
+            <a:avLst/>
+          </a:prstGeom>
+          <a:noFill/>
+        </p:spPr>
+        <p:txBody>
+          <a:bodyPr wrap="square" rtlCol="0">
+            <a:spAutoFit/>
+          </a:bodyPr>
+          <a:lstStyle/>
+          <a:p>
+            <a:pPr algn="l"/>
+            <a:r>
+              <a:rPr lang="zh-CN" altLang="en-US" sz="2000" b="1" dirty="0">
+                <a:solidFill>
+                  <a:schemeClr val="bg1"/>
+                </a:solidFill>
+                <a:latin typeface="黑体" panose="02010609060101010101" pitchFamily="49" charset="-122"/>
+                <a:ea typeface="黑体" panose="02010609060101010101" pitchFamily="49" charset="-122"/>
+              </a:rPr>
+              <a:t>首页</a:t>
+            </a:r>
+          </a:p>
+        </p:txBody>
+      </p:sp>
+      <p:sp>
+        <p:nvSpPr>
+          <p:cNvPr id="11" name="文本框 10">
+            <a:extLst>
+              <a:ext uri="{FF2B5EF4-FFF2-40B4-BE49-F238E27FC236}">
+                <a16:creationId xmlns:a16="http://schemas.microsoft.com/office/drawing/2014/main" id="{682ED60C-6E66-F7F1-A96D-0302206FACB3}"/>
+              </a:ext>
+            </a:extLst>
+          </p:cNvPr>
+          <p:cNvSpPr txBox="1"/>
+          <p:nvPr/>
+        </p:nvSpPr>
+        <p:spPr>
+          <a:xfrm>
+            <a:off x="1633547" y="1042056"/>
+            <a:ext cx="1275299" cy="400110"/>
+          </a:xfrm>
+          <a:prstGeom prst="rect">
+            <a:avLst/>
+          </a:prstGeom>
+          <a:noFill/>
+        </p:spPr>
+        <p:txBody>
+          <a:bodyPr wrap="square" rtlCol="0">
+            <a:spAutoFit/>
+          </a:bodyPr>
+          <a:lstStyle/>
+          <a:p>
+            <a:pPr algn="l"/>
+            <a:r>
+              <a:rPr lang="zh-CN" altLang="en-US" sz="2000" b="1" dirty="0">
+                <a:solidFill>
+                  <a:schemeClr val="bg1"/>
+                </a:solidFill>
+                <a:latin typeface="黑体" panose="02010609060101010101" pitchFamily="49" charset="-122"/>
+                <a:ea typeface="黑体" panose="02010609060101010101" pitchFamily="49" charset="-122"/>
+              </a:rPr>
+              <a:t>教师介绍</a:t>
+            </a:r>
+          </a:p>
+        </p:txBody>
+      </p:sp>
+      <p:sp>
+        <p:nvSpPr>
+          <p:cNvPr id="12" name="文本框 11">
+            <a:extLst>
+              <a:ext uri="{FF2B5EF4-FFF2-40B4-BE49-F238E27FC236}">
+                <a16:creationId xmlns:a16="http://schemas.microsoft.com/office/drawing/2014/main" id="{79E15224-BC2A-5C42-37EE-4CCA2AD95AEB}"/>
+              </a:ext>
+            </a:extLst>
+          </p:cNvPr>
+          <p:cNvSpPr txBox="1"/>
+          <p:nvPr/>
+        </p:nvSpPr>
+        <p:spPr>
+          <a:xfrm>
+            <a:off x="3013463" y="1035706"/>
+            <a:ext cx="1275299" cy="400110"/>
+          </a:xfrm>
+          <a:prstGeom prst="rect">
+            <a:avLst/>
+          </a:prstGeom>
+          <a:noFill/>
+        </p:spPr>
+        <p:txBody>
+          <a:bodyPr wrap="square" rtlCol="0">
+            <a:spAutoFit/>
+          </a:bodyPr>
+          <a:lstStyle/>
+          <a:p>
+            <a:pPr algn="l"/>
+            <a:r>
+              <a:rPr lang="zh-CN" altLang="en-US" sz="2000" b="1" dirty="0">
+                <a:solidFill>
+                  <a:schemeClr val="bg1"/>
+                </a:solidFill>
+                <a:latin typeface="黑体" panose="02010609060101010101" pitchFamily="49" charset="-122"/>
+                <a:ea typeface="黑体" panose="02010609060101010101" pitchFamily="49" charset="-122"/>
+              </a:rPr>
+              <a:t>组员介绍</a:t>
+            </a:r>
+          </a:p>
+        </p:txBody>
+      </p:sp>
+      <p:sp>
+        <p:nvSpPr>
+          <p:cNvPr id="13" name="文本框 12">
+            <a:extLst>
+              <a:ext uri="{FF2B5EF4-FFF2-40B4-BE49-F238E27FC236}">
+                <a16:creationId xmlns:a16="http://schemas.microsoft.com/office/drawing/2014/main" id="{3122C9C7-3338-CC25-0340-92F0AC795C24}"/>
+              </a:ext>
+            </a:extLst>
+          </p:cNvPr>
+          <p:cNvSpPr txBox="1"/>
+          <p:nvPr/>
+        </p:nvSpPr>
+        <p:spPr>
+          <a:xfrm>
+            <a:off x="7218196" y="1035326"/>
+            <a:ext cx="1489601" cy="400110"/>
+          </a:xfrm>
+          <a:prstGeom prst="rect">
+            <a:avLst/>
+          </a:prstGeom>
+          <a:noFill/>
+        </p:spPr>
+        <p:txBody>
+          <a:bodyPr wrap="square" rtlCol="0">
+            <a:spAutoFit/>
+          </a:bodyPr>
+          <a:lstStyle/>
+          <a:p>
+            <a:pPr algn="l"/>
+            <a:r>
+              <a:rPr lang="zh-CN" altLang="en-US" sz="2000" b="1" dirty="0">
+                <a:solidFill>
+                  <a:schemeClr val="bg1"/>
+                </a:solidFill>
+                <a:latin typeface="黑体" panose="02010609060101010101" pitchFamily="49" charset="-122"/>
+                <a:ea typeface="黑体" panose="02010609060101010101" pitchFamily="49" charset="-122"/>
+              </a:rPr>
+              <a:t>课题组新闻</a:t>
+            </a:r>
+          </a:p>
+        </p:txBody>
+      </p:sp>
+      <p:sp>
+        <p:nvSpPr>
+          <p:cNvPr id="14" name="文本框 13">
+            <a:extLst>
+              <a:ext uri="{FF2B5EF4-FFF2-40B4-BE49-F238E27FC236}">
+                <a16:creationId xmlns:a16="http://schemas.microsoft.com/office/drawing/2014/main" id="{67D759F4-7B87-5A5A-073C-EA13895C448A}"/>
+              </a:ext>
+            </a:extLst>
+          </p:cNvPr>
+          <p:cNvSpPr txBox="1"/>
+          <p:nvPr/>
+        </p:nvSpPr>
+        <p:spPr>
+          <a:xfrm>
+            <a:off x="4342053" y="1035706"/>
+            <a:ext cx="1275299" cy="400110"/>
+          </a:xfrm>
+          <a:prstGeom prst="rect">
+            <a:avLst/>
+          </a:prstGeom>
+          <a:noFill/>
+        </p:spPr>
+        <p:txBody>
+          <a:bodyPr wrap="square" rtlCol="0">
+            <a:spAutoFit/>
+          </a:bodyPr>
+          <a:lstStyle/>
+          <a:p>
+            <a:pPr algn="l"/>
+            <a:r>
+              <a:rPr lang="zh-CN" altLang="en-US" sz="2000" b="1" dirty="0">
+                <a:solidFill>
+                  <a:schemeClr val="bg1"/>
+                </a:solidFill>
+                <a:latin typeface="黑体" panose="02010609060101010101" pitchFamily="49" charset="-122"/>
+                <a:ea typeface="黑体" panose="02010609060101010101" pitchFamily="49" charset="-122"/>
+              </a:rPr>
+              <a:t>研究方向</a:t>
+            </a:r>
+          </a:p>
+        </p:txBody>
+      </p:sp>
+      <p:sp>
+        <p:nvSpPr>
+          <p:cNvPr id="15" name="文本框 14">
+            <a:extLst>
+              <a:ext uri="{FF2B5EF4-FFF2-40B4-BE49-F238E27FC236}">
+                <a16:creationId xmlns:a16="http://schemas.microsoft.com/office/drawing/2014/main" id="{3468D1C6-4F62-E27F-47B2-28C2E4570F0D}"/>
+              </a:ext>
+            </a:extLst>
+          </p:cNvPr>
+          <p:cNvSpPr txBox="1"/>
+          <p:nvPr/>
+        </p:nvSpPr>
+        <p:spPr>
+          <a:xfrm>
+            <a:off x="8848763" y="1035326"/>
+            <a:ext cx="1275299" cy="400110"/>
+          </a:xfrm>
+          <a:prstGeom prst="rect">
+            <a:avLst/>
+          </a:prstGeom>
+          <a:noFill/>
+        </p:spPr>
+        <p:txBody>
+          <a:bodyPr wrap="square" rtlCol="0">
+            <a:spAutoFit/>
+          </a:bodyPr>
+          <a:lstStyle/>
+          <a:p>
+            <a:pPr algn="l"/>
+            <a:r>
+              <a:rPr lang="zh-CN" altLang="en-US" sz="2000" b="1" dirty="0">
+                <a:solidFill>
+                  <a:schemeClr val="bg1"/>
+                </a:solidFill>
+                <a:latin typeface="黑体" panose="02010609060101010101" pitchFamily="49" charset="-122"/>
+                <a:ea typeface="黑体" panose="02010609060101010101" pitchFamily="49" charset="-122"/>
+              </a:rPr>
+              <a:t>组内活动</a:t>
+            </a:r>
+          </a:p>
+        </p:txBody>
+      </p:sp>
+      <p:sp>
+        <p:nvSpPr>
+          <p:cNvPr id="16" name="文本框 15">
+            <a:extLst>
+              <a:ext uri="{FF2B5EF4-FFF2-40B4-BE49-F238E27FC236}">
+                <a16:creationId xmlns:a16="http://schemas.microsoft.com/office/drawing/2014/main" id="{405076C6-B8A3-BD82-9E5A-A8E04B49A749}"/>
+              </a:ext>
+            </a:extLst>
+          </p:cNvPr>
+          <p:cNvSpPr txBox="1"/>
+          <p:nvPr/>
+        </p:nvSpPr>
+        <p:spPr>
+          <a:xfrm>
+            <a:off x="5681785" y="1042056"/>
+            <a:ext cx="1544513" cy="400110"/>
+          </a:xfrm>
+          <a:prstGeom prst="rect">
+            <a:avLst/>
+          </a:prstGeom>
+          <a:noFill/>
+        </p:spPr>
+        <p:txBody>
+          <a:bodyPr wrap="square" rtlCol="0">
+            <a:spAutoFit/>
+          </a:bodyPr>
+          <a:lstStyle/>
+          <a:p>
+            <a:pPr algn="l"/>
+            <a:r>
+              <a:rPr lang="zh-CN" altLang="en-US" sz="2000" b="1" dirty="0">
+                <a:solidFill>
+                  <a:schemeClr val="bg1"/>
+                </a:solidFill>
+                <a:latin typeface="黑体" panose="02010609060101010101" pitchFamily="49" charset="-122"/>
+                <a:ea typeface="黑体" panose="02010609060101010101" pitchFamily="49" charset="-122"/>
+              </a:rPr>
+              <a:t>成果及论文</a:t>
+            </a:r>
+          </a:p>
+        </p:txBody>
+      </p:sp>
+      <p:sp>
+        <p:nvSpPr>
+          <p:cNvPr id="17" name="文本框 16">
+            <a:extLst>
+              <a:ext uri="{FF2B5EF4-FFF2-40B4-BE49-F238E27FC236}">
+                <a16:creationId xmlns:a16="http://schemas.microsoft.com/office/drawing/2014/main" id="{3D75C95A-6546-170F-98A9-C4E3EC10B561}"/>
+              </a:ext>
+            </a:extLst>
+          </p:cNvPr>
+          <p:cNvSpPr txBox="1"/>
+          <p:nvPr/>
+        </p:nvSpPr>
+        <p:spPr>
+          <a:xfrm>
+            <a:off x="10181426" y="1042772"/>
+            <a:ext cx="1275299" cy="400110"/>
+          </a:xfrm>
+          <a:prstGeom prst="rect">
+            <a:avLst/>
+          </a:prstGeom>
+          <a:noFill/>
+        </p:spPr>
+        <p:txBody>
+          <a:bodyPr wrap="square" rtlCol="0">
+            <a:spAutoFit/>
+          </a:bodyPr>
+          <a:lstStyle/>
+          <a:p>
+            <a:pPr algn="l"/>
+            <a:r>
+              <a:rPr lang="zh-CN" altLang="en-US" sz="2000" b="1" dirty="0">
+                <a:solidFill>
+                  <a:schemeClr val="bg1"/>
+                </a:solidFill>
+                <a:latin typeface="黑体" panose="02010609060101010101" pitchFamily="49" charset="-122"/>
+                <a:ea typeface="黑体" panose="02010609060101010101" pitchFamily="49" charset="-122"/>
+              </a:rPr>
+              <a:t>加入我们</a:t>
+            </a:r>
+          </a:p>
+        </p:txBody>
+      </p:sp>
+      <p:pic>
+        <p:nvPicPr>
+          <p:cNvPr id="6" name="图片 5">
+            <a:extLst>
+              <a:ext uri="{FF2B5EF4-FFF2-40B4-BE49-F238E27FC236}">
+                <a16:creationId xmlns:a16="http://schemas.microsoft.com/office/drawing/2014/main" id="{DE1184C4-DEA9-71EA-C205-3DCC4E557C1A}"/>
+              </a:ext>
+            </a:extLst>
+          </p:cNvPr>
+          <p:cNvPicPr>
+            <a:picLocks noChangeAspect="1"/>
+          </p:cNvPicPr>
+          <p:nvPr/>
+        </p:nvPicPr>
+        <p:blipFill>
+          <a:blip r:embed="rId3"/>
           <a:stretch>
             <a:fillRect/>
           </a:stretch>
         </p:blipFill>
         <p:spPr>
           <a:xfrm>
-            <a:off x="-250476" y="-297672"/>
-            <a:ext cx="2571627" cy="2571627"/>
+            <a:off x="0" y="1621913"/>
+            <a:ext cx="12192000" cy="5709674"/>
           </a:xfrm>
           <a:prstGeom prst="rect">
             <a:avLst/>
@@ -3449,7 +4689,5205 @@
     </p:spTree>
     <p:extLst>
       <p:ext uri="{BB962C8B-B14F-4D97-AF65-F5344CB8AC3E}">
-        <p14:creationId xmlns:p14="http://schemas.microsoft.com/office/powerpoint/2010/main" val="3680107217"/>
+        <p14:creationId xmlns:p14="http://schemas.microsoft.com/office/powerpoint/2010/main" val="3155979784"/>
+      </p:ext>
+    </p:extLst>
+  </p:cSld>
+  <p:clrMapOvr>
+    <a:masterClrMapping/>
+  </p:clrMapOvr>
+</p:sld>
+</file>
+
+<file path=ppt/slides/slide3.xml><?xml version="1.0" encoding="utf-8"?>
+<p:sld xmlns:a="http://schemas.openxmlformats.org/drawingml/2006/main" xmlns:r="http://schemas.openxmlformats.org/officeDocument/2006/relationships" xmlns:p="http://schemas.openxmlformats.org/presentationml/2006/main">
+  <p:cSld>
+    <p:spTree>
+      <p:nvGrpSpPr>
+        <p:cNvPr id="1" name=""/>
+        <p:cNvGrpSpPr/>
+        <p:nvPr/>
+      </p:nvGrpSpPr>
+      <p:grpSpPr>
+        <a:xfrm>
+          <a:off x="0" y="0"/>
+          <a:ext cx="0" cy="0"/>
+          <a:chOff x="0" y="0"/>
+          <a:chExt cx="0" cy="0"/>
+        </a:xfrm>
+      </p:grpSpPr>
+      <p:pic>
+        <p:nvPicPr>
+          <p:cNvPr id="4" name="图片 3">
+            <a:extLst>
+              <a:ext uri="{FF2B5EF4-FFF2-40B4-BE49-F238E27FC236}">
+                <a16:creationId xmlns:a16="http://schemas.microsoft.com/office/drawing/2014/main" id="{36D24FAE-CBDE-2DCE-94D0-19FC2ADF291D}"/>
+              </a:ext>
+            </a:extLst>
+          </p:cNvPr>
+          <p:cNvPicPr>
+            <a:picLocks noChangeAspect="1"/>
+          </p:cNvPicPr>
+          <p:nvPr/>
+        </p:nvPicPr>
+        <p:blipFill>
+          <a:blip r:embed="rId2">
+            <a:extLst>
+              <a:ext uri="{28A0092B-C50C-407E-A947-70E740481C1C}">
+                <a14:useLocalDpi xmlns:a14="http://schemas.microsoft.com/office/drawing/2010/main" val="0"/>
+              </a:ext>
+            </a:extLst>
+          </a:blip>
+          <a:srcRect t="32551" b="33333"/>
+          <a:stretch/>
+        </p:blipFill>
+        <p:spPr>
+          <a:xfrm>
+            <a:off x="75927" y="106189"/>
+            <a:ext cx="3799949" cy="935867"/>
+          </a:xfrm>
+          <a:prstGeom prst="rect">
+            <a:avLst/>
+          </a:prstGeom>
+        </p:spPr>
+      </p:pic>
+      <p:sp>
+        <p:nvSpPr>
+          <p:cNvPr id="5" name="文本框 4">
+            <a:extLst>
+              <a:ext uri="{FF2B5EF4-FFF2-40B4-BE49-F238E27FC236}">
+                <a16:creationId xmlns:a16="http://schemas.microsoft.com/office/drawing/2014/main" id="{7F6056AD-7988-F915-A4D6-FC15180100A1}"/>
+              </a:ext>
+            </a:extLst>
+          </p:cNvPr>
+          <p:cNvSpPr txBox="1"/>
+          <p:nvPr/>
+        </p:nvSpPr>
+        <p:spPr>
+          <a:xfrm>
+            <a:off x="4358476" y="112457"/>
+            <a:ext cx="3215149" cy="461665"/>
+          </a:xfrm>
+          <a:prstGeom prst="rect">
+            <a:avLst/>
+          </a:prstGeom>
+          <a:noFill/>
+        </p:spPr>
+        <p:txBody>
+          <a:bodyPr wrap="square" rtlCol="0">
+            <a:spAutoFit/>
+          </a:bodyPr>
+          <a:lstStyle/>
+          <a:p>
+            <a:r>
+              <a:rPr lang="en-US" altLang="zh-CN" sz="2400" b="1" dirty="0" err="1">
+                <a:latin typeface="黑体" panose="02010609060101010101" pitchFamily="49" charset="-122"/>
+                <a:ea typeface="黑体" panose="02010609060101010101" pitchFamily="49" charset="-122"/>
+              </a:rPr>
+              <a:t>xxxx</a:t>
+            </a:r>
+            <a:r>
+              <a:rPr lang="zh-CN" altLang="en-US" sz="2400" b="1" dirty="0">
+                <a:latin typeface="黑体" panose="02010609060101010101" pitchFamily="49" charset="-122"/>
+                <a:ea typeface="黑体" panose="02010609060101010101" pitchFamily="49" charset="-122"/>
+              </a:rPr>
+              <a:t>课题组</a:t>
+            </a:r>
+          </a:p>
+        </p:txBody>
+      </p:sp>
+      <p:sp>
+        <p:nvSpPr>
+          <p:cNvPr id="7" name="文本框 6">
+            <a:extLst>
+              <a:ext uri="{FF2B5EF4-FFF2-40B4-BE49-F238E27FC236}">
+                <a16:creationId xmlns:a16="http://schemas.microsoft.com/office/drawing/2014/main" id="{45AA0A13-A028-9ADC-EDE0-BF3B945D78D8}"/>
+              </a:ext>
+            </a:extLst>
+          </p:cNvPr>
+          <p:cNvSpPr txBox="1"/>
+          <p:nvPr/>
+        </p:nvSpPr>
+        <p:spPr>
+          <a:xfrm>
+            <a:off x="4358476" y="536678"/>
+            <a:ext cx="5822950" cy="400110"/>
+          </a:xfrm>
+          <a:prstGeom prst="rect">
+            <a:avLst/>
+          </a:prstGeom>
+          <a:noFill/>
+        </p:spPr>
+        <p:txBody>
+          <a:bodyPr wrap="square" rtlCol="0">
+            <a:spAutoFit/>
+          </a:bodyPr>
+          <a:lstStyle/>
+          <a:p>
+            <a:pPr algn="l"/>
+            <a:r>
+              <a:rPr lang="zh-CN" altLang="en-US" sz="2000" dirty="0">
+                <a:solidFill>
+                  <a:schemeClr val="bg1">
+                    <a:lumMod val="50000"/>
+                  </a:schemeClr>
+                </a:solidFill>
+                <a:latin typeface="黑体" panose="02010609060101010101" pitchFamily="49" charset="-122"/>
+                <a:ea typeface="黑体" panose="02010609060101010101" pitchFamily="49" charset="-122"/>
+              </a:rPr>
+              <a:t>吉林师范大学</a:t>
+            </a:r>
+            <a:r>
+              <a:rPr lang="en-US" altLang="zh-CN" sz="2000" dirty="0">
+                <a:solidFill>
+                  <a:schemeClr val="bg1">
+                    <a:lumMod val="50000"/>
+                  </a:schemeClr>
+                </a:solidFill>
+                <a:latin typeface="黑体" panose="02010609060101010101" pitchFamily="49" charset="-122"/>
+                <a:ea typeface="黑体" panose="02010609060101010101" pitchFamily="49" charset="-122"/>
+              </a:rPr>
+              <a:t>xx</a:t>
+            </a:r>
+            <a:r>
+              <a:rPr lang="zh-CN" altLang="en-US" sz="2000" dirty="0">
+                <a:solidFill>
+                  <a:schemeClr val="bg1">
+                    <a:lumMod val="50000"/>
+                  </a:schemeClr>
+                </a:solidFill>
+                <a:latin typeface="黑体" panose="02010609060101010101" pitchFamily="49" charset="-122"/>
+                <a:ea typeface="黑体" panose="02010609060101010101" pitchFamily="49" charset="-122"/>
+              </a:rPr>
+              <a:t>学院</a:t>
+            </a:r>
+          </a:p>
+        </p:txBody>
+      </p:sp>
+      <p:sp>
+        <p:nvSpPr>
+          <p:cNvPr id="9" name="矩形 8">
+            <a:extLst>
+              <a:ext uri="{FF2B5EF4-FFF2-40B4-BE49-F238E27FC236}">
+                <a16:creationId xmlns:a16="http://schemas.microsoft.com/office/drawing/2014/main" id="{F5DD76DF-F613-44E7-C86F-FD4AAC9D89CF}"/>
+              </a:ext>
+            </a:extLst>
+          </p:cNvPr>
+          <p:cNvSpPr/>
+          <p:nvPr/>
+        </p:nvSpPr>
+        <p:spPr>
+          <a:xfrm>
+            <a:off x="0" y="1042056"/>
+            <a:ext cx="12192000" cy="400110"/>
+          </a:xfrm>
+          <a:prstGeom prst="rect">
+            <a:avLst/>
+          </a:prstGeom>
+          <a:solidFill>
+            <a:srgbClr val="3F51B5"/>
+          </a:solidFill>
+          <a:ln>
+            <a:noFill/>
+          </a:ln>
+        </p:spPr>
+        <p:style>
+          <a:lnRef idx="2">
+            <a:schemeClr val="accent1">
+              <a:shade val="15000"/>
+            </a:schemeClr>
+          </a:lnRef>
+          <a:fillRef idx="1">
+            <a:schemeClr val="accent1"/>
+          </a:fillRef>
+          <a:effectRef idx="0">
+            <a:schemeClr val="accent1"/>
+          </a:effectRef>
+          <a:fontRef idx="minor">
+            <a:schemeClr val="lt1"/>
+          </a:fontRef>
+        </p:style>
+        <p:txBody>
+          <a:bodyPr rtlCol="0" anchor="ctr"/>
+          <a:lstStyle/>
+          <a:p>
+            <a:pPr algn="ctr"/>
+            <a:endParaRPr lang="zh-CN" altLang="en-US"/>
+          </a:p>
+        </p:txBody>
+      </p:sp>
+      <p:sp>
+        <p:nvSpPr>
+          <p:cNvPr id="2" name="矩形 1">
+            <a:extLst>
+              <a:ext uri="{FF2B5EF4-FFF2-40B4-BE49-F238E27FC236}">
+                <a16:creationId xmlns:a16="http://schemas.microsoft.com/office/drawing/2014/main" id="{003B77B7-21D6-4FFB-840C-C848CB174B89}"/>
+              </a:ext>
+            </a:extLst>
+          </p:cNvPr>
+          <p:cNvSpPr/>
+          <p:nvPr/>
+        </p:nvSpPr>
+        <p:spPr>
+          <a:xfrm>
+            <a:off x="2952327" y="1031961"/>
+            <a:ext cx="1325293" cy="403475"/>
+          </a:xfrm>
+          <a:prstGeom prst="rect">
+            <a:avLst/>
+          </a:prstGeom>
+          <a:solidFill>
+            <a:schemeClr val="accent1">
+              <a:lumMod val="60000"/>
+              <a:lumOff val="40000"/>
+            </a:schemeClr>
+          </a:solidFill>
+          <a:ln>
+            <a:noFill/>
+          </a:ln>
+        </p:spPr>
+        <p:style>
+          <a:lnRef idx="2">
+            <a:schemeClr val="accent1">
+              <a:shade val="15000"/>
+            </a:schemeClr>
+          </a:lnRef>
+          <a:fillRef idx="1">
+            <a:schemeClr val="accent1"/>
+          </a:fillRef>
+          <a:effectRef idx="0">
+            <a:schemeClr val="accent1"/>
+          </a:effectRef>
+          <a:fontRef idx="minor">
+            <a:schemeClr val="lt1"/>
+          </a:fontRef>
+        </p:style>
+        <p:txBody>
+          <a:bodyPr rtlCol="0" anchor="ctr"/>
+          <a:lstStyle/>
+          <a:p>
+            <a:pPr algn="ctr"/>
+            <a:endParaRPr lang="zh-CN" altLang="en-US" dirty="0"/>
+          </a:p>
+        </p:txBody>
+      </p:sp>
+      <p:sp>
+        <p:nvSpPr>
+          <p:cNvPr id="10" name="文本框 9">
+            <a:extLst>
+              <a:ext uri="{FF2B5EF4-FFF2-40B4-BE49-F238E27FC236}">
+                <a16:creationId xmlns:a16="http://schemas.microsoft.com/office/drawing/2014/main" id="{349D4407-0428-0B5B-7F14-EE06E79CB335}"/>
+              </a:ext>
+            </a:extLst>
+          </p:cNvPr>
+          <p:cNvSpPr txBox="1"/>
+          <p:nvPr/>
+        </p:nvSpPr>
+        <p:spPr>
+          <a:xfrm>
+            <a:off x="792562" y="1042772"/>
+            <a:ext cx="762000" cy="400110"/>
+          </a:xfrm>
+          <a:prstGeom prst="rect">
+            <a:avLst/>
+          </a:prstGeom>
+          <a:noFill/>
+        </p:spPr>
+        <p:txBody>
+          <a:bodyPr wrap="square" rtlCol="0">
+            <a:spAutoFit/>
+          </a:bodyPr>
+          <a:lstStyle/>
+          <a:p>
+            <a:pPr algn="l"/>
+            <a:r>
+              <a:rPr lang="zh-CN" altLang="en-US" sz="2000" b="1" dirty="0">
+                <a:solidFill>
+                  <a:schemeClr val="bg1"/>
+                </a:solidFill>
+                <a:latin typeface="黑体" panose="02010609060101010101" pitchFamily="49" charset="-122"/>
+                <a:ea typeface="黑体" panose="02010609060101010101" pitchFamily="49" charset="-122"/>
+              </a:rPr>
+              <a:t>首页</a:t>
+            </a:r>
+          </a:p>
+        </p:txBody>
+      </p:sp>
+      <p:sp>
+        <p:nvSpPr>
+          <p:cNvPr id="11" name="文本框 10">
+            <a:extLst>
+              <a:ext uri="{FF2B5EF4-FFF2-40B4-BE49-F238E27FC236}">
+                <a16:creationId xmlns:a16="http://schemas.microsoft.com/office/drawing/2014/main" id="{682ED60C-6E66-F7F1-A96D-0302206FACB3}"/>
+              </a:ext>
+            </a:extLst>
+          </p:cNvPr>
+          <p:cNvSpPr txBox="1"/>
+          <p:nvPr/>
+        </p:nvSpPr>
+        <p:spPr>
+          <a:xfrm>
+            <a:off x="1633547" y="1048406"/>
+            <a:ext cx="1275299" cy="400110"/>
+          </a:xfrm>
+          <a:prstGeom prst="rect">
+            <a:avLst/>
+          </a:prstGeom>
+          <a:noFill/>
+        </p:spPr>
+        <p:txBody>
+          <a:bodyPr wrap="square" rtlCol="0">
+            <a:spAutoFit/>
+          </a:bodyPr>
+          <a:lstStyle/>
+          <a:p>
+            <a:pPr algn="l"/>
+            <a:r>
+              <a:rPr lang="zh-CN" altLang="en-US" sz="2000" b="1" dirty="0">
+                <a:solidFill>
+                  <a:schemeClr val="bg1"/>
+                </a:solidFill>
+                <a:latin typeface="黑体" panose="02010609060101010101" pitchFamily="49" charset="-122"/>
+                <a:ea typeface="黑体" panose="02010609060101010101" pitchFamily="49" charset="-122"/>
+              </a:rPr>
+              <a:t>教师介绍</a:t>
+            </a:r>
+          </a:p>
+        </p:txBody>
+      </p:sp>
+      <p:sp>
+        <p:nvSpPr>
+          <p:cNvPr id="12" name="文本框 11">
+            <a:extLst>
+              <a:ext uri="{FF2B5EF4-FFF2-40B4-BE49-F238E27FC236}">
+                <a16:creationId xmlns:a16="http://schemas.microsoft.com/office/drawing/2014/main" id="{79E15224-BC2A-5C42-37EE-4CCA2AD95AEB}"/>
+              </a:ext>
+            </a:extLst>
+          </p:cNvPr>
+          <p:cNvSpPr txBox="1"/>
+          <p:nvPr/>
+        </p:nvSpPr>
+        <p:spPr>
+          <a:xfrm>
+            <a:off x="2996897" y="1035706"/>
+            <a:ext cx="1275299" cy="400110"/>
+          </a:xfrm>
+          <a:prstGeom prst="rect">
+            <a:avLst/>
+          </a:prstGeom>
+          <a:noFill/>
+        </p:spPr>
+        <p:txBody>
+          <a:bodyPr wrap="square" rtlCol="0">
+            <a:spAutoFit/>
+          </a:bodyPr>
+          <a:lstStyle/>
+          <a:p>
+            <a:pPr algn="l"/>
+            <a:r>
+              <a:rPr lang="zh-CN" altLang="en-US" sz="2000" b="1" dirty="0">
+                <a:solidFill>
+                  <a:schemeClr val="bg1"/>
+                </a:solidFill>
+                <a:latin typeface="黑体" panose="02010609060101010101" pitchFamily="49" charset="-122"/>
+                <a:ea typeface="黑体" panose="02010609060101010101" pitchFamily="49" charset="-122"/>
+              </a:rPr>
+              <a:t>组员介绍</a:t>
+            </a:r>
+          </a:p>
+        </p:txBody>
+      </p:sp>
+      <p:sp>
+        <p:nvSpPr>
+          <p:cNvPr id="13" name="文本框 12">
+            <a:extLst>
+              <a:ext uri="{FF2B5EF4-FFF2-40B4-BE49-F238E27FC236}">
+                <a16:creationId xmlns:a16="http://schemas.microsoft.com/office/drawing/2014/main" id="{3122C9C7-3338-CC25-0340-92F0AC795C24}"/>
+              </a:ext>
+            </a:extLst>
+          </p:cNvPr>
+          <p:cNvSpPr txBox="1"/>
+          <p:nvPr/>
+        </p:nvSpPr>
+        <p:spPr>
+          <a:xfrm>
+            <a:off x="7218196" y="1035326"/>
+            <a:ext cx="1489601" cy="400110"/>
+          </a:xfrm>
+          <a:prstGeom prst="rect">
+            <a:avLst/>
+          </a:prstGeom>
+          <a:noFill/>
+        </p:spPr>
+        <p:txBody>
+          <a:bodyPr wrap="square" rtlCol="0">
+            <a:spAutoFit/>
+          </a:bodyPr>
+          <a:lstStyle/>
+          <a:p>
+            <a:pPr algn="l"/>
+            <a:r>
+              <a:rPr lang="zh-CN" altLang="en-US" sz="2000" b="1" dirty="0">
+                <a:solidFill>
+                  <a:schemeClr val="bg1"/>
+                </a:solidFill>
+                <a:latin typeface="黑体" panose="02010609060101010101" pitchFamily="49" charset="-122"/>
+                <a:ea typeface="黑体" panose="02010609060101010101" pitchFamily="49" charset="-122"/>
+              </a:rPr>
+              <a:t>课题组新闻</a:t>
+            </a:r>
+          </a:p>
+        </p:txBody>
+      </p:sp>
+      <p:sp>
+        <p:nvSpPr>
+          <p:cNvPr id="14" name="文本框 13">
+            <a:extLst>
+              <a:ext uri="{FF2B5EF4-FFF2-40B4-BE49-F238E27FC236}">
+                <a16:creationId xmlns:a16="http://schemas.microsoft.com/office/drawing/2014/main" id="{67D759F4-7B87-5A5A-073C-EA13895C448A}"/>
+              </a:ext>
+            </a:extLst>
+          </p:cNvPr>
+          <p:cNvSpPr txBox="1"/>
+          <p:nvPr/>
+        </p:nvSpPr>
+        <p:spPr>
+          <a:xfrm>
+            <a:off x="4342053" y="1035706"/>
+            <a:ext cx="1275299" cy="400110"/>
+          </a:xfrm>
+          <a:prstGeom prst="rect">
+            <a:avLst/>
+          </a:prstGeom>
+          <a:noFill/>
+        </p:spPr>
+        <p:txBody>
+          <a:bodyPr wrap="square" rtlCol="0">
+            <a:spAutoFit/>
+          </a:bodyPr>
+          <a:lstStyle/>
+          <a:p>
+            <a:pPr algn="l"/>
+            <a:r>
+              <a:rPr lang="zh-CN" altLang="en-US" sz="2000" b="1" dirty="0">
+                <a:solidFill>
+                  <a:schemeClr val="bg1"/>
+                </a:solidFill>
+                <a:latin typeface="黑体" panose="02010609060101010101" pitchFamily="49" charset="-122"/>
+                <a:ea typeface="黑体" panose="02010609060101010101" pitchFamily="49" charset="-122"/>
+              </a:rPr>
+              <a:t>研究方向</a:t>
+            </a:r>
+          </a:p>
+        </p:txBody>
+      </p:sp>
+      <p:sp>
+        <p:nvSpPr>
+          <p:cNvPr id="15" name="文本框 14">
+            <a:extLst>
+              <a:ext uri="{FF2B5EF4-FFF2-40B4-BE49-F238E27FC236}">
+                <a16:creationId xmlns:a16="http://schemas.microsoft.com/office/drawing/2014/main" id="{3468D1C6-4F62-E27F-47B2-28C2E4570F0D}"/>
+              </a:ext>
+            </a:extLst>
+          </p:cNvPr>
+          <p:cNvSpPr txBox="1"/>
+          <p:nvPr/>
+        </p:nvSpPr>
+        <p:spPr>
+          <a:xfrm>
+            <a:off x="8848763" y="1035326"/>
+            <a:ext cx="1275299" cy="400110"/>
+          </a:xfrm>
+          <a:prstGeom prst="rect">
+            <a:avLst/>
+          </a:prstGeom>
+          <a:noFill/>
+        </p:spPr>
+        <p:txBody>
+          <a:bodyPr wrap="square" rtlCol="0">
+            <a:spAutoFit/>
+          </a:bodyPr>
+          <a:lstStyle/>
+          <a:p>
+            <a:pPr algn="l"/>
+            <a:r>
+              <a:rPr lang="zh-CN" altLang="en-US" sz="2000" b="1" dirty="0">
+                <a:solidFill>
+                  <a:schemeClr val="bg1"/>
+                </a:solidFill>
+                <a:latin typeface="黑体" panose="02010609060101010101" pitchFamily="49" charset="-122"/>
+                <a:ea typeface="黑体" panose="02010609060101010101" pitchFamily="49" charset="-122"/>
+              </a:rPr>
+              <a:t>组内活动</a:t>
+            </a:r>
+          </a:p>
+        </p:txBody>
+      </p:sp>
+      <p:sp>
+        <p:nvSpPr>
+          <p:cNvPr id="16" name="文本框 15">
+            <a:extLst>
+              <a:ext uri="{FF2B5EF4-FFF2-40B4-BE49-F238E27FC236}">
+                <a16:creationId xmlns:a16="http://schemas.microsoft.com/office/drawing/2014/main" id="{405076C6-B8A3-BD82-9E5A-A8E04B49A749}"/>
+              </a:ext>
+            </a:extLst>
+          </p:cNvPr>
+          <p:cNvSpPr txBox="1"/>
+          <p:nvPr/>
+        </p:nvSpPr>
+        <p:spPr>
+          <a:xfrm>
+            <a:off x="5681785" y="1042056"/>
+            <a:ext cx="1544513" cy="400110"/>
+          </a:xfrm>
+          <a:prstGeom prst="rect">
+            <a:avLst/>
+          </a:prstGeom>
+          <a:noFill/>
+        </p:spPr>
+        <p:txBody>
+          <a:bodyPr wrap="square" rtlCol="0">
+            <a:spAutoFit/>
+          </a:bodyPr>
+          <a:lstStyle/>
+          <a:p>
+            <a:pPr algn="l"/>
+            <a:r>
+              <a:rPr lang="zh-CN" altLang="en-US" sz="2000" b="1" dirty="0">
+                <a:solidFill>
+                  <a:schemeClr val="bg1"/>
+                </a:solidFill>
+                <a:latin typeface="黑体" panose="02010609060101010101" pitchFamily="49" charset="-122"/>
+                <a:ea typeface="黑体" panose="02010609060101010101" pitchFamily="49" charset="-122"/>
+              </a:rPr>
+              <a:t>成果及论文</a:t>
+            </a:r>
+          </a:p>
+        </p:txBody>
+      </p:sp>
+      <p:sp>
+        <p:nvSpPr>
+          <p:cNvPr id="17" name="文本框 16">
+            <a:extLst>
+              <a:ext uri="{FF2B5EF4-FFF2-40B4-BE49-F238E27FC236}">
+                <a16:creationId xmlns:a16="http://schemas.microsoft.com/office/drawing/2014/main" id="{3D75C95A-6546-170F-98A9-C4E3EC10B561}"/>
+              </a:ext>
+            </a:extLst>
+          </p:cNvPr>
+          <p:cNvSpPr txBox="1"/>
+          <p:nvPr/>
+        </p:nvSpPr>
+        <p:spPr>
+          <a:xfrm>
+            <a:off x="10181426" y="1042772"/>
+            <a:ext cx="1275299" cy="400110"/>
+          </a:xfrm>
+          <a:prstGeom prst="rect">
+            <a:avLst/>
+          </a:prstGeom>
+          <a:noFill/>
+        </p:spPr>
+        <p:txBody>
+          <a:bodyPr wrap="square" rtlCol="0">
+            <a:spAutoFit/>
+          </a:bodyPr>
+          <a:lstStyle/>
+          <a:p>
+            <a:pPr algn="l"/>
+            <a:r>
+              <a:rPr lang="zh-CN" altLang="en-US" sz="2000" b="1" dirty="0">
+                <a:solidFill>
+                  <a:schemeClr val="bg1"/>
+                </a:solidFill>
+                <a:latin typeface="黑体" panose="02010609060101010101" pitchFamily="49" charset="-122"/>
+                <a:ea typeface="黑体" panose="02010609060101010101" pitchFamily="49" charset="-122"/>
+              </a:rPr>
+              <a:t>加入我们</a:t>
+            </a:r>
+          </a:p>
+        </p:txBody>
+      </p:sp>
+      <p:pic>
+        <p:nvPicPr>
+          <p:cNvPr id="6" name="图片 5">
+            <a:extLst>
+              <a:ext uri="{FF2B5EF4-FFF2-40B4-BE49-F238E27FC236}">
+                <a16:creationId xmlns:a16="http://schemas.microsoft.com/office/drawing/2014/main" id="{42270EFD-55E9-A406-F274-7715818D4C05}"/>
+              </a:ext>
+            </a:extLst>
+          </p:cNvPr>
+          <p:cNvPicPr>
+            <a:picLocks noChangeAspect="1"/>
+          </p:cNvPicPr>
+          <p:nvPr/>
+        </p:nvPicPr>
+        <p:blipFill>
+          <a:blip r:embed="rId3"/>
+          <a:stretch>
+            <a:fillRect/>
+          </a:stretch>
+        </p:blipFill>
+        <p:spPr>
+          <a:xfrm>
+            <a:off x="75927" y="1547434"/>
+            <a:ext cx="11843359" cy="2527430"/>
+          </a:xfrm>
+          <a:prstGeom prst="rect">
+            <a:avLst/>
+          </a:prstGeom>
+        </p:spPr>
+      </p:pic>
+      <p:pic>
+        <p:nvPicPr>
+          <p:cNvPr id="18" name="图片 17">
+            <a:extLst>
+              <a:ext uri="{FF2B5EF4-FFF2-40B4-BE49-F238E27FC236}">
+                <a16:creationId xmlns:a16="http://schemas.microsoft.com/office/drawing/2014/main" id="{8D066A57-B25F-4401-4C51-9412FA024B2A}"/>
+              </a:ext>
+            </a:extLst>
+          </p:cNvPr>
+          <p:cNvPicPr>
+            <a:picLocks noChangeAspect="1"/>
+          </p:cNvPicPr>
+          <p:nvPr/>
+        </p:nvPicPr>
+        <p:blipFill>
+          <a:blip r:embed="rId4"/>
+          <a:stretch>
+            <a:fillRect/>
+          </a:stretch>
+        </p:blipFill>
+        <p:spPr>
+          <a:xfrm>
+            <a:off x="152060" y="3908362"/>
+            <a:ext cx="11932263" cy="2457576"/>
+          </a:xfrm>
+          <a:prstGeom prst="rect">
+            <a:avLst/>
+          </a:prstGeom>
+        </p:spPr>
+      </p:pic>
+      <p:pic>
+        <p:nvPicPr>
+          <p:cNvPr id="20" name="图片 19">
+            <a:extLst>
+              <a:ext uri="{FF2B5EF4-FFF2-40B4-BE49-F238E27FC236}">
+                <a16:creationId xmlns:a16="http://schemas.microsoft.com/office/drawing/2014/main" id="{94F2AAB3-05A1-53EC-82EF-418469FD5A27}"/>
+              </a:ext>
+            </a:extLst>
+          </p:cNvPr>
+          <p:cNvPicPr>
+            <a:picLocks noChangeAspect="1"/>
+          </p:cNvPicPr>
+          <p:nvPr/>
+        </p:nvPicPr>
+        <p:blipFill>
+          <a:blip r:embed="rId5"/>
+          <a:stretch>
+            <a:fillRect/>
+          </a:stretch>
+        </p:blipFill>
+        <p:spPr>
+          <a:xfrm>
+            <a:off x="75927" y="6435792"/>
+            <a:ext cx="11906862" cy="2749691"/>
+          </a:xfrm>
+          <a:prstGeom prst="rect">
+            <a:avLst/>
+          </a:prstGeom>
+        </p:spPr>
+      </p:pic>
+    </p:spTree>
+    <p:extLst>
+      <p:ext uri="{BB962C8B-B14F-4D97-AF65-F5344CB8AC3E}">
+        <p14:creationId xmlns:p14="http://schemas.microsoft.com/office/powerpoint/2010/main" val="3199702726"/>
+      </p:ext>
+    </p:extLst>
+  </p:cSld>
+  <p:clrMapOvr>
+    <a:masterClrMapping/>
+  </p:clrMapOvr>
+</p:sld>
+</file>
+
+<file path=ppt/slides/slide4.xml><?xml version="1.0" encoding="utf-8"?>
+<p:sld xmlns:a="http://schemas.openxmlformats.org/drawingml/2006/main" xmlns:r="http://schemas.openxmlformats.org/officeDocument/2006/relationships" xmlns:p="http://schemas.openxmlformats.org/presentationml/2006/main">
+  <p:cSld>
+    <p:spTree>
+      <p:nvGrpSpPr>
+        <p:cNvPr id="1" name=""/>
+        <p:cNvGrpSpPr/>
+        <p:nvPr/>
+      </p:nvGrpSpPr>
+      <p:grpSpPr>
+        <a:xfrm>
+          <a:off x="0" y="0"/>
+          <a:ext cx="0" cy="0"/>
+          <a:chOff x="0" y="0"/>
+          <a:chExt cx="0" cy="0"/>
+        </a:xfrm>
+      </p:grpSpPr>
+      <p:pic>
+        <p:nvPicPr>
+          <p:cNvPr id="4" name="图片 3">
+            <a:extLst>
+              <a:ext uri="{FF2B5EF4-FFF2-40B4-BE49-F238E27FC236}">
+                <a16:creationId xmlns:a16="http://schemas.microsoft.com/office/drawing/2014/main" id="{36D24FAE-CBDE-2DCE-94D0-19FC2ADF291D}"/>
+              </a:ext>
+            </a:extLst>
+          </p:cNvPr>
+          <p:cNvPicPr>
+            <a:picLocks noChangeAspect="1"/>
+          </p:cNvPicPr>
+          <p:nvPr/>
+        </p:nvPicPr>
+        <p:blipFill>
+          <a:blip r:embed="rId2">
+            <a:extLst>
+              <a:ext uri="{28A0092B-C50C-407E-A947-70E740481C1C}">
+                <a14:useLocalDpi xmlns:a14="http://schemas.microsoft.com/office/drawing/2010/main" val="0"/>
+              </a:ext>
+            </a:extLst>
+          </a:blip>
+          <a:srcRect t="32551" b="33333"/>
+          <a:stretch/>
+        </p:blipFill>
+        <p:spPr>
+          <a:xfrm>
+            <a:off x="75927" y="106189"/>
+            <a:ext cx="3799949" cy="935867"/>
+          </a:xfrm>
+          <a:prstGeom prst="rect">
+            <a:avLst/>
+          </a:prstGeom>
+        </p:spPr>
+      </p:pic>
+      <p:sp>
+        <p:nvSpPr>
+          <p:cNvPr id="5" name="文本框 4">
+            <a:extLst>
+              <a:ext uri="{FF2B5EF4-FFF2-40B4-BE49-F238E27FC236}">
+                <a16:creationId xmlns:a16="http://schemas.microsoft.com/office/drawing/2014/main" id="{7F6056AD-7988-F915-A4D6-FC15180100A1}"/>
+              </a:ext>
+            </a:extLst>
+          </p:cNvPr>
+          <p:cNvSpPr txBox="1"/>
+          <p:nvPr/>
+        </p:nvSpPr>
+        <p:spPr>
+          <a:xfrm>
+            <a:off x="4358476" y="112457"/>
+            <a:ext cx="3215149" cy="461665"/>
+          </a:xfrm>
+          <a:prstGeom prst="rect">
+            <a:avLst/>
+          </a:prstGeom>
+          <a:noFill/>
+        </p:spPr>
+        <p:txBody>
+          <a:bodyPr wrap="square" rtlCol="0">
+            <a:spAutoFit/>
+          </a:bodyPr>
+          <a:lstStyle/>
+          <a:p>
+            <a:r>
+              <a:rPr lang="en-US" altLang="zh-CN" sz="2400" b="1" dirty="0" err="1">
+                <a:latin typeface="黑体" panose="02010609060101010101" pitchFamily="49" charset="-122"/>
+                <a:ea typeface="黑体" panose="02010609060101010101" pitchFamily="49" charset="-122"/>
+              </a:rPr>
+              <a:t>xxxx</a:t>
+            </a:r>
+            <a:r>
+              <a:rPr lang="zh-CN" altLang="en-US" sz="2400" b="1" dirty="0">
+                <a:latin typeface="黑体" panose="02010609060101010101" pitchFamily="49" charset="-122"/>
+                <a:ea typeface="黑体" panose="02010609060101010101" pitchFamily="49" charset="-122"/>
+              </a:rPr>
+              <a:t>课题组</a:t>
+            </a:r>
+          </a:p>
+        </p:txBody>
+      </p:sp>
+      <p:sp>
+        <p:nvSpPr>
+          <p:cNvPr id="7" name="文本框 6">
+            <a:extLst>
+              <a:ext uri="{FF2B5EF4-FFF2-40B4-BE49-F238E27FC236}">
+                <a16:creationId xmlns:a16="http://schemas.microsoft.com/office/drawing/2014/main" id="{45AA0A13-A028-9ADC-EDE0-BF3B945D78D8}"/>
+              </a:ext>
+            </a:extLst>
+          </p:cNvPr>
+          <p:cNvSpPr txBox="1"/>
+          <p:nvPr/>
+        </p:nvSpPr>
+        <p:spPr>
+          <a:xfrm>
+            <a:off x="4358476" y="536678"/>
+            <a:ext cx="5822950" cy="400110"/>
+          </a:xfrm>
+          <a:prstGeom prst="rect">
+            <a:avLst/>
+          </a:prstGeom>
+          <a:noFill/>
+        </p:spPr>
+        <p:txBody>
+          <a:bodyPr wrap="square" rtlCol="0">
+            <a:spAutoFit/>
+          </a:bodyPr>
+          <a:lstStyle/>
+          <a:p>
+            <a:pPr algn="l"/>
+            <a:r>
+              <a:rPr lang="zh-CN" altLang="en-US" sz="2000" dirty="0">
+                <a:solidFill>
+                  <a:schemeClr val="bg1">
+                    <a:lumMod val="50000"/>
+                  </a:schemeClr>
+                </a:solidFill>
+                <a:latin typeface="黑体" panose="02010609060101010101" pitchFamily="49" charset="-122"/>
+                <a:ea typeface="黑体" panose="02010609060101010101" pitchFamily="49" charset="-122"/>
+              </a:rPr>
+              <a:t>吉林师范大学</a:t>
+            </a:r>
+            <a:r>
+              <a:rPr lang="en-US" altLang="zh-CN" sz="2000" dirty="0">
+                <a:solidFill>
+                  <a:schemeClr val="bg1">
+                    <a:lumMod val="50000"/>
+                  </a:schemeClr>
+                </a:solidFill>
+                <a:latin typeface="黑体" panose="02010609060101010101" pitchFamily="49" charset="-122"/>
+                <a:ea typeface="黑体" panose="02010609060101010101" pitchFamily="49" charset="-122"/>
+              </a:rPr>
+              <a:t>xx</a:t>
+            </a:r>
+            <a:r>
+              <a:rPr lang="zh-CN" altLang="en-US" sz="2000" dirty="0">
+                <a:solidFill>
+                  <a:schemeClr val="bg1">
+                    <a:lumMod val="50000"/>
+                  </a:schemeClr>
+                </a:solidFill>
+                <a:latin typeface="黑体" panose="02010609060101010101" pitchFamily="49" charset="-122"/>
+                <a:ea typeface="黑体" panose="02010609060101010101" pitchFamily="49" charset="-122"/>
+              </a:rPr>
+              <a:t>学院</a:t>
+            </a:r>
+          </a:p>
+        </p:txBody>
+      </p:sp>
+      <p:sp>
+        <p:nvSpPr>
+          <p:cNvPr id="9" name="矩形 8">
+            <a:extLst>
+              <a:ext uri="{FF2B5EF4-FFF2-40B4-BE49-F238E27FC236}">
+                <a16:creationId xmlns:a16="http://schemas.microsoft.com/office/drawing/2014/main" id="{F5DD76DF-F613-44E7-C86F-FD4AAC9D89CF}"/>
+              </a:ext>
+            </a:extLst>
+          </p:cNvPr>
+          <p:cNvSpPr/>
+          <p:nvPr/>
+        </p:nvSpPr>
+        <p:spPr>
+          <a:xfrm>
+            <a:off x="0" y="1042056"/>
+            <a:ext cx="12192000" cy="400110"/>
+          </a:xfrm>
+          <a:prstGeom prst="rect">
+            <a:avLst/>
+          </a:prstGeom>
+          <a:solidFill>
+            <a:srgbClr val="3F51B5"/>
+          </a:solidFill>
+          <a:ln>
+            <a:noFill/>
+          </a:ln>
+        </p:spPr>
+        <p:style>
+          <a:lnRef idx="2">
+            <a:schemeClr val="accent1">
+              <a:shade val="15000"/>
+            </a:schemeClr>
+          </a:lnRef>
+          <a:fillRef idx="1">
+            <a:schemeClr val="accent1"/>
+          </a:fillRef>
+          <a:effectRef idx="0">
+            <a:schemeClr val="accent1"/>
+          </a:effectRef>
+          <a:fontRef idx="minor">
+            <a:schemeClr val="lt1"/>
+          </a:fontRef>
+        </p:style>
+        <p:txBody>
+          <a:bodyPr rtlCol="0" anchor="ctr"/>
+          <a:lstStyle/>
+          <a:p>
+            <a:pPr algn="ctr"/>
+            <a:endParaRPr lang="zh-CN" altLang="en-US"/>
+          </a:p>
+        </p:txBody>
+      </p:sp>
+      <p:sp>
+        <p:nvSpPr>
+          <p:cNvPr id="3" name="矩形 2">
+            <a:extLst>
+              <a:ext uri="{FF2B5EF4-FFF2-40B4-BE49-F238E27FC236}">
+                <a16:creationId xmlns:a16="http://schemas.microsoft.com/office/drawing/2014/main" id="{1926FEDD-4312-3C66-1B3A-B4A02A1BBF0B}"/>
+              </a:ext>
+            </a:extLst>
+          </p:cNvPr>
+          <p:cNvSpPr/>
+          <p:nvPr/>
+        </p:nvSpPr>
+        <p:spPr>
+          <a:xfrm>
+            <a:off x="4358476" y="1048406"/>
+            <a:ext cx="1085850" cy="406840"/>
+          </a:xfrm>
+          <a:prstGeom prst="rect">
+            <a:avLst/>
+          </a:prstGeom>
+          <a:solidFill>
+            <a:schemeClr val="accent1">
+              <a:lumMod val="60000"/>
+              <a:lumOff val="40000"/>
+            </a:schemeClr>
+          </a:solidFill>
+          <a:ln>
+            <a:noFill/>
+          </a:ln>
+        </p:spPr>
+        <p:style>
+          <a:lnRef idx="2">
+            <a:schemeClr val="accent1">
+              <a:shade val="15000"/>
+            </a:schemeClr>
+          </a:lnRef>
+          <a:fillRef idx="1">
+            <a:schemeClr val="accent1"/>
+          </a:fillRef>
+          <a:effectRef idx="0">
+            <a:schemeClr val="accent1"/>
+          </a:effectRef>
+          <a:fontRef idx="minor">
+            <a:schemeClr val="lt1"/>
+          </a:fontRef>
+        </p:style>
+        <p:txBody>
+          <a:bodyPr rtlCol="0" anchor="ctr"/>
+          <a:lstStyle/>
+          <a:p>
+            <a:pPr algn="ctr"/>
+            <a:endParaRPr lang="zh-CN" altLang="en-US" dirty="0"/>
+          </a:p>
+        </p:txBody>
+      </p:sp>
+      <p:sp>
+        <p:nvSpPr>
+          <p:cNvPr id="10" name="文本框 9">
+            <a:extLst>
+              <a:ext uri="{FF2B5EF4-FFF2-40B4-BE49-F238E27FC236}">
+                <a16:creationId xmlns:a16="http://schemas.microsoft.com/office/drawing/2014/main" id="{349D4407-0428-0B5B-7F14-EE06E79CB335}"/>
+              </a:ext>
+            </a:extLst>
+          </p:cNvPr>
+          <p:cNvSpPr txBox="1"/>
+          <p:nvPr/>
+        </p:nvSpPr>
+        <p:spPr>
+          <a:xfrm>
+            <a:off x="792562" y="1042772"/>
+            <a:ext cx="762000" cy="400110"/>
+          </a:xfrm>
+          <a:prstGeom prst="rect">
+            <a:avLst/>
+          </a:prstGeom>
+          <a:noFill/>
+        </p:spPr>
+        <p:txBody>
+          <a:bodyPr wrap="square" rtlCol="0">
+            <a:spAutoFit/>
+          </a:bodyPr>
+          <a:lstStyle/>
+          <a:p>
+            <a:pPr algn="l"/>
+            <a:r>
+              <a:rPr lang="zh-CN" altLang="en-US" sz="2000" b="1" dirty="0">
+                <a:solidFill>
+                  <a:schemeClr val="bg1"/>
+                </a:solidFill>
+                <a:latin typeface="黑体" panose="02010609060101010101" pitchFamily="49" charset="-122"/>
+                <a:ea typeface="黑体" panose="02010609060101010101" pitchFamily="49" charset="-122"/>
+              </a:rPr>
+              <a:t>首页</a:t>
+            </a:r>
+          </a:p>
+        </p:txBody>
+      </p:sp>
+      <p:sp>
+        <p:nvSpPr>
+          <p:cNvPr id="11" name="文本框 10">
+            <a:extLst>
+              <a:ext uri="{FF2B5EF4-FFF2-40B4-BE49-F238E27FC236}">
+                <a16:creationId xmlns:a16="http://schemas.microsoft.com/office/drawing/2014/main" id="{682ED60C-6E66-F7F1-A96D-0302206FACB3}"/>
+              </a:ext>
+            </a:extLst>
+          </p:cNvPr>
+          <p:cNvSpPr txBox="1"/>
+          <p:nvPr/>
+        </p:nvSpPr>
+        <p:spPr>
+          <a:xfrm>
+            <a:off x="1633547" y="1048406"/>
+            <a:ext cx="1275299" cy="400110"/>
+          </a:xfrm>
+          <a:prstGeom prst="rect">
+            <a:avLst/>
+          </a:prstGeom>
+          <a:noFill/>
+        </p:spPr>
+        <p:txBody>
+          <a:bodyPr wrap="square" rtlCol="0">
+            <a:spAutoFit/>
+          </a:bodyPr>
+          <a:lstStyle/>
+          <a:p>
+            <a:pPr algn="l"/>
+            <a:r>
+              <a:rPr lang="zh-CN" altLang="en-US" sz="2000" b="1" dirty="0">
+                <a:solidFill>
+                  <a:schemeClr val="bg1"/>
+                </a:solidFill>
+                <a:latin typeface="黑体" panose="02010609060101010101" pitchFamily="49" charset="-122"/>
+                <a:ea typeface="黑体" panose="02010609060101010101" pitchFamily="49" charset="-122"/>
+              </a:rPr>
+              <a:t>教师介绍</a:t>
+            </a:r>
+          </a:p>
+        </p:txBody>
+      </p:sp>
+      <p:sp>
+        <p:nvSpPr>
+          <p:cNvPr id="12" name="文本框 11">
+            <a:extLst>
+              <a:ext uri="{FF2B5EF4-FFF2-40B4-BE49-F238E27FC236}">
+                <a16:creationId xmlns:a16="http://schemas.microsoft.com/office/drawing/2014/main" id="{79E15224-BC2A-5C42-37EE-4CCA2AD95AEB}"/>
+              </a:ext>
+            </a:extLst>
+          </p:cNvPr>
+          <p:cNvSpPr txBox="1"/>
+          <p:nvPr/>
+        </p:nvSpPr>
+        <p:spPr>
+          <a:xfrm>
+            <a:off x="2996897" y="1035706"/>
+            <a:ext cx="1275299" cy="400110"/>
+          </a:xfrm>
+          <a:prstGeom prst="rect">
+            <a:avLst/>
+          </a:prstGeom>
+          <a:noFill/>
+        </p:spPr>
+        <p:txBody>
+          <a:bodyPr wrap="square" rtlCol="0">
+            <a:spAutoFit/>
+          </a:bodyPr>
+          <a:lstStyle/>
+          <a:p>
+            <a:pPr algn="l"/>
+            <a:r>
+              <a:rPr lang="zh-CN" altLang="en-US" sz="2000" b="1" dirty="0">
+                <a:solidFill>
+                  <a:schemeClr val="bg1"/>
+                </a:solidFill>
+                <a:latin typeface="黑体" panose="02010609060101010101" pitchFamily="49" charset="-122"/>
+                <a:ea typeface="黑体" panose="02010609060101010101" pitchFamily="49" charset="-122"/>
+              </a:rPr>
+              <a:t>组员介绍</a:t>
+            </a:r>
+          </a:p>
+        </p:txBody>
+      </p:sp>
+      <p:sp>
+        <p:nvSpPr>
+          <p:cNvPr id="13" name="文本框 12">
+            <a:extLst>
+              <a:ext uri="{FF2B5EF4-FFF2-40B4-BE49-F238E27FC236}">
+                <a16:creationId xmlns:a16="http://schemas.microsoft.com/office/drawing/2014/main" id="{3122C9C7-3338-CC25-0340-92F0AC795C24}"/>
+              </a:ext>
+            </a:extLst>
+          </p:cNvPr>
+          <p:cNvSpPr txBox="1"/>
+          <p:nvPr/>
+        </p:nvSpPr>
+        <p:spPr>
+          <a:xfrm>
+            <a:off x="7218196" y="1035326"/>
+            <a:ext cx="1489601" cy="400110"/>
+          </a:xfrm>
+          <a:prstGeom prst="rect">
+            <a:avLst/>
+          </a:prstGeom>
+          <a:noFill/>
+        </p:spPr>
+        <p:txBody>
+          <a:bodyPr wrap="square" rtlCol="0">
+            <a:spAutoFit/>
+          </a:bodyPr>
+          <a:lstStyle/>
+          <a:p>
+            <a:pPr algn="l"/>
+            <a:r>
+              <a:rPr lang="zh-CN" altLang="en-US" sz="2000" b="1" dirty="0">
+                <a:solidFill>
+                  <a:schemeClr val="bg1"/>
+                </a:solidFill>
+                <a:latin typeface="黑体" panose="02010609060101010101" pitchFamily="49" charset="-122"/>
+                <a:ea typeface="黑体" panose="02010609060101010101" pitchFamily="49" charset="-122"/>
+              </a:rPr>
+              <a:t>课题组新闻</a:t>
+            </a:r>
+          </a:p>
+        </p:txBody>
+      </p:sp>
+      <p:sp>
+        <p:nvSpPr>
+          <p:cNvPr id="14" name="文本框 13">
+            <a:extLst>
+              <a:ext uri="{FF2B5EF4-FFF2-40B4-BE49-F238E27FC236}">
+                <a16:creationId xmlns:a16="http://schemas.microsoft.com/office/drawing/2014/main" id="{67D759F4-7B87-5A5A-073C-EA13895C448A}"/>
+              </a:ext>
+            </a:extLst>
+          </p:cNvPr>
+          <p:cNvSpPr txBox="1"/>
+          <p:nvPr/>
+        </p:nvSpPr>
+        <p:spPr>
+          <a:xfrm>
+            <a:off x="4342053" y="1035706"/>
+            <a:ext cx="1275299" cy="400110"/>
+          </a:xfrm>
+          <a:prstGeom prst="rect">
+            <a:avLst/>
+          </a:prstGeom>
+          <a:noFill/>
+        </p:spPr>
+        <p:txBody>
+          <a:bodyPr wrap="square" rtlCol="0">
+            <a:spAutoFit/>
+          </a:bodyPr>
+          <a:lstStyle/>
+          <a:p>
+            <a:pPr algn="l"/>
+            <a:r>
+              <a:rPr lang="zh-CN" altLang="en-US" sz="2000" b="1" dirty="0">
+                <a:solidFill>
+                  <a:schemeClr val="bg1"/>
+                </a:solidFill>
+                <a:latin typeface="黑体" panose="02010609060101010101" pitchFamily="49" charset="-122"/>
+                <a:ea typeface="黑体" panose="02010609060101010101" pitchFamily="49" charset="-122"/>
+              </a:rPr>
+              <a:t>研究方向</a:t>
+            </a:r>
+          </a:p>
+        </p:txBody>
+      </p:sp>
+      <p:sp>
+        <p:nvSpPr>
+          <p:cNvPr id="15" name="文本框 14">
+            <a:extLst>
+              <a:ext uri="{FF2B5EF4-FFF2-40B4-BE49-F238E27FC236}">
+                <a16:creationId xmlns:a16="http://schemas.microsoft.com/office/drawing/2014/main" id="{3468D1C6-4F62-E27F-47B2-28C2E4570F0D}"/>
+              </a:ext>
+            </a:extLst>
+          </p:cNvPr>
+          <p:cNvSpPr txBox="1"/>
+          <p:nvPr/>
+        </p:nvSpPr>
+        <p:spPr>
+          <a:xfrm>
+            <a:off x="8848763" y="1035326"/>
+            <a:ext cx="1275299" cy="400110"/>
+          </a:xfrm>
+          <a:prstGeom prst="rect">
+            <a:avLst/>
+          </a:prstGeom>
+          <a:noFill/>
+        </p:spPr>
+        <p:txBody>
+          <a:bodyPr wrap="square" rtlCol="0">
+            <a:spAutoFit/>
+          </a:bodyPr>
+          <a:lstStyle/>
+          <a:p>
+            <a:pPr algn="l"/>
+            <a:r>
+              <a:rPr lang="zh-CN" altLang="en-US" sz="2000" b="1" dirty="0">
+                <a:solidFill>
+                  <a:schemeClr val="bg1"/>
+                </a:solidFill>
+                <a:latin typeface="黑体" panose="02010609060101010101" pitchFamily="49" charset="-122"/>
+                <a:ea typeface="黑体" panose="02010609060101010101" pitchFamily="49" charset="-122"/>
+              </a:rPr>
+              <a:t>组内活动</a:t>
+            </a:r>
+          </a:p>
+        </p:txBody>
+      </p:sp>
+      <p:sp>
+        <p:nvSpPr>
+          <p:cNvPr id="16" name="文本框 15">
+            <a:extLst>
+              <a:ext uri="{FF2B5EF4-FFF2-40B4-BE49-F238E27FC236}">
+                <a16:creationId xmlns:a16="http://schemas.microsoft.com/office/drawing/2014/main" id="{405076C6-B8A3-BD82-9E5A-A8E04B49A749}"/>
+              </a:ext>
+            </a:extLst>
+          </p:cNvPr>
+          <p:cNvSpPr txBox="1"/>
+          <p:nvPr/>
+        </p:nvSpPr>
+        <p:spPr>
+          <a:xfrm>
+            <a:off x="5681785" y="1042056"/>
+            <a:ext cx="1544513" cy="400110"/>
+          </a:xfrm>
+          <a:prstGeom prst="rect">
+            <a:avLst/>
+          </a:prstGeom>
+          <a:noFill/>
+        </p:spPr>
+        <p:txBody>
+          <a:bodyPr wrap="square" rtlCol="0">
+            <a:spAutoFit/>
+          </a:bodyPr>
+          <a:lstStyle/>
+          <a:p>
+            <a:pPr algn="l"/>
+            <a:r>
+              <a:rPr lang="zh-CN" altLang="en-US" sz="2000" b="1" dirty="0">
+                <a:solidFill>
+                  <a:schemeClr val="bg1"/>
+                </a:solidFill>
+                <a:latin typeface="黑体" panose="02010609060101010101" pitchFamily="49" charset="-122"/>
+                <a:ea typeface="黑体" panose="02010609060101010101" pitchFamily="49" charset="-122"/>
+              </a:rPr>
+              <a:t>成果及论文</a:t>
+            </a:r>
+          </a:p>
+        </p:txBody>
+      </p:sp>
+      <p:sp>
+        <p:nvSpPr>
+          <p:cNvPr id="17" name="文本框 16">
+            <a:extLst>
+              <a:ext uri="{FF2B5EF4-FFF2-40B4-BE49-F238E27FC236}">
+                <a16:creationId xmlns:a16="http://schemas.microsoft.com/office/drawing/2014/main" id="{3D75C95A-6546-170F-98A9-C4E3EC10B561}"/>
+              </a:ext>
+            </a:extLst>
+          </p:cNvPr>
+          <p:cNvSpPr txBox="1"/>
+          <p:nvPr/>
+        </p:nvSpPr>
+        <p:spPr>
+          <a:xfrm>
+            <a:off x="10181426" y="1042772"/>
+            <a:ext cx="1275299" cy="400110"/>
+          </a:xfrm>
+          <a:prstGeom prst="rect">
+            <a:avLst/>
+          </a:prstGeom>
+          <a:noFill/>
+        </p:spPr>
+        <p:txBody>
+          <a:bodyPr wrap="square" rtlCol="0">
+            <a:spAutoFit/>
+          </a:bodyPr>
+          <a:lstStyle/>
+          <a:p>
+            <a:pPr algn="l"/>
+            <a:r>
+              <a:rPr lang="zh-CN" altLang="en-US" sz="2000" b="1" dirty="0">
+                <a:solidFill>
+                  <a:schemeClr val="bg1"/>
+                </a:solidFill>
+                <a:latin typeface="黑体" panose="02010609060101010101" pitchFamily="49" charset="-122"/>
+                <a:ea typeface="黑体" panose="02010609060101010101" pitchFamily="49" charset="-122"/>
+              </a:rPr>
+              <a:t>加入我们</a:t>
+            </a:r>
+          </a:p>
+        </p:txBody>
+      </p:sp>
+      <p:sp>
+        <p:nvSpPr>
+          <p:cNvPr id="6" name="文本框 5">
+            <a:extLst>
+              <a:ext uri="{FF2B5EF4-FFF2-40B4-BE49-F238E27FC236}">
+                <a16:creationId xmlns:a16="http://schemas.microsoft.com/office/drawing/2014/main" id="{26267CF5-578C-5CA4-8AC9-48B021FCF119}"/>
+              </a:ext>
+            </a:extLst>
+          </p:cNvPr>
+          <p:cNvSpPr txBox="1"/>
+          <p:nvPr/>
+        </p:nvSpPr>
+        <p:spPr>
+          <a:xfrm>
+            <a:off x="171450" y="1470164"/>
+            <a:ext cx="4375150" cy="707886"/>
+          </a:xfrm>
+          <a:prstGeom prst="rect">
+            <a:avLst/>
+          </a:prstGeom>
+          <a:noFill/>
+        </p:spPr>
+        <p:txBody>
+          <a:bodyPr wrap="square" rtlCol="0">
+            <a:spAutoFit/>
+          </a:bodyPr>
+          <a:lstStyle/>
+          <a:p>
+            <a:pPr algn="l"/>
+            <a:r>
+              <a:rPr lang="zh-CN" altLang="en-US" sz="2000" b="1" dirty="0">
+                <a:solidFill>
+                  <a:srgbClr val="FF0000"/>
+                </a:solidFill>
+                <a:highlight>
+                  <a:srgbClr val="FFFF00"/>
+                </a:highlight>
+                <a:latin typeface="黑体" panose="02010609060101010101" pitchFamily="49" charset="-122"/>
+                <a:ea typeface="黑体" panose="02010609060101010101" pitchFamily="49" charset="-122"/>
+              </a:rPr>
+              <a:t>用几段话对课题组研究方向进行介绍</a:t>
+            </a:r>
+            <a:endParaRPr lang="en-US" altLang="zh-CN" sz="2000" b="1" dirty="0">
+              <a:solidFill>
+                <a:srgbClr val="FF0000"/>
+              </a:solidFill>
+              <a:highlight>
+                <a:srgbClr val="FFFF00"/>
+              </a:highlight>
+              <a:latin typeface="黑体" panose="02010609060101010101" pitchFamily="49" charset="-122"/>
+              <a:ea typeface="黑体" panose="02010609060101010101" pitchFamily="49" charset="-122"/>
+            </a:endParaRPr>
+          </a:p>
+          <a:p>
+            <a:pPr algn="l"/>
+            <a:r>
+              <a:rPr lang="zh-CN" altLang="en-US" sz="2000" b="1" dirty="0">
+                <a:solidFill>
+                  <a:srgbClr val="FF0000"/>
+                </a:solidFill>
+                <a:highlight>
+                  <a:srgbClr val="FFFF00"/>
+                </a:highlight>
+                <a:latin typeface="黑体" panose="02010609060101010101" pitchFamily="49" charset="-122"/>
+                <a:ea typeface="黑体" panose="02010609060101010101" pitchFamily="49" charset="-122"/>
+              </a:rPr>
+              <a:t>（可以放一些图片）</a:t>
+            </a:r>
+          </a:p>
+        </p:txBody>
+      </p:sp>
+      <p:sp>
+        <p:nvSpPr>
+          <p:cNvPr id="8" name="矩形 7">
+            <a:extLst>
+              <a:ext uri="{FF2B5EF4-FFF2-40B4-BE49-F238E27FC236}">
+                <a16:creationId xmlns:a16="http://schemas.microsoft.com/office/drawing/2014/main" id="{B3CFDA2B-660D-BEB1-C6E5-7C7E4FA612CA}"/>
+              </a:ext>
+            </a:extLst>
+          </p:cNvPr>
+          <p:cNvSpPr/>
+          <p:nvPr/>
+        </p:nvSpPr>
+        <p:spPr>
+          <a:xfrm>
+            <a:off x="990600" y="2571750"/>
+            <a:ext cx="1193800" cy="1073150"/>
+          </a:xfrm>
+          <a:prstGeom prst="rect">
+            <a:avLst/>
+          </a:prstGeom>
+        </p:spPr>
+        <p:style>
+          <a:lnRef idx="2">
+            <a:schemeClr val="accent1">
+              <a:shade val="15000"/>
+            </a:schemeClr>
+          </a:lnRef>
+          <a:fillRef idx="1">
+            <a:schemeClr val="accent1"/>
+          </a:fillRef>
+          <a:effectRef idx="0">
+            <a:schemeClr val="accent1"/>
+          </a:effectRef>
+          <a:fontRef idx="minor">
+            <a:schemeClr val="lt1"/>
+          </a:fontRef>
+        </p:style>
+        <p:txBody>
+          <a:bodyPr rtlCol="0" anchor="ctr"/>
+          <a:lstStyle/>
+          <a:p>
+            <a:pPr algn="ctr"/>
+            <a:endParaRPr lang="zh-CN" altLang="en-US"/>
+          </a:p>
+        </p:txBody>
+      </p:sp>
+      <p:sp>
+        <p:nvSpPr>
+          <p:cNvPr id="18" name="矩形 17">
+            <a:extLst>
+              <a:ext uri="{FF2B5EF4-FFF2-40B4-BE49-F238E27FC236}">
+                <a16:creationId xmlns:a16="http://schemas.microsoft.com/office/drawing/2014/main" id="{D8A78956-CAB6-49A5-C989-1832FECE9DAA}"/>
+              </a:ext>
+            </a:extLst>
+          </p:cNvPr>
+          <p:cNvSpPr/>
+          <p:nvPr/>
+        </p:nvSpPr>
+        <p:spPr>
+          <a:xfrm>
+            <a:off x="990600" y="3860800"/>
+            <a:ext cx="1193800" cy="1073150"/>
+          </a:xfrm>
+          <a:prstGeom prst="rect">
+            <a:avLst/>
+          </a:prstGeom>
+        </p:spPr>
+        <p:style>
+          <a:lnRef idx="2">
+            <a:schemeClr val="accent1">
+              <a:shade val="15000"/>
+            </a:schemeClr>
+          </a:lnRef>
+          <a:fillRef idx="1">
+            <a:schemeClr val="accent1"/>
+          </a:fillRef>
+          <a:effectRef idx="0">
+            <a:schemeClr val="accent1"/>
+          </a:effectRef>
+          <a:fontRef idx="minor">
+            <a:schemeClr val="lt1"/>
+          </a:fontRef>
+        </p:style>
+        <p:txBody>
+          <a:bodyPr rtlCol="0" anchor="ctr"/>
+          <a:lstStyle/>
+          <a:p>
+            <a:pPr algn="ctr"/>
+            <a:endParaRPr lang="zh-CN" altLang="en-US"/>
+          </a:p>
+        </p:txBody>
+      </p:sp>
+      <p:sp>
+        <p:nvSpPr>
+          <p:cNvPr id="19" name="矩形 18">
+            <a:extLst>
+              <a:ext uri="{FF2B5EF4-FFF2-40B4-BE49-F238E27FC236}">
+                <a16:creationId xmlns:a16="http://schemas.microsoft.com/office/drawing/2014/main" id="{1202E5E6-39E0-7D44-9950-786C70B64FD0}"/>
+              </a:ext>
+            </a:extLst>
+          </p:cNvPr>
+          <p:cNvSpPr/>
+          <p:nvPr/>
+        </p:nvSpPr>
+        <p:spPr>
+          <a:xfrm>
+            <a:off x="990600" y="5149850"/>
+            <a:ext cx="1193800" cy="1073150"/>
+          </a:xfrm>
+          <a:prstGeom prst="rect">
+            <a:avLst/>
+          </a:prstGeom>
+        </p:spPr>
+        <p:style>
+          <a:lnRef idx="2">
+            <a:schemeClr val="accent1">
+              <a:shade val="15000"/>
+            </a:schemeClr>
+          </a:lnRef>
+          <a:fillRef idx="1">
+            <a:schemeClr val="accent1"/>
+          </a:fillRef>
+          <a:effectRef idx="0">
+            <a:schemeClr val="accent1"/>
+          </a:effectRef>
+          <a:fontRef idx="minor">
+            <a:schemeClr val="lt1"/>
+          </a:fontRef>
+        </p:style>
+        <p:txBody>
+          <a:bodyPr rtlCol="0" anchor="ctr"/>
+          <a:lstStyle/>
+          <a:p>
+            <a:pPr algn="ctr"/>
+            <a:endParaRPr lang="zh-CN" altLang="en-US"/>
+          </a:p>
+        </p:txBody>
+      </p:sp>
+      <p:sp>
+        <p:nvSpPr>
+          <p:cNvPr id="20" name="文本框 19">
+            <a:extLst>
+              <a:ext uri="{FF2B5EF4-FFF2-40B4-BE49-F238E27FC236}">
+                <a16:creationId xmlns:a16="http://schemas.microsoft.com/office/drawing/2014/main" id="{9F9F831E-5C15-4795-6C33-8C0E76875960}"/>
+              </a:ext>
+            </a:extLst>
+          </p:cNvPr>
+          <p:cNvSpPr txBox="1"/>
+          <p:nvPr/>
+        </p:nvSpPr>
+        <p:spPr>
+          <a:xfrm>
+            <a:off x="2359025" y="2517914"/>
+            <a:ext cx="7765038" cy="1015663"/>
+          </a:xfrm>
+          <a:prstGeom prst="rect">
+            <a:avLst/>
+          </a:prstGeom>
+          <a:noFill/>
+        </p:spPr>
+        <p:txBody>
+          <a:bodyPr wrap="square" rtlCol="0">
+            <a:spAutoFit/>
+          </a:bodyPr>
+          <a:lstStyle/>
+          <a:p>
+            <a:pPr algn="l"/>
+            <a:r>
+              <a:rPr lang="zh-CN" altLang="en-US" sz="2000" dirty="0">
+                <a:latin typeface="黑体" panose="02010609060101010101" pitchFamily="49" charset="-122"/>
+                <a:ea typeface="黑体" panose="02010609060101010101" pitchFamily="49" charset="-122"/>
+              </a:rPr>
+              <a:t>研究方向</a:t>
+            </a:r>
+            <a:r>
+              <a:rPr lang="en-US" altLang="zh-CN" sz="2000" dirty="0">
+                <a:latin typeface="黑体" panose="02010609060101010101" pitchFamily="49" charset="-122"/>
+                <a:ea typeface="黑体" panose="02010609060101010101" pitchFamily="49" charset="-122"/>
+              </a:rPr>
+              <a:t>1</a:t>
+            </a:r>
+            <a:r>
+              <a:rPr lang="zh-CN" altLang="en-US" sz="2000" dirty="0">
+                <a:latin typeface="黑体" panose="02010609060101010101" pitchFamily="49" charset="-122"/>
+                <a:ea typeface="黑体" panose="02010609060101010101" pitchFamily="49" charset="-122"/>
+              </a:rPr>
+              <a:t>：</a:t>
+            </a:r>
+            <a:r>
+              <a:rPr lang="en-US" altLang="zh-CN" sz="2000" dirty="0">
+                <a:latin typeface="黑体" panose="02010609060101010101" pitchFamily="49" charset="-122"/>
+                <a:ea typeface="黑体" panose="02010609060101010101" pitchFamily="49" charset="-122"/>
+              </a:rPr>
+              <a:t>xxxxxxxxxxxxxxxxxxxxxxxxxxxxxxxxxxxxxxxxxxxxxxxxxxxxxxxxxxxxxxxx</a:t>
+            </a:r>
+            <a:endParaRPr lang="zh-CN" altLang="en-US" sz="2000" dirty="0">
+              <a:latin typeface="黑体" panose="02010609060101010101" pitchFamily="49" charset="-122"/>
+              <a:ea typeface="黑体" panose="02010609060101010101" pitchFamily="49" charset="-122"/>
+            </a:endParaRPr>
+          </a:p>
+        </p:txBody>
+      </p:sp>
+      <p:sp>
+        <p:nvSpPr>
+          <p:cNvPr id="21" name="文本框 20">
+            <a:extLst>
+              <a:ext uri="{FF2B5EF4-FFF2-40B4-BE49-F238E27FC236}">
+                <a16:creationId xmlns:a16="http://schemas.microsoft.com/office/drawing/2014/main" id="{3DD75E76-E707-F89F-FF4D-4507E32C5F75}"/>
+              </a:ext>
+            </a:extLst>
+          </p:cNvPr>
+          <p:cNvSpPr txBox="1"/>
+          <p:nvPr/>
+        </p:nvSpPr>
+        <p:spPr>
+          <a:xfrm>
+            <a:off x="2376321" y="3860800"/>
+            <a:ext cx="7765038" cy="1015663"/>
+          </a:xfrm>
+          <a:prstGeom prst="rect">
+            <a:avLst/>
+          </a:prstGeom>
+          <a:noFill/>
+        </p:spPr>
+        <p:txBody>
+          <a:bodyPr wrap="square" rtlCol="0">
+            <a:spAutoFit/>
+          </a:bodyPr>
+          <a:lstStyle/>
+          <a:p>
+            <a:pPr algn="l"/>
+            <a:r>
+              <a:rPr lang="zh-CN" altLang="en-US" sz="2000" dirty="0">
+                <a:latin typeface="黑体" panose="02010609060101010101" pitchFamily="49" charset="-122"/>
+                <a:ea typeface="黑体" panose="02010609060101010101" pitchFamily="49" charset="-122"/>
+              </a:rPr>
+              <a:t>研究方向</a:t>
+            </a:r>
+            <a:r>
+              <a:rPr lang="en-US" altLang="zh-CN" sz="2000" dirty="0">
+                <a:latin typeface="黑体" panose="02010609060101010101" pitchFamily="49" charset="-122"/>
+                <a:ea typeface="黑体" panose="02010609060101010101" pitchFamily="49" charset="-122"/>
+              </a:rPr>
+              <a:t>2</a:t>
+            </a:r>
+            <a:r>
+              <a:rPr lang="zh-CN" altLang="en-US" sz="2000" dirty="0">
+                <a:latin typeface="黑体" panose="02010609060101010101" pitchFamily="49" charset="-122"/>
+                <a:ea typeface="黑体" panose="02010609060101010101" pitchFamily="49" charset="-122"/>
+              </a:rPr>
+              <a:t>：</a:t>
+            </a:r>
+            <a:r>
+              <a:rPr lang="en-US" altLang="zh-CN" sz="2000" dirty="0">
+                <a:latin typeface="黑体" panose="02010609060101010101" pitchFamily="49" charset="-122"/>
+                <a:ea typeface="黑体" panose="02010609060101010101" pitchFamily="49" charset="-122"/>
+              </a:rPr>
+              <a:t>xxxxxxxxxxxxxxxxxxxxxxxxxxxxxxxxxxxxxxxxxxxxxxxxxxxxxxxxxxxxxxxx</a:t>
+            </a:r>
+            <a:endParaRPr lang="zh-CN" altLang="en-US" sz="2000" dirty="0">
+              <a:latin typeface="黑体" panose="02010609060101010101" pitchFamily="49" charset="-122"/>
+              <a:ea typeface="黑体" panose="02010609060101010101" pitchFamily="49" charset="-122"/>
+            </a:endParaRPr>
+          </a:p>
+        </p:txBody>
+      </p:sp>
+      <p:sp>
+        <p:nvSpPr>
+          <p:cNvPr id="22" name="文本框 21">
+            <a:extLst>
+              <a:ext uri="{FF2B5EF4-FFF2-40B4-BE49-F238E27FC236}">
+                <a16:creationId xmlns:a16="http://schemas.microsoft.com/office/drawing/2014/main" id="{BF3E25F2-8194-373C-36C3-9888AA2AFC5B}"/>
+              </a:ext>
+            </a:extLst>
+          </p:cNvPr>
+          <p:cNvSpPr txBox="1"/>
+          <p:nvPr/>
+        </p:nvSpPr>
+        <p:spPr>
+          <a:xfrm>
+            <a:off x="2376321" y="5149850"/>
+            <a:ext cx="7765038" cy="1015663"/>
+          </a:xfrm>
+          <a:prstGeom prst="rect">
+            <a:avLst/>
+          </a:prstGeom>
+          <a:noFill/>
+        </p:spPr>
+        <p:txBody>
+          <a:bodyPr wrap="square" rtlCol="0">
+            <a:spAutoFit/>
+          </a:bodyPr>
+          <a:lstStyle/>
+          <a:p>
+            <a:pPr algn="l"/>
+            <a:r>
+              <a:rPr lang="zh-CN" altLang="en-US" sz="2000" dirty="0">
+                <a:latin typeface="黑体" panose="02010609060101010101" pitchFamily="49" charset="-122"/>
+                <a:ea typeface="黑体" panose="02010609060101010101" pitchFamily="49" charset="-122"/>
+              </a:rPr>
+              <a:t>研究方向</a:t>
+            </a:r>
+            <a:r>
+              <a:rPr lang="en-US" altLang="zh-CN" sz="2000" dirty="0">
+                <a:latin typeface="黑体" panose="02010609060101010101" pitchFamily="49" charset="-122"/>
+                <a:ea typeface="黑体" panose="02010609060101010101" pitchFamily="49" charset="-122"/>
+              </a:rPr>
+              <a:t>3</a:t>
+            </a:r>
+            <a:r>
+              <a:rPr lang="zh-CN" altLang="en-US" sz="2000" dirty="0">
+                <a:latin typeface="黑体" panose="02010609060101010101" pitchFamily="49" charset="-122"/>
+                <a:ea typeface="黑体" panose="02010609060101010101" pitchFamily="49" charset="-122"/>
+              </a:rPr>
+              <a:t>：</a:t>
+            </a:r>
+            <a:r>
+              <a:rPr lang="en-US" altLang="zh-CN" sz="2000" dirty="0">
+                <a:latin typeface="黑体" panose="02010609060101010101" pitchFamily="49" charset="-122"/>
+                <a:ea typeface="黑体" panose="02010609060101010101" pitchFamily="49" charset="-122"/>
+              </a:rPr>
+              <a:t>xxxxxxxxxxxxxxxxxxxxxxxxxxxxxxxxxxxxxxxxxxxxxxxxxxxxxxxxxxxxxxxx</a:t>
+            </a:r>
+            <a:endParaRPr lang="zh-CN" altLang="en-US" sz="2000" dirty="0">
+              <a:latin typeface="黑体" panose="02010609060101010101" pitchFamily="49" charset="-122"/>
+              <a:ea typeface="黑体" panose="02010609060101010101" pitchFamily="49" charset="-122"/>
+            </a:endParaRPr>
+          </a:p>
+        </p:txBody>
+      </p:sp>
+    </p:spTree>
+    <p:extLst>
+      <p:ext uri="{BB962C8B-B14F-4D97-AF65-F5344CB8AC3E}">
+        <p14:creationId xmlns:p14="http://schemas.microsoft.com/office/powerpoint/2010/main" val="2933994097"/>
+      </p:ext>
+    </p:extLst>
+  </p:cSld>
+  <p:clrMapOvr>
+    <a:masterClrMapping/>
+  </p:clrMapOvr>
+</p:sld>
+</file>
+
+<file path=ppt/slides/slide5.xml><?xml version="1.0" encoding="utf-8"?>
+<p:sld xmlns:a="http://schemas.openxmlformats.org/drawingml/2006/main" xmlns:r="http://schemas.openxmlformats.org/officeDocument/2006/relationships" xmlns:p="http://schemas.openxmlformats.org/presentationml/2006/main">
+  <p:cSld>
+    <p:spTree>
+      <p:nvGrpSpPr>
+        <p:cNvPr id="1" name=""/>
+        <p:cNvGrpSpPr/>
+        <p:nvPr/>
+      </p:nvGrpSpPr>
+      <p:grpSpPr>
+        <a:xfrm>
+          <a:off x="0" y="0"/>
+          <a:ext cx="0" cy="0"/>
+          <a:chOff x="0" y="0"/>
+          <a:chExt cx="0" cy="0"/>
+        </a:xfrm>
+      </p:grpSpPr>
+      <p:pic>
+        <p:nvPicPr>
+          <p:cNvPr id="4" name="图片 3">
+            <a:extLst>
+              <a:ext uri="{FF2B5EF4-FFF2-40B4-BE49-F238E27FC236}">
+                <a16:creationId xmlns:a16="http://schemas.microsoft.com/office/drawing/2014/main" id="{36D24FAE-CBDE-2DCE-94D0-19FC2ADF291D}"/>
+              </a:ext>
+            </a:extLst>
+          </p:cNvPr>
+          <p:cNvPicPr>
+            <a:picLocks noChangeAspect="1"/>
+          </p:cNvPicPr>
+          <p:nvPr/>
+        </p:nvPicPr>
+        <p:blipFill>
+          <a:blip r:embed="rId2">
+            <a:extLst>
+              <a:ext uri="{28A0092B-C50C-407E-A947-70E740481C1C}">
+                <a14:useLocalDpi xmlns:a14="http://schemas.microsoft.com/office/drawing/2010/main" val="0"/>
+              </a:ext>
+            </a:extLst>
+          </a:blip>
+          <a:srcRect t="32551" b="33333"/>
+          <a:stretch/>
+        </p:blipFill>
+        <p:spPr>
+          <a:xfrm>
+            <a:off x="75927" y="106189"/>
+            <a:ext cx="3799949" cy="935867"/>
+          </a:xfrm>
+          <a:prstGeom prst="rect">
+            <a:avLst/>
+          </a:prstGeom>
+        </p:spPr>
+      </p:pic>
+      <p:sp>
+        <p:nvSpPr>
+          <p:cNvPr id="5" name="文本框 4">
+            <a:extLst>
+              <a:ext uri="{FF2B5EF4-FFF2-40B4-BE49-F238E27FC236}">
+                <a16:creationId xmlns:a16="http://schemas.microsoft.com/office/drawing/2014/main" id="{7F6056AD-7988-F915-A4D6-FC15180100A1}"/>
+              </a:ext>
+            </a:extLst>
+          </p:cNvPr>
+          <p:cNvSpPr txBox="1"/>
+          <p:nvPr/>
+        </p:nvSpPr>
+        <p:spPr>
+          <a:xfrm>
+            <a:off x="4358476" y="112457"/>
+            <a:ext cx="3215149" cy="461665"/>
+          </a:xfrm>
+          <a:prstGeom prst="rect">
+            <a:avLst/>
+          </a:prstGeom>
+          <a:noFill/>
+        </p:spPr>
+        <p:txBody>
+          <a:bodyPr wrap="square" rtlCol="0">
+            <a:spAutoFit/>
+          </a:bodyPr>
+          <a:lstStyle/>
+          <a:p>
+            <a:r>
+              <a:rPr lang="en-US" altLang="zh-CN" sz="2400" b="1" dirty="0" err="1">
+                <a:latin typeface="黑体" panose="02010609060101010101" pitchFamily="49" charset="-122"/>
+                <a:ea typeface="黑体" panose="02010609060101010101" pitchFamily="49" charset="-122"/>
+              </a:rPr>
+              <a:t>xxxx</a:t>
+            </a:r>
+            <a:r>
+              <a:rPr lang="zh-CN" altLang="en-US" sz="2400" b="1" dirty="0">
+                <a:latin typeface="黑体" panose="02010609060101010101" pitchFamily="49" charset="-122"/>
+                <a:ea typeface="黑体" panose="02010609060101010101" pitchFamily="49" charset="-122"/>
+              </a:rPr>
+              <a:t>课题组</a:t>
+            </a:r>
+          </a:p>
+        </p:txBody>
+      </p:sp>
+      <p:sp>
+        <p:nvSpPr>
+          <p:cNvPr id="7" name="文本框 6">
+            <a:extLst>
+              <a:ext uri="{FF2B5EF4-FFF2-40B4-BE49-F238E27FC236}">
+                <a16:creationId xmlns:a16="http://schemas.microsoft.com/office/drawing/2014/main" id="{45AA0A13-A028-9ADC-EDE0-BF3B945D78D8}"/>
+              </a:ext>
+            </a:extLst>
+          </p:cNvPr>
+          <p:cNvSpPr txBox="1"/>
+          <p:nvPr/>
+        </p:nvSpPr>
+        <p:spPr>
+          <a:xfrm>
+            <a:off x="4358476" y="536678"/>
+            <a:ext cx="5822950" cy="400110"/>
+          </a:xfrm>
+          <a:prstGeom prst="rect">
+            <a:avLst/>
+          </a:prstGeom>
+          <a:noFill/>
+        </p:spPr>
+        <p:txBody>
+          <a:bodyPr wrap="square" rtlCol="0">
+            <a:spAutoFit/>
+          </a:bodyPr>
+          <a:lstStyle/>
+          <a:p>
+            <a:pPr algn="l"/>
+            <a:r>
+              <a:rPr lang="zh-CN" altLang="en-US" sz="2000" dirty="0">
+                <a:solidFill>
+                  <a:schemeClr val="bg1">
+                    <a:lumMod val="50000"/>
+                  </a:schemeClr>
+                </a:solidFill>
+                <a:latin typeface="黑体" panose="02010609060101010101" pitchFamily="49" charset="-122"/>
+                <a:ea typeface="黑体" panose="02010609060101010101" pitchFamily="49" charset="-122"/>
+              </a:rPr>
+              <a:t>吉林师范大学</a:t>
+            </a:r>
+            <a:r>
+              <a:rPr lang="en-US" altLang="zh-CN" sz="2000" dirty="0">
+                <a:solidFill>
+                  <a:schemeClr val="bg1">
+                    <a:lumMod val="50000"/>
+                  </a:schemeClr>
+                </a:solidFill>
+                <a:latin typeface="黑体" panose="02010609060101010101" pitchFamily="49" charset="-122"/>
+                <a:ea typeface="黑体" panose="02010609060101010101" pitchFamily="49" charset="-122"/>
+              </a:rPr>
+              <a:t>xx</a:t>
+            </a:r>
+            <a:r>
+              <a:rPr lang="zh-CN" altLang="en-US" sz="2000" dirty="0">
+                <a:solidFill>
+                  <a:schemeClr val="bg1">
+                    <a:lumMod val="50000"/>
+                  </a:schemeClr>
+                </a:solidFill>
+                <a:latin typeface="黑体" panose="02010609060101010101" pitchFamily="49" charset="-122"/>
+                <a:ea typeface="黑体" panose="02010609060101010101" pitchFamily="49" charset="-122"/>
+              </a:rPr>
+              <a:t>学院</a:t>
+            </a:r>
+          </a:p>
+        </p:txBody>
+      </p:sp>
+      <p:sp>
+        <p:nvSpPr>
+          <p:cNvPr id="9" name="矩形 8">
+            <a:extLst>
+              <a:ext uri="{FF2B5EF4-FFF2-40B4-BE49-F238E27FC236}">
+                <a16:creationId xmlns:a16="http://schemas.microsoft.com/office/drawing/2014/main" id="{F5DD76DF-F613-44E7-C86F-FD4AAC9D89CF}"/>
+              </a:ext>
+            </a:extLst>
+          </p:cNvPr>
+          <p:cNvSpPr/>
+          <p:nvPr/>
+        </p:nvSpPr>
+        <p:spPr>
+          <a:xfrm>
+            <a:off x="0" y="1042056"/>
+            <a:ext cx="12192000" cy="400110"/>
+          </a:xfrm>
+          <a:prstGeom prst="rect">
+            <a:avLst/>
+          </a:prstGeom>
+          <a:solidFill>
+            <a:srgbClr val="3F51B5"/>
+          </a:solidFill>
+          <a:ln>
+            <a:noFill/>
+          </a:ln>
+        </p:spPr>
+        <p:style>
+          <a:lnRef idx="2">
+            <a:schemeClr val="accent1">
+              <a:shade val="15000"/>
+            </a:schemeClr>
+          </a:lnRef>
+          <a:fillRef idx="1">
+            <a:schemeClr val="accent1"/>
+          </a:fillRef>
+          <a:effectRef idx="0">
+            <a:schemeClr val="accent1"/>
+          </a:effectRef>
+          <a:fontRef idx="minor">
+            <a:schemeClr val="lt1"/>
+          </a:fontRef>
+        </p:style>
+        <p:txBody>
+          <a:bodyPr rtlCol="0" anchor="ctr"/>
+          <a:lstStyle/>
+          <a:p>
+            <a:pPr algn="ctr"/>
+            <a:endParaRPr lang="zh-CN" altLang="en-US"/>
+          </a:p>
+        </p:txBody>
+      </p:sp>
+      <p:sp>
+        <p:nvSpPr>
+          <p:cNvPr id="3" name="矩形 2">
+            <a:extLst>
+              <a:ext uri="{FF2B5EF4-FFF2-40B4-BE49-F238E27FC236}">
+                <a16:creationId xmlns:a16="http://schemas.microsoft.com/office/drawing/2014/main" id="{1926FEDD-4312-3C66-1B3A-B4A02A1BBF0B}"/>
+              </a:ext>
+            </a:extLst>
+          </p:cNvPr>
+          <p:cNvSpPr/>
+          <p:nvPr/>
+        </p:nvSpPr>
+        <p:spPr>
+          <a:xfrm>
+            <a:off x="4358476" y="1048406"/>
+            <a:ext cx="1085850" cy="406840"/>
+          </a:xfrm>
+          <a:prstGeom prst="rect">
+            <a:avLst/>
+          </a:prstGeom>
+          <a:solidFill>
+            <a:schemeClr val="accent1">
+              <a:lumMod val="60000"/>
+              <a:lumOff val="40000"/>
+            </a:schemeClr>
+          </a:solidFill>
+          <a:ln>
+            <a:noFill/>
+          </a:ln>
+        </p:spPr>
+        <p:style>
+          <a:lnRef idx="2">
+            <a:schemeClr val="accent1">
+              <a:shade val="15000"/>
+            </a:schemeClr>
+          </a:lnRef>
+          <a:fillRef idx="1">
+            <a:schemeClr val="accent1"/>
+          </a:fillRef>
+          <a:effectRef idx="0">
+            <a:schemeClr val="accent1"/>
+          </a:effectRef>
+          <a:fontRef idx="minor">
+            <a:schemeClr val="lt1"/>
+          </a:fontRef>
+        </p:style>
+        <p:txBody>
+          <a:bodyPr rtlCol="0" anchor="ctr"/>
+          <a:lstStyle/>
+          <a:p>
+            <a:pPr algn="ctr"/>
+            <a:endParaRPr lang="zh-CN" altLang="en-US" dirty="0"/>
+          </a:p>
+        </p:txBody>
+      </p:sp>
+      <p:sp>
+        <p:nvSpPr>
+          <p:cNvPr id="10" name="文本框 9">
+            <a:extLst>
+              <a:ext uri="{FF2B5EF4-FFF2-40B4-BE49-F238E27FC236}">
+                <a16:creationId xmlns:a16="http://schemas.microsoft.com/office/drawing/2014/main" id="{349D4407-0428-0B5B-7F14-EE06E79CB335}"/>
+              </a:ext>
+            </a:extLst>
+          </p:cNvPr>
+          <p:cNvSpPr txBox="1"/>
+          <p:nvPr/>
+        </p:nvSpPr>
+        <p:spPr>
+          <a:xfrm>
+            <a:off x="792562" y="1042772"/>
+            <a:ext cx="762000" cy="400110"/>
+          </a:xfrm>
+          <a:prstGeom prst="rect">
+            <a:avLst/>
+          </a:prstGeom>
+          <a:noFill/>
+        </p:spPr>
+        <p:txBody>
+          <a:bodyPr wrap="square" rtlCol="0">
+            <a:spAutoFit/>
+          </a:bodyPr>
+          <a:lstStyle/>
+          <a:p>
+            <a:pPr algn="l"/>
+            <a:r>
+              <a:rPr lang="zh-CN" altLang="en-US" sz="2000" b="1" dirty="0">
+                <a:solidFill>
+                  <a:schemeClr val="bg1"/>
+                </a:solidFill>
+                <a:latin typeface="黑体" panose="02010609060101010101" pitchFamily="49" charset="-122"/>
+                <a:ea typeface="黑体" panose="02010609060101010101" pitchFamily="49" charset="-122"/>
+              </a:rPr>
+              <a:t>首页</a:t>
+            </a:r>
+          </a:p>
+        </p:txBody>
+      </p:sp>
+      <p:sp>
+        <p:nvSpPr>
+          <p:cNvPr id="11" name="文本框 10">
+            <a:extLst>
+              <a:ext uri="{FF2B5EF4-FFF2-40B4-BE49-F238E27FC236}">
+                <a16:creationId xmlns:a16="http://schemas.microsoft.com/office/drawing/2014/main" id="{682ED60C-6E66-F7F1-A96D-0302206FACB3}"/>
+              </a:ext>
+            </a:extLst>
+          </p:cNvPr>
+          <p:cNvSpPr txBox="1"/>
+          <p:nvPr/>
+        </p:nvSpPr>
+        <p:spPr>
+          <a:xfrm>
+            <a:off x="1633547" y="1048406"/>
+            <a:ext cx="1275299" cy="400110"/>
+          </a:xfrm>
+          <a:prstGeom prst="rect">
+            <a:avLst/>
+          </a:prstGeom>
+          <a:noFill/>
+        </p:spPr>
+        <p:txBody>
+          <a:bodyPr wrap="square" rtlCol="0">
+            <a:spAutoFit/>
+          </a:bodyPr>
+          <a:lstStyle/>
+          <a:p>
+            <a:pPr algn="l"/>
+            <a:r>
+              <a:rPr lang="zh-CN" altLang="en-US" sz="2000" b="1" dirty="0">
+                <a:solidFill>
+                  <a:schemeClr val="bg1"/>
+                </a:solidFill>
+                <a:latin typeface="黑体" panose="02010609060101010101" pitchFamily="49" charset="-122"/>
+                <a:ea typeface="黑体" panose="02010609060101010101" pitchFamily="49" charset="-122"/>
+              </a:rPr>
+              <a:t>教师介绍</a:t>
+            </a:r>
+          </a:p>
+        </p:txBody>
+      </p:sp>
+      <p:sp>
+        <p:nvSpPr>
+          <p:cNvPr id="12" name="文本框 11">
+            <a:extLst>
+              <a:ext uri="{FF2B5EF4-FFF2-40B4-BE49-F238E27FC236}">
+                <a16:creationId xmlns:a16="http://schemas.microsoft.com/office/drawing/2014/main" id="{79E15224-BC2A-5C42-37EE-4CCA2AD95AEB}"/>
+              </a:ext>
+            </a:extLst>
+          </p:cNvPr>
+          <p:cNvSpPr txBox="1"/>
+          <p:nvPr/>
+        </p:nvSpPr>
+        <p:spPr>
+          <a:xfrm>
+            <a:off x="2996897" y="1035706"/>
+            <a:ext cx="1275299" cy="400110"/>
+          </a:xfrm>
+          <a:prstGeom prst="rect">
+            <a:avLst/>
+          </a:prstGeom>
+          <a:noFill/>
+        </p:spPr>
+        <p:txBody>
+          <a:bodyPr wrap="square" rtlCol="0">
+            <a:spAutoFit/>
+          </a:bodyPr>
+          <a:lstStyle/>
+          <a:p>
+            <a:pPr algn="l"/>
+            <a:r>
+              <a:rPr lang="zh-CN" altLang="en-US" sz="2000" b="1" dirty="0">
+                <a:solidFill>
+                  <a:schemeClr val="bg1"/>
+                </a:solidFill>
+                <a:latin typeface="黑体" panose="02010609060101010101" pitchFamily="49" charset="-122"/>
+                <a:ea typeface="黑体" panose="02010609060101010101" pitchFamily="49" charset="-122"/>
+              </a:rPr>
+              <a:t>组员介绍</a:t>
+            </a:r>
+          </a:p>
+        </p:txBody>
+      </p:sp>
+      <p:sp>
+        <p:nvSpPr>
+          <p:cNvPr id="13" name="文本框 12">
+            <a:extLst>
+              <a:ext uri="{FF2B5EF4-FFF2-40B4-BE49-F238E27FC236}">
+                <a16:creationId xmlns:a16="http://schemas.microsoft.com/office/drawing/2014/main" id="{3122C9C7-3338-CC25-0340-92F0AC795C24}"/>
+              </a:ext>
+            </a:extLst>
+          </p:cNvPr>
+          <p:cNvSpPr txBox="1"/>
+          <p:nvPr/>
+        </p:nvSpPr>
+        <p:spPr>
+          <a:xfrm>
+            <a:off x="7218196" y="1035326"/>
+            <a:ext cx="1489601" cy="400110"/>
+          </a:xfrm>
+          <a:prstGeom prst="rect">
+            <a:avLst/>
+          </a:prstGeom>
+          <a:noFill/>
+        </p:spPr>
+        <p:txBody>
+          <a:bodyPr wrap="square" rtlCol="0">
+            <a:spAutoFit/>
+          </a:bodyPr>
+          <a:lstStyle/>
+          <a:p>
+            <a:pPr algn="l"/>
+            <a:r>
+              <a:rPr lang="zh-CN" altLang="en-US" sz="2000" b="1" dirty="0">
+                <a:solidFill>
+                  <a:schemeClr val="bg1"/>
+                </a:solidFill>
+                <a:latin typeface="黑体" panose="02010609060101010101" pitchFamily="49" charset="-122"/>
+                <a:ea typeface="黑体" panose="02010609060101010101" pitchFamily="49" charset="-122"/>
+              </a:rPr>
+              <a:t>课题组新闻</a:t>
+            </a:r>
+          </a:p>
+        </p:txBody>
+      </p:sp>
+      <p:sp>
+        <p:nvSpPr>
+          <p:cNvPr id="14" name="文本框 13">
+            <a:extLst>
+              <a:ext uri="{FF2B5EF4-FFF2-40B4-BE49-F238E27FC236}">
+                <a16:creationId xmlns:a16="http://schemas.microsoft.com/office/drawing/2014/main" id="{67D759F4-7B87-5A5A-073C-EA13895C448A}"/>
+              </a:ext>
+            </a:extLst>
+          </p:cNvPr>
+          <p:cNvSpPr txBox="1"/>
+          <p:nvPr/>
+        </p:nvSpPr>
+        <p:spPr>
+          <a:xfrm>
+            <a:off x="4342053" y="1035706"/>
+            <a:ext cx="1275299" cy="400110"/>
+          </a:xfrm>
+          <a:prstGeom prst="rect">
+            <a:avLst/>
+          </a:prstGeom>
+          <a:noFill/>
+        </p:spPr>
+        <p:txBody>
+          <a:bodyPr wrap="square" rtlCol="0">
+            <a:spAutoFit/>
+          </a:bodyPr>
+          <a:lstStyle/>
+          <a:p>
+            <a:pPr algn="l"/>
+            <a:r>
+              <a:rPr lang="zh-CN" altLang="en-US" sz="2000" b="1" dirty="0">
+                <a:solidFill>
+                  <a:schemeClr val="bg1"/>
+                </a:solidFill>
+                <a:latin typeface="黑体" panose="02010609060101010101" pitchFamily="49" charset="-122"/>
+                <a:ea typeface="黑体" panose="02010609060101010101" pitchFamily="49" charset="-122"/>
+              </a:rPr>
+              <a:t>研究方向</a:t>
+            </a:r>
+          </a:p>
+        </p:txBody>
+      </p:sp>
+      <p:sp>
+        <p:nvSpPr>
+          <p:cNvPr id="15" name="文本框 14">
+            <a:extLst>
+              <a:ext uri="{FF2B5EF4-FFF2-40B4-BE49-F238E27FC236}">
+                <a16:creationId xmlns:a16="http://schemas.microsoft.com/office/drawing/2014/main" id="{3468D1C6-4F62-E27F-47B2-28C2E4570F0D}"/>
+              </a:ext>
+            </a:extLst>
+          </p:cNvPr>
+          <p:cNvSpPr txBox="1"/>
+          <p:nvPr/>
+        </p:nvSpPr>
+        <p:spPr>
+          <a:xfrm>
+            <a:off x="8848763" y="1035326"/>
+            <a:ext cx="1275299" cy="400110"/>
+          </a:xfrm>
+          <a:prstGeom prst="rect">
+            <a:avLst/>
+          </a:prstGeom>
+          <a:noFill/>
+        </p:spPr>
+        <p:txBody>
+          <a:bodyPr wrap="square" rtlCol="0">
+            <a:spAutoFit/>
+          </a:bodyPr>
+          <a:lstStyle/>
+          <a:p>
+            <a:pPr algn="l"/>
+            <a:r>
+              <a:rPr lang="zh-CN" altLang="en-US" sz="2000" b="1" dirty="0">
+                <a:solidFill>
+                  <a:schemeClr val="bg1"/>
+                </a:solidFill>
+                <a:latin typeface="黑体" panose="02010609060101010101" pitchFamily="49" charset="-122"/>
+                <a:ea typeface="黑体" panose="02010609060101010101" pitchFamily="49" charset="-122"/>
+              </a:rPr>
+              <a:t>组内活动</a:t>
+            </a:r>
+          </a:p>
+        </p:txBody>
+      </p:sp>
+      <p:sp>
+        <p:nvSpPr>
+          <p:cNvPr id="16" name="文本框 15">
+            <a:extLst>
+              <a:ext uri="{FF2B5EF4-FFF2-40B4-BE49-F238E27FC236}">
+                <a16:creationId xmlns:a16="http://schemas.microsoft.com/office/drawing/2014/main" id="{405076C6-B8A3-BD82-9E5A-A8E04B49A749}"/>
+              </a:ext>
+            </a:extLst>
+          </p:cNvPr>
+          <p:cNvSpPr txBox="1"/>
+          <p:nvPr/>
+        </p:nvSpPr>
+        <p:spPr>
+          <a:xfrm>
+            <a:off x="5681785" y="1042056"/>
+            <a:ext cx="1544513" cy="400110"/>
+          </a:xfrm>
+          <a:prstGeom prst="rect">
+            <a:avLst/>
+          </a:prstGeom>
+          <a:noFill/>
+        </p:spPr>
+        <p:txBody>
+          <a:bodyPr wrap="square" rtlCol="0">
+            <a:spAutoFit/>
+          </a:bodyPr>
+          <a:lstStyle/>
+          <a:p>
+            <a:pPr algn="l"/>
+            <a:r>
+              <a:rPr lang="zh-CN" altLang="en-US" sz="2000" b="1" dirty="0">
+                <a:solidFill>
+                  <a:schemeClr val="bg1"/>
+                </a:solidFill>
+                <a:latin typeface="黑体" panose="02010609060101010101" pitchFamily="49" charset="-122"/>
+                <a:ea typeface="黑体" panose="02010609060101010101" pitchFamily="49" charset="-122"/>
+              </a:rPr>
+              <a:t>成果及论文</a:t>
+            </a:r>
+          </a:p>
+        </p:txBody>
+      </p:sp>
+      <p:sp>
+        <p:nvSpPr>
+          <p:cNvPr id="17" name="文本框 16">
+            <a:extLst>
+              <a:ext uri="{FF2B5EF4-FFF2-40B4-BE49-F238E27FC236}">
+                <a16:creationId xmlns:a16="http://schemas.microsoft.com/office/drawing/2014/main" id="{3D75C95A-6546-170F-98A9-C4E3EC10B561}"/>
+              </a:ext>
+            </a:extLst>
+          </p:cNvPr>
+          <p:cNvSpPr txBox="1"/>
+          <p:nvPr/>
+        </p:nvSpPr>
+        <p:spPr>
+          <a:xfrm>
+            <a:off x="10181426" y="1042772"/>
+            <a:ext cx="1275299" cy="400110"/>
+          </a:xfrm>
+          <a:prstGeom prst="rect">
+            <a:avLst/>
+          </a:prstGeom>
+          <a:noFill/>
+        </p:spPr>
+        <p:txBody>
+          <a:bodyPr wrap="square" rtlCol="0">
+            <a:spAutoFit/>
+          </a:bodyPr>
+          <a:lstStyle/>
+          <a:p>
+            <a:pPr algn="l"/>
+            <a:r>
+              <a:rPr lang="zh-CN" altLang="en-US" sz="2000" b="1" dirty="0">
+                <a:solidFill>
+                  <a:schemeClr val="bg1"/>
+                </a:solidFill>
+                <a:latin typeface="黑体" panose="02010609060101010101" pitchFamily="49" charset="-122"/>
+                <a:ea typeface="黑体" panose="02010609060101010101" pitchFamily="49" charset="-122"/>
+              </a:rPr>
+              <a:t>加入我们</a:t>
+            </a:r>
+          </a:p>
+        </p:txBody>
+      </p:sp>
+      <p:sp>
+        <p:nvSpPr>
+          <p:cNvPr id="6" name="文本框 5">
+            <a:extLst>
+              <a:ext uri="{FF2B5EF4-FFF2-40B4-BE49-F238E27FC236}">
+                <a16:creationId xmlns:a16="http://schemas.microsoft.com/office/drawing/2014/main" id="{26267CF5-578C-5CA4-8AC9-48B021FCF119}"/>
+              </a:ext>
+            </a:extLst>
+          </p:cNvPr>
+          <p:cNvSpPr txBox="1"/>
+          <p:nvPr/>
+        </p:nvSpPr>
+        <p:spPr>
+          <a:xfrm>
+            <a:off x="171450" y="1470164"/>
+            <a:ext cx="5080000" cy="400110"/>
+          </a:xfrm>
+          <a:prstGeom prst="rect">
+            <a:avLst/>
+          </a:prstGeom>
+          <a:noFill/>
+        </p:spPr>
+        <p:txBody>
+          <a:bodyPr wrap="square" rtlCol="0">
+            <a:spAutoFit/>
+          </a:bodyPr>
+          <a:lstStyle/>
+          <a:p>
+            <a:pPr algn="l"/>
+            <a:r>
+              <a:rPr lang="zh-CN" altLang="en-US" sz="2000" b="1" dirty="0">
+                <a:solidFill>
+                  <a:srgbClr val="FF0000"/>
+                </a:solidFill>
+                <a:highlight>
+                  <a:srgbClr val="FFFF00"/>
+                </a:highlight>
+                <a:latin typeface="黑体" panose="02010609060101010101" pitchFamily="49" charset="-122"/>
+                <a:ea typeface="黑体" panose="02010609060101010101" pitchFamily="49" charset="-122"/>
+              </a:rPr>
+              <a:t>也可以采用这种形式展示研究方向</a:t>
+            </a:r>
+          </a:p>
+        </p:txBody>
+      </p:sp>
+      <p:pic>
+        <p:nvPicPr>
+          <p:cNvPr id="23" name="图片 22">
+            <a:extLst>
+              <a:ext uri="{FF2B5EF4-FFF2-40B4-BE49-F238E27FC236}">
+                <a16:creationId xmlns:a16="http://schemas.microsoft.com/office/drawing/2014/main" id="{E0C57BA4-2260-38BB-B7A2-93D1E07DB93D}"/>
+              </a:ext>
+            </a:extLst>
+          </p:cNvPr>
+          <p:cNvPicPr>
+            <a:picLocks noChangeAspect="1"/>
+          </p:cNvPicPr>
+          <p:nvPr/>
+        </p:nvPicPr>
+        <p:blipFill>
+          <a:blip r:embed="rId3"/>
+          <a:stretch>
+            <a:fillRect/>
+          </a:stretch>
+        </p:blipFill>
+        <p:spPr>
+          <a:xfrm>
+            <a:off x="847455" y="1866305"/>
+            <a:ext cx="10497089" cy="5899453"/>
+          </a:xfrm>
+          <a:prstGeom prst="rect">
+            <a:avLst/>
+          </a:prstGeom>
+        </p:spPr>
+      </p:pic>
+    </p:spTree>
+    <p:extLst>
+      <p:ext uri="{BB962C8B-B14F-4D97-AF65-F5344CB8AC3E}">
+        <p14:creationId xmlns:p14="http://schemas.microsoft.com/office/powerpoint/2010/main" val="2385871659"/>
+      </p:ext>
+    </p:extLst>
+  </p:cSld>
+  <p:clrMapOvr>
+    <a:masterClrMapping/>
+  </p:clrMapOvr>
+</p:sld>
+</file>
+
+<file path=ppt/slides/slide6.xml><?xml version="1.0" encoding="utf-8"?>
+<p:sld xmlns:a="http://schemas.openxmlformats.org/drawingml/2006/main" xmlns:r="http://schemas.openxmlformats.org/officeDocument/2006/relationships" xmlns:p="http://schemas.openxmlformats.org/presentationml/2006/main">
+  <p:cSld>
+    <p:spTree>
+      <p:nvGrpSpPr>
+        <p:cNvPr id="1" name=""/>
+        <p:cNvGrpSpPr/>
+        <p:nvPr/>
+      </p:nvGrpSpPr>
+      <p:grpSpPr>
+        <a:xfrm>
+          <a:off x="0" y="0"/>
+          <a:ext cx="0" cy="0"/>
+          <a:chOff x="0" y="0"/>
+          <a:chExt cx="0" cy="0"/>
+        </a:xfrm>
+      </p:grpSpPr>
+      <p:pic>
+        <p:nvPicPr>
+          <p:cNvPr id="4" name="图片 3">
+            <a:extLst>
+              <a:ext uri="{FF2B5EF4-FFF2-40B4-BE49-F238E27FC236}">
+                <a16:creationId xmlns:a16="http://schemas.microsoft.com/office/drawing/2014/main" id="{36D24FAE-CBDE-2DCE-94D0-19FC2ADF291D}"/>
+              </a:ext>
+            </a:extLst>
+          </p:cNvPr>
+          <p:cNvPicPr>
+            <a:picLocks noChangeAspect="1"/>
+          </p:cNvPicPr>
+          <p:nvPr/>
+        </p:nvPicPr>
+        <p:blipFill>
+          <a:blip r:embed="rId2">
+            <a:extLst>
+              <a:ext uri="{28A0092B-C50C-407E-A947-70E740481C1C}">
+                <a14:useLocalDpi xmlns:a14="http://schemas.microsoft.com/office/drawing/2010/main" val="0"/>
+              </a:ext>
+            </a:extLst>
+          </a:blip>
+          <a:srcRect t="32551" b="33333"/>
+          <a:stretch/>
+        </p:blipFill>
+        <p:spPr>
+          <a:xfrm>
+            <a:off x="75927" y="106189"/>
+            <a:ext cx="3799949" cy="935867"/>
+          </a:xfrm>
+          <a:prstGeom prst="rect">
+            <a:avLst/>
+          </a:prstGeom>
+        </p:spPr>
+      </p:pic>
+      <p:sp>
+        <p:nvSpPr>
+          <p:cNvPr id="5" name="文本框 4">
+            <a:extLst>
+              <a:ext uri="{FF2B5EF4-FFF2-40B4-BE49-F238E27FC236}">
+                <a16:creationId xmlns:a16="http://schemas.microsoft.com/office/drawing/2014/main" id="{7F6056AD-7988-F915-A4D6-FC15180100A1}"/>
+              </a:ext>
+            </a:extLst>
+          </p:cNvPr>
+          <p:cNvSpPr txBox="1"/>
+          <p:nvPr/>
+        </p:nvSpPr>
+        <p:spPr>
+          <a:xfrm>
+            <a:off x="4358476" y="112457"/>
+            <a:ext cx="3215149" cy="461665"/>
+          </a:xfrm>
+          <a:prstGeom prst="rect">
+            <a:avLst/>
+          </a:prstGeom>
+          <a:noFill/>
+        </p:spPr>
+        <p:txBody>
+          <a:bodyPr wrap="square" rtlCol="0">
+            <a:spAutoFit/>
+          </a:bodyPr>
+          <a:lstStyle/>
+          <a:p>
+            <a:r>
+              <a:rPr lang="en-US" altLang="zh-CN" sz="2400" b="1" dirty="0" err="1">
+                <a:latin typeface="黑体" panose="02010609060101010101" pitchFamily="49" charset="-122"/>
+                <a:ea typeface="黑体" panose="02010609060101010101" pitchFamily="49" charset="-122"/>
+              </a:rPr>
+              <a:t>xxxx</a:t>
+            </a:r>
+            <a:r>
+              <a:rPr lang="zh-CN" altLang="en-US" sz="2400" b="1" dirty="0">
+                <a:latin typeface="黑体" panose="02010609060101010101" pitchFamily="49" charset="-122"/>
+                <a:ea typeface="黑体" panose="02010609060101010101" pitchFamily="49" charset="-122"/>
+              </a:rPr>
+              <a:t>课题组</a:t>
+            </a:r>
+          </a:p>
+        </p:txBody>
+      </p:sp>
+      <p:sp>
+        <p:nvSpPr>
+          <p:cNvPr id="7" name="文本框 6">
+            <a:extLst>
+              <a:ext uri="{FF2B5EF4-FFF2-40B4-BE49-F238E27FC236}">
+                <a16:creationId xmlns:a16="http://schemas.microsoft.com/office/drawing/2014/main" id="{45AA0A13-A028-9ADC-EDE0-BF3B945D78D8}"/>
+              </a:ext>
+            </a:extLst>
+          </p:cNvPr>
+          <p:cNvSpPr txBox="1"/>
+          <p:nvPr/>
+        </p:nvSpPr>
+        <p:spPr>
+          <a:xfrm>
+            <a:off x="4358476" y="536678"/>
+            <a:ext cx="5822950" cy="400110"/>
+          </a:xfrm>
+          <a:prstGeom prst="rect">
+            <a:avLst/>
+          </a:prstGeom>
+          <a:noFill/>
+        </p:spPr>
+        <p:txBody>
+          <a:bodyPr wrap="square" rtlCol="0">
+            <a:spAutoFit/>
+          </a:bodyPr>
+          <a:lstStyle/>
+          <a:p>
+            <a:pPr algn="l"/>
+            <a:r>
+              <a:rPr lang="zh-CN" altLang="en-US" sz="2000" dirty="0">
+                <a:solidFill>
+                  <a:schemeClr val="bg1">
+                    <a:lumMod val="50000"/>
+                  </a:schemeClr>
+                </a:solidFill>
+                <a:latin typeface="黑体" panose="02010609060101010101" pitchFamily="49" charset="-122"/>
+                <a:ea typeface="黑体" panose="02010609060101010101" pitchFamily="49" charset="-122"/>
+              </a:rPr>
+              <a:t>吉林师范大学</a:t>
+            </a:r>
+            <a:r>
+              <a:rPr lang="en-US" altLang="zh-CN" sz="2000" dirty="0">
+                <a:solidFill>
+                  <a:schemeClr val="bg1">
+                    <a:lumMod val="50000"/>
+                  </a:schemeClr>
+                </a:solidFill>
+                <a:latin typeface="黑体" panose="02010609060101010101" pitchFamily="49" charset="-122"/>
+                <a:ea typeface="黑体" panose="02010609060101010101" pitchFamily="49" charset="-122"/>
+              </a:rPr>
+              <a:t>xx</a:t>
+            </a:r>
+            <a:r>
+              <a:rPr lang="zh-CN" altLang="en-US" sz="2000" dirty="0">
+                <a:solidFill>
+                  <a:schemeClr val="bg1">
+                    <a:lumMod val="50000"/>
+                  </a:schemeClr>
+                </a:solidFill>
+                <a:latin typeface="黑体" panose="02010609060101010101" pitchFamily="49" charset="-122"/>
+                <a:ea typeface="黑体" panose="02010609060101010101" pitchFamily="49" charset="-122"/>
+              </a:rPr>
+              <a:t>学院</a:t>
+            </a:r>
+          </a:p>
+        </p:txBody>
+      </p:sp>
+      <p:sp>
+        <p:nvSpPr>
+          <p:cNvPr id="9" name="矩形 8">
+            <a:extLst>
+              <a:ext uri="{FF2B5EF4-FFF2-40B4-BE49-F238E27FC236}">
+                <a16:creationId xmlns:a16="http://schemas.microsoft.com/office/drawing/2014/main" id="{F5DD76DF-F613-44E7-C86F-FD4AAC9D89CF}"/>
+              </a:ext>
+            </a:extLst>
+          </p:cNvPr>
+          <p:cNvSpPr/>
+          <p:nvPr/>
+        </p:nvSpPr>
+        <p:spPr>
+          <a:xfrm>
+            <a:off x="0" y="1042056"/>
+            <a:ext cx="12192000" cy="400110"/>
+          </a:xfrm>
+          <a:prstGeom prst="rect">
+            <a:avLst/>
+          </a:prstGeom>
+          <a:solidFill>
+            <a:srgbClr val="3F51B5"/>
+          </a:solidFill>
+          <a:ln>
+            <a:noFill/>
+          </a:ln>
+        </p:spPr>
+        <p:style>
+          <a:lnRef idx="2">
+            <a:schemeClr val="accent1">
+              <a:shade val="15000"/>
+            </a:schemeClr>
+          </a:lnRef>
+          <a:fillRef idx="1">
+            <a:schemeClr val="accent1"/>
+          </a:fillRef>
+          <a:effectRef idx="0">
+            <a:schemeClr val="accent1"/>
+          </a:effectRef>
+          <a:fontRef idx="minor">
+            <a:schemeClr val="lt1"/>
+          </a:fontRef>
+        </p:style>
+        <p:txBody>
+          <a:bodyPr rtlCol="0" anchor="ctr"/>
+          <a:lstStyle/>
+          <a:p>
+            <a:pPr algn="ctr"/>
+            <a:endParaRPr lang="zh-CN" altLang="en-US"/>
+          </a:p>
+        </p:txBody>
+      </p:sp>
+      <p:sp>
+        <p:nvSpPr>
+          <p:cNvPr id="3" name="矩形 2">
+            <a:extLst>
+              <a:ext uri="{FF2B5EF4-FFF2-40B4-BE49-F238E27FC236}">
+                <a16:creationId xmlns:a16="http://schemas.microsoft.com/office/drawing/2014/main" id="{1926FEDD-4312-3C66-1B3A-B4A02A1BBF0B}"/>
+              </a:ext>
+            </a:extLst>
+          </p:cNvPr>
+          <p:cNvSpPr/>
+          <p:nvPr/>
+        </p:nvSpPr>
+        <p:spPr>
+          <a:xfrm>
+            <a:off x="5708241" y="1048406"/>
+            <a:ext cx="1445522" cy="406840"/>
+          </a:xfrm>
+          <a:prstGeom prst="rect">
+            <a:avLst/>
+          </a:prstGeom>
+          <a:solidFill>
+            <a:schemeClr val="accent1">
+              <a:lumMod val="60000"/>
+              <a:lumOff val="40000"/>
+            </a:schemeClr>
+          </a:solidFill>
+          <a:ln>
+            <a:noFill/>
+          </a:ln>
+        </p:spPr>
+        <p:style>
+          <a:lnRef idx="2">
+            <a:schemeClr val="accent1">
+              <a:shade val="15000"/>
+            </a:schemeClr>
+          </a:lnRef>
+          <a:fillRef idx="1">
+            <a:schemeClr val="accent1"/>
+          </a:fillRef>
+          <a:effectRef idx="0">
+            <a:schemeClr val="accent1"/>
+          </a:effectRef>
+          <a:fontRef idx="minor">
+            <a:schemeClr val="lt1"/>
+          </a:fontRef>
+        </p:style>
+        <p:txBody>
+          <a:bodyPr rtlCol="0" anchor="ctr"/>
+          <a:lstStyle/>
+          <a:p>
+            <a:pPr algn="ctr"/>
+            <a:endParaRPr lang="zh-CN" altLang="en-US" dirty="0"/>
+          </a:p>
+        </p:txBody>
+      </p:sp>
+      <p:sp>
+        <p:nvSpPr>
+          <p:cNvPr id="10" name="文本框 9">
+            <a:extLst>
+              <a:ext uri="{FF2B5EF4-FFF2-40B4-BE49-F238E27FC236}">
+                <a16:creationId xmlns:a16="http://schemas.microsoft.com/office/drawing/2014/main" id="{349D4407-0428-0B5B-7F14-EE06E79CB335}"/>
+              </a:ext>
+            </a:extLst>
+          </p:cNvPr>
+          <p:cNvSpPr txBox="1"/>
+          <p:nvPr/>
+        </p:nvSpPr>
+        <p:spPr>
+          <a:xfrm>
+            <a:off x="792562" y="1042772"/>
+            <a:ext cx="762000" cy="400110"/>
+          </a:xfrm>
+          <a:prstGeom prst="rect">
+            <a:avLst/>
+          </a:prstGeom>
+          <a:noFill/>
+        </p:spPr>
+        <p:txBody>
+          <a:bodyPr wrap="square" rtlCol="0">
+            <a:spAutoFit/>
+          </a:bodyPr>
+          <a:lstStyle/>
+          <a:p>
+            <a:pPr algn="l"/>
+            <a:r>
+              <a:rPr lang="zh-CN" altLang="en-US" sz="2000" b="1" dirty="0">
+                <a:solidFill>
+                  <a:schemeClr val="bg1"/>
+                </a:solidFill>
+                <a:latin typeface="黑体" panose="02010609060101010101" pitchFamily="49" charset="-122"/>
+                <a:ea typeface="黑体" panose="02010609060101010101" pitchFamily="49" charset="-122"/>
+              </a:rPr>
+              <a:t>首页</a:t>
+            </a:r>
+          </a:p>
+        </p:txBody>
+      </p:sp>
+      <p:sp>
+        <p:nvSpPr>
+          <p:cNvPr id="11" name="文本框 10">
+            <a:extLst>
+              <a:ext uri="{FF2B5EF4-FFF2-40B4-BE49-F238E27FC236}">
+                <a16:creationId xmlns:a16="http://schemas.microsoft.com/office/drawing/2014/main" id="{682ED60C-6E66-F7F1-A96D-0302206FACB3}"/>
+              </a:ext>
+            </a:extLst>
+          </p:cNvPr>
+          <p:cNvSpPr txBox="1"/>
+          <p:nvPr/>
+        </p:nvSpPr>
+        <p:spPr>
+          <a:xfrm>
+            <a:off x="1633547" y="1048406"/>
+            <a:ext cx="1275299" cy="400110"/>
+          </a:xfrm>
+          <a:prstGeom prst="rect">
+            <a:avLst/>
+          </a:prstGeom>
+          <a:noFill/>
+        </p:spPr>
+        <p:txBody>
+          <a:bodyPr wrap="square" rtlCol="0">
+            <a:spAutoFit/>
+          </a:bodyPr>
+          <a:lstStyle/>
+          <a:p>
+            <a:pPr algn="l"/>
+            <a:r>
+              <a:rPr lang="zh-CN" altLang="en-US" sz="2000" b="1" dirty="0">
+                <a:solidFill>
+                  <a:schemeClr val="bg1"/>
+                </a:solidFill>
+                <a:latin typeface="黑体" panose="02010609060101010101" pitchFamily="49" charset="-122"/>
+                <a:ea typeface="黑体" panose="02010609060101010101" pitchFamily="49" charset="-122"/>
+              </a:rPr>
+              <a:t>教师介绍</a:t>
+            </a:r>
+          </a:p>
+        </p:txBody>
+      </p:sp>
+      <p:sp>
+        <p:nvSpPr>
+          <p:cNvPr id="12" name="文本框 11">
+            <a:extLst>
+              <a:ext uri="{FF2B5EF4-FFF2-40B4-BE49-F238E27FC236}">
+                <a16:creationId xmlns:a16="http://schemas.microsoft.com/office/drawing/2014/main" id="{79E15224-BC2A-5C42-37EE-4CCA2AD95AEB}"/>
+              </a:ext>
+            </a:extLst>
+          </p:cNvPr>
+          <p:cNvSpPr txBox="1"/>
+          <p:nvPr/>
+        </p:nvSpPr>
+        <p:spPr>
+          <a:xfrm>
+            <a:off x="2996897" y="1035706"/>
+            <a:ext cx="1275299" cy="400110"/>
+          </a:xfrm>
+          <a:prstGeom prst="rect">
+            <a:avLst/>
+          </a:prstGeom>
+          <a:noFill/>
+        </p:spPr>
+        <p:txBody>
+          <a:bodyPr wrap="square" rtlCol="0">
+            <a:spAutoFit/>
+          </a:bodyPr>
+          <a:lstStyle/>
+          <a:p>
+            <a:pPr algn="l"/>
+            <a:r>
+              <a:rPr lang="zh-CN" altLang="en-US" sz="2000" b="1" dirty="0">
+                <a:solidFill>
+                  <a:schemeClr val="bg1"/>
+                </a:solidFill>
+                <a:latin typeface="黑体" panose="02010609060101010101" pitchFamily="49" charset="-122"/>
+                <a:ea typeface="黑体" panose="02010609060101010101" pitchFamily="49" charset="-122"/>
+              </a:rPr>
+              <a:t>组员介绍</a:t>
+            </a:r>
+          </a:p>
+        </p:txBody>
+      </p:sp>
+      <p:sp>
+        <p:nvSpPr>
+          <p:cNvPr id="13" name="文本框 12">
+            <a:extLst>
+              <a:ext uri="{FF2B5EF4-FFF2-40B4-BE49-F238E27FC236}">
+                <a16:creationId xmlns:a16="http://schemas.microsoft.com/office/drawing/2014/main" id="{3122C9C7-3338-CC25-0340-92F0AC795C24}"/>
+              </a:ext>
+            </a:extLst>
+          </p:cNvPr>
+          <p:cNvSpPr txBox="1"/>
+          <p:nvPr/>
+        </p:nvSpPr>
+        <p:spPr>
+          <a:xfrm>
+            <a:off x="7218196" y="1035326"/>
+            <a:ext cx="1489601" cy="400110"/>
+          </a:xfrm>
+          <a:prstGeom prst="rect">
+            <a:avLst/>
+          </a:prstGeom>
+          <a:noFill/>
+        </p:spPr>
+        <p:txBody>
+          <a:bodyPr wrap="square" rtlCol="0">
+            <a:spAutoFit/>
+          </a:bodyPr>
+          <a:lstStyle/>
+          <a:p>
+            <a:pPr algn="l"/>
+            <a:r>
+              <a:rPr lang="zh-CN" altLang="en-US" sz="2000" b="1" dirty="0">
+                <a:solidFill>
+                  <a:schemeClr val="bg1"/>
+                </a:solidFill>
+                <a:latin typeface="黑体" panose="02010609060101010101" pitchFamily="49" charset="-122"/>
+                <a:ea typeface="黑体" panose="02010609060101010101" pitchFamily="49" charset="-122"/>
+              </a:rPr>
+              <a:t>课题组新闻</a:t>
+            </a:r>
+          </a:p>
+        </p:txBody>
+      </p:sp>
+      <p:sp>
+        <p:nvSpPr>
+          <p:cNvPr id="14" name="文本框 13">
+            <a:extLst>
+              <a:ext uri="{FF2B5EF4-FFF2-40B4-BE49-F238E27FC236}">
+                <a16:creationId xmlns:a16="http://schemas.microsoft.com/office/drawing/2014/main" id="{67D759F4-7B87-5A5A-073C-EA13895C448A}"/>
+              </a:ext>
+            </a:extLst>
+          </p:cNvPr>
+          <p:cNvSpPr txBox="1"/>
+          <p:nvPr/>
+        </p:nvSpPr>
+        <p:spPr>
+          <a:xfrm>
+            <a:off x="4342053" y="1035706"/>
+            <a:ext cx="1275299" cy="400110"/>
+          </a:xfrm>
+          <a:prstGeom prst="rect">
+            <a:avLst/>
+          </a:prstGeom>
+          <a:noFill/>
+        </p:spPr>
+        <p:txBody>
+          <a:bodyPr wrap="square" rtlCol="0">
+            <a:spAutoFit/>
+          </a:bodyPr>
+          <a:lstStyle/>
+          <a:p>
+            <a:pPr algn="l"/>
+            <a:r>
+              <a:rPr lang="zh-CN" altLang="en-US" sz="2000" b="1" dirty="0">
+                <a:solidFill>
+                  <a:schemeClr val="bg1"/>
+                </a:solidFill>
+                <a:latin typeface="黑体" panose="02010609060101010101" pitchFamily="49" charset="-122"/>
+                <a:ea typeface="黑体" panose="02010609060101010101" pitchFamily="49" charset="-122"/>
+              </a:rPr>
+              <a:t>研究方向</a:t>
+            </a:r>
+          </a:p>
+        </p:txBody>
+      </p:sp>
+      <p:sp>
+        <p:nvSpPr>
+          <p:cNvPr id="15" name="文本框 14">
+            <a:extLst>
+              <a:ext uri="{FF2B5EF4-FFF2-40B4-BE49-F238E27FC236}">
+                <a16:creationId xmlns:a16="http://schemas.microsoft.com/office/drawing/2014/main" id="{3468D1C6-4F62-E27F-47B2-28C2E4570F0D}"/>
+              </a:ext>
+            </a:extLst>
+          </p:cNvPr>
+          <p:cNvSpPr txBox="1"/>
+          <p:nvPr/>
+        </p:nvSpPr>
+        <p:spPr>
+          <a:xfrm>
+            <a:off x="8848763" y="1035326"/>
+            <a:ext cx="1275299" cy="400110"/>
+          </a:xfrm>
+          <a:prstGeom prst="rect">
+            <a:avLst/>
+          </a:prstGeom>
+          <a:noFill/>
+        </p:spPr>
+        <p:txBody>
+          <a:bodyPr wrap="square" rtlCol="0">
+            <a:spAutoFit/>
+          </a:bodyPr>
+          <a:lstStyle/>
+          <a:p>
+            <a:pPr algn="l"/>
+            <a:r>
+              <a:rPr lang="zh-CN" altLang="en-US" sz="2000" b="1" dirty="0">
+                <a:solidFill>
+                  <a:schemeClr val="bg1"/>
+                </a:solidFill>
+                <a:latin typeface="黑体" panose="02010609060101010101" pitchFamily="49" charset="-122"/>
+                <a:ea typeface="黑体" panose="02010609060101010101" pitchFamily="49" charset="-122"/>
+              </a:rPr>
+              <a:t>组内活动</a:t>
+            </a:r>
+          </a:p>
+        </p:txBody>
+      </p:sp>
+      <p:sp>
+        <p:nvSpPr>
+          <p:cNvPr id="16" name="文本框 15">
+            <a:extLst>
+              <a:ext uri="{FF2B5EF4-FFF2-40B4-BE49-F238E27FC236}">
+                <a16:creationId xmlns:a16="http://schemas.microsoft.com/office/drawing/2014/main" id="{405076C6-B8A3-BD82-9E5A-A8E04B49A749}"/>
+              </a:ext>
+            </a:extLst>
+          </p:cNvPr>
+          <p:cNvSpPr txBox="1"/>
+          <p:nvPr/>
+        </p:nvSpPr>
+        <p:spPr>
+          <a:xfrm>
+            <a:off x="5681785" y="1042056"/>
+            <a:ext cx="1544513" cy="400110"/>
+          </a:xfrm>
+          <a:prstGeom prst="rect">
+            <a:avLst/>
+          </a:prstGeom>
+          <a:noFill/>
+        </p:spPr>
+        <p:txBody>
+          <a:bodyPr wrap="square" rtlCol="0">
+            <a:spAutoFit/>
+          </a:bodyPr>
+          <a:lstStyle/>
+          <a:p>
+            <a:pPr algn="l"/>
+            <a:r>
+              <a:rPr lang="zh-CN" altLang="en-US" sz="2000" b="1" dirty="0">
+                <a:solidFill>
+                  <a:schemeClr val="bg1"/>
+                </a:solidFill>
+                <a:latin typeface="黑体" panose="02010609060101010101" pitchFamily="49" charset="-122"/>
+                <a:ea typeface="黑体" panose="02010609060101010101" pitchFamily="49" charset="-122"/>
+              </a:rPr>
+              <a:t>成果及论文</a:t>
+            </a:r>
+          </a:p>
+        </p:txBody>
+      </p:sp>
+      <p:sp>
+        <p:nvSpPr>
+          <p:cNvPr id="17" name="文本框 16">
+            <a:extLst>
+              <a:ext uri="{FF2B5EF4-FFF2-40B4-BE49-F238E27FC236}">
+                <a16:creationId xmlns:a16="http://schemas.microsoft.com/office/drawing/2014/main" id="{3D75C95A-6546-170F-98A9-C4E3EC10B561}"/>
+              </a:ext>
+            </a:extLst>
+          </p:cNvPr>
+          <p:cNvSpPr txBox="1"/>
+          <p:nvPr/>
+        </p:nvSpPr>
+        <p:spPr>
+          <a:xfrm>
+            <a:off x="10181426" y="1042772"/>
+            <a:ext cx="1275299" cy="400110"/>
+          </a:xfrm>
+          <a:prstGeom prst="rect">
+            <a:avLst/>
+          </a:prstGeom>
+          <a:noFill/>
+        </p:spPr>
+        <p:txBody>
+          <a:bodyPr wrap="square" rtlCol="0">
+            <a:spAutoFit/>
+          </a:bodyPr>
+          <a:lstStyle/>
+          <a:p>
+            <a:pPr algn="l"/>
+            <a:r>
+              <a:rPr lang="zh-CN" altLang="en-US" sz="2000" b="1" dirty="0">
+                <a:solidFill>
+                  <a:schemeClr val="bg1"/>
+                </a:solidFill>
+                <a:latin typeface="黑体" panose="02010609060101010101" pitchFamily="49" charset="-122"/>
+                <a:ea typeface="黑体" panose="02010609060101010101" pitchFamily="49" charset="-122"/>
+              </a:rPr>
+              <a:t>加入我们</a:t>
+            </a:r>
+          </a:p>
+        </p:txBody>
+      </p:sp>
+      <p:pic>
+        <p:nvPicPr>
+          <p:cNvPr id="18" name="图片 17">
+            <a:extLst>
+              <a:ext uri="{FF2B5EF4-FFF2-40B4-BE49-F238E27FC236}">
+                <a16:creationId xmlns:a16="http://schemas.microsoft.com/office/drawing/2014/main" id="{5FA5B6B6-7B4B-4ACE-6723-A9B24DAD4005}"/>
+              </a:ext>
+            </a:extLst>
+          </p:cNvPr>
+          <p:cNvPicPr>
+            <a:picLocks noChangeAspect="1"/>
+          </p:cNvPicPr>
+          <p:nvPr/>
+        </p:nvPicPr>
+        <p:blipFill>
+          <a:blip r:embed="rId3"/>
+          <a:stretch>
+            <a:fillRect/>
+          </a:stretch>
+        </p:blipFill>
+        <p:spPr>
+          <a:xfrm>
+            <a:off x="1263401" y="1685796"/>
+            <a:ext cx="9665197" cy="4997707"/>
+          </a:xfrm>
+          <a:prstGeom prst="rect">
+            <a:avLst/>
+          </a:prstGeom>
+        </p:spPr>
+      </p:pic>
+      <p:sp>
+        <p:nvSpPr>
+          <p:cNvPr id="2" name="文本框 1">
+            <a:extLst>
+              <a:ext uri="{FF2B5EF4-FFF2-40B4-BE49-F238E27FC236}">
+                <a16:creationId xmlns:a16="http://schemas.microsoft.com/office/drawing/2014/main" id="{AD5C4E44-D959-4FF4-6A4E-A08052FB266F}"/>
+              </a:ext>
+            </a:extLst>
+          </p:cNvPr>
+          <p:cNvSpPr txBox="1"/>
+          <p:nvPr/>
+        </p:nvSpPr>
+        <p:spPr>
+          <a:xfrm>
+            <a:off x="171450" y="1470164"/>
+            <a:ext cx="5080000" cy="400110"/>
+          </a:xfrm>
+          <a:prstGeom prst="rect">
+            <a:avLst/>
+          </a:prstGeom>
+          <a:noFill/>
+        </p:spPr>
+        <p:txBody>
+          <a:bodyPr wrap="square" rtlCol="0">
+            <a:spAutoFit/>
+          </a:bodyPr>
+          <a:lstStyle/>
+          <a:p>
+            <a:pPr algn="l"/>
+            <a:r>
+              <a:rPr lang="zh-CN" altLang="en-US" sz="2000" b="1" dirty="0">
+                <a:solidFill>
+                  <a:srgbClr val="FF0000"/>
+                </a:solidFill>
+                <a:highlight>
+                  <a:srgbClr val="FFFF00"/>
+                </a:highlight>
+                <a:latin typeface="黑体" panose="02010609060101010101" pitchFamily="49" charset="-122"/>
+                <a:ea typeface="黑体" panose="02010609060101010101" pitchFamily="49" charset="-122"/>
+              </a:rPr>
+              <a:t>展示课题组的成果及论文</a:t>
+            </a:r>
+          </a:p>
+        </p:txBody>
+      </p:sp>
+    </p:spTree>
+    <p:extLst>
+      <p:ext uri="{BB962C8B-B14F-4D97-AF65-F5344CB8AC3E}">
+        <p14:creationId xmlns:p14="http://schemas.microsoft.com/office/powerpoint/2010/main" val="565142851"/>
+      </p:ext>
+    </p:extLst>
+  </p:cSld>
+  <p:clrMapOvr>
+    <a:masterClrMapping/>
+  </p:clrMapOvr>
+</p:sld>
+</file>
+
+<file path=ppt/slides/slide7.xml><?xml version="1.0" encoding="utf-8"?>
+<p:sld xmlns:a="http://schemas.openxmlformats.org/drawingml/2006/main" xmlns:r="http://schemas.openxmlformats.org/officeDocument/2006/relationships" xmlns:p="http://schemas.openxmlformats.org/presentationml/2006/main">
+  <p:cSld>
+    <p:spTree>
+      <p:nvGrpSpPr>
+        <p:cNvPr id="1" name=""/>
+        <p:cNvGrpSpPr/>
+        <p:nvPr/>
+      </p:nvGrpSpPr>
+      <p:grpSpPr>
+        <a:xfrm>
+          <a:off x="0" y="0"/>
+          <a:ext cx="0" cy="0"/>
+          <a:chOff x="0" y="0"/>
+          <a:chExt cx="0" cy="0"/>
+        </a:xfrm>
+      </p:grpSpPr>
+      <p:pic>
+        <p:nvPicPr>
+          <p:cNvPr id="4" name="图片 3">
+            <a:extLst>
+              <a:ext uri="{FF2B5EF4-FFF2-40B4-BE49-F238E27FC236}">
+                <a16:creationId xmlns:a16="http://schemas.microsoft.com/office/drawing/2014/main" id="{36D24FAE-CBDE-2DCE-94D0-19FC2ADF291D}"/>
+              </a:ext>
+            </a:extLst>
+          </p:cNvPr>
+          <p:cNvPicPr>
+            <a:picLocks noChangeAspect="1"/>
+          </p:cNvPicPr>
+          <p:nvPr/>
+        </p:nvPicPr>
+        <p:blipFill>
+          <a:blip r:embed="rId2">
+            <a:extLst>
+              <a:ext uri="{28A0092B-C50C-407E-A947-70E740481C1C}">
+                <a14:useLocalDpi xmlns:a14="http://schemas.microsoft.com/office/drawing/2010/main" val="0"/>
+              </a:ext>
+            </a:extLst>
+          </a:blip>
+          <a:srcRect t="32551" b="33333"/>
+          <a:stretch/>
+        </p:blipFill>
+        <p:spPr>
+          <a:xfrm>
+            <a:off x="75927" y="106189"/>
+            <a:ext cx="3799949" cy="935867"/>
+          </a:xfrm>
+          <a:prstGeom prst="rect">
+            <a:avLst/>
+          </a:prstGeom>
+        </p:spPr>
+      </p:pic>
+      <p:sp>
+        <p:nvSpPr>
+          <p:cNvPr id="5" name="文本框 4">
+            <a:extLst>
+              <a:ext uri="{FF2B5EF4-FFF2-40B4-BE49-F238E27FC236}">
+                <a16:creationId xmlns:a16="http://schemas.microsoft.com/office/drawing/2014/main" id="{7F6056AD-7988-F915-A4D6-FC15180100A1}"/>
+              </a:ext>
+            </a:extLst>
+          </p:cNvPr>
+          <p:cNvSpPr txBox="1"/>
+          <p:nvPr/>
+        </p:nvSpPr>
+        <p:spPr>
+          <a:xfrm>
+            <a:off x="4358476" y="112457"/>
+            <a:ext cx="3215149" cy="461665"/>
+          </a:xfrm>
+          <a:prstGeom prst="rect">
+            <a:avLst/>
+          </a:prstGeom>
+          <a:noFill/>
+        </p:spPr>
+        <p:txBody>
+          <a:bodyPr wrap="square" rtlCol="0">
+            <a:spAutoFit/>
+          </a:bodyPr>
+          <a:lstStyle/>
+          <a:p>
+            <a:r>
+              <a:rPr lang="en-US" altLang="zh-CN" sz="2400" b="1" dirty="0" err="1">
+                <a:latin typeface="黑体" panose="02010609060101010101" pitchFamily="49" charset="-122"/>
+                <a:ea typeface="黑体" panose="02010609060101010101" pitchFamily="49" charset="-122"/>
+              </a:rPr>
+              <a:t>xxxx</a:t>
+            </a:r>
+            <a:r>
+              <a:rPr lang="zh-CN" altLang="en-US" sz="2400" b="1" dirty="0">
+                <a:latin typeface="黑体" panose="02010609060101010101" pitchFamily="49" charset="-122"/>
+                <a:ea typeface="黑体" panose="02010609060101010101" pitchFamily="49" charset="-122"/>
+              </a:rPr>
+              <a:t>课题组</a:t>
+            </a:r>
+          </a:p>
+        </p:txBody>
+      </p:sp>
+      <p:sp>
+        <p:nvSpPr>
+          <p:cNvPr id="7" name="文本框 6">
+            <a:extLst>
+              <a:ext uri="{FF2B5EF4-FFF2-40B4-BE49-F238E27FC236}">
+                <a16:creationId xmlns:a16="http://schemas.microsoft.com/office/drawing/2014/main" id="{45AA0A13-A028-9ADC-EDE0-BF3B945D78D8}"/>
+              </a:ext>
+            </a:extLst>
+          </p:cNvPr>
+          <p:cNvSpPr txBox="1"/>
+          <p:nvPr/>
+        </p:nvSpPr>
+        <p:spPr>
+          <a:xfrm>
+            <a:off x="4358476" y="536678"/>
+            <a:ext cx="5822950" cy="400110"/>
+          </a:xfrm>
+          <a:prstGeom prst="rect">
+            <a:avLst/>
+          </a:prstGeom>
+          <a:noFill/>
+        </p:spPr>
+        <p:txBody>
+          <a:bodyPr wrap="square" rtlCol="0">
+            <a:spAutoFit/>
+          </a:bodyPr>
+          <a:lstStyle/>
+          <a:p>
+            <a:pPr algn="l"/>
+            <a:r>
+              <a:rPr lang="zh-CN" altLang="en-US" sz="2000" dirty="0">
+                <a:solidFill>
+                  <a:schemeClr val="bg1">
+                    <a:lumMod val="50000"/>
+                  </a:schemeClr>
+                </a:solidFill>
+                <a:latin typeface="黑体" panose="02010609060101010101" pitchFamily="49" charset="-122"/>
+                <a:ea typeface="黑体" panose="02010609060101010101" pitchFamily="49" charset="-122"/>
+              </a:rPr>
+              <a:t>吉林师范大学</a:t>
+            </a:r>
+            <a:r>
+              <a:rPr lang="en-US" altLang="zh-CN" sz="2000" dirty="0">
+                <a:solidFill>
+                  <a:schemeClr val="bg1">
+                    <a:lumMod val="50000"/>
+                  </a:schemeClr>
+                </a:solidFill>
+                <a:latin typeface="黑体" panose="02010609060101010101" pitchFamily="49" charset="-122"/>
+                <a:ea typeface="黑体" panose="02010609060101010101" pitchFamily="49" charset="-122"/>
+              </a:rPr>
+              <a:t>xx</a:t>
+            </a:r>
+            <a:r>
+              <a:rPr lang="zh-CN" altLang="en-US" sz="2000" dirty="0">
+                <a:solidFill>
+                  <a:schemeClr val="bg1">
+                    <a:lumMod val="50000"/>
+                  </a:schemeClr>
+                </a:solidFill>
+                <a:latin typeface="黑体" panose="02010609060101010101" pitchFamily="49" charset="-122"/>
+                <a:ea typeface="黑体" panose="02010609060101010101" pitchFamily="49" charset="-122"/>
+              </a:rPr>
+              <a:t>学院</a:t>
+            </a:r>
+          </a:p>
+        </p:txBody>
+      </p:sp>
+      <p:sp>
+        <p:nvSpPr>
+          <p:cNvPr id="9" name="矩形 8">
+            <a:extLst>
+              <a:ext uri="{FF2B5EF4-FFF2-40B4-BE49-F238E27FC236}">
+                <a16:creationId xmlns:a16="http://schemas.microsoft.com/office/drawing/2014/main" id="{F5DD76DF-F613-44E7-C86F-FD4AAC9D89CF}"/>
+              </a:ext>
+            </a:extLst>
+          </p:cNvPr>
+          <p:cNvSpPr/>
+          <p:nvPr/>
+        </p:nvSpPr>
+        <p:spPr>
+          <a:xfrm>
+            <a:off x="0" y="1042056"/>
+            <a:ext cx="12192000" cy="400110"/>
+          </a:xfrm>
+          <a:prstGeom prst="rect">
+            <a:avLst/>
+          </a:prstGeom>
+          <a:solidFill>
+            <a:srgbClr val="3F51B5"/>
+          </a:solidFill>
+          <a:ln>
+            <a:noFill/>
+          </a:ln>
+        </p:spPr>
+        <p:style>
+          <a:lnRef idx="2">
+            <a:schemeClr val="accent1">
+              <a:shade val="15000"/>
+            </a:schemeClr>
+          </a:lnRef>
+          <a:fillRef idx="1">
+            <a:schemeClr val="accent1"/>
+          </a:fillRef>
+          <a:effectRef idx="0">
+            <a:schemeClr val="accent1"/>
+          </a:effectRef>
+          <a:fontRef idx="minor">
+            <a:schemeClr val="lt1"/>
+          </a:fontRef>
+        </p:style>
+        <p:txBody>
+          <a:bodyPr rtlCol="0" anchor="ctr"/>
+          <a:lstStyle/>
+          <a:p>
+            <a:pPr algn="ctr"/>
+            <a:endParaRPr lang="zh-CN" altLang="en-US"/>
+          </a:p>
+        </p:txBody>
+      </p:sp>
+      <p:sp>
+        <p:nvSpPr>
+          <p:cNvPr id="3" name="矩形 2">
+            <a:extLst>
+              <a:ext uri="{FF2B5EF4-FFF2-40B4-BE49-F238E27FC236}">
+                <a16:creationId xmlns:a16="http://schemas.microsoft.com/office/drawing/2014/main" id="{1926FEDD-4312-3C66-1B3A-B4A02A1BBF0B}"/>
+              </a:ext>
+            </a:extLst>
+          </p:cNvPr>
+          <p:cNvSpPr/>
+          <p:nvPr/>
+        </p:nvSpPr>
+        <p:spPr>
+          <a:xfrm>
+            <a:off x="7149505" y="1041676"/>
+            <a:ext cx="1558292" cy="406840"/>
+          </a:xfrm>
+          <a:prstGeom prst="rect">
+            <a:avLst/>
+          </a:prstGeom>
+          <a:solidFill>
+            <a:schemeClr val="accent1">
+              <a:lumMod val="60000"/>
+              <a:lumOff val="40000"/>
+            </a:schemeClr>
+          </a:solidFill>
+          <a:ln>
+            <a:noFill/>
+          </a:ln>
+        </p:spPr>
+        <p:style>
+          <a:lnRef idx="2">
+            <a:schemeClr val="accent1">
+              <a:shade val="15000"/>
+            </a:schemeClr>
+          </a:lnRef>
+          <a:fillRef idx="1">
+            <a:schemeClr val="accent1"/>
+          </a:fillRef>
+          <a:effectRef idx="0">
+            <a:schemeClr val="accent1"/>
+          </a:effectRef>
+          <a:fontRef idx="minor">
+            <a:schemeClr val="lt1"/>
+          </a:fontRef>
+        </p:style>
+        <p:txBody>
+          <a:bodyPr rtlCol="0" anchor="ctr"/>
+          <a:lstStyle/>
+          <a:p>
+            <a:pPr algn="ctr"/>
+            <a:endParaRPr lang="zh-CN" altLang="en-US" dirty="0"/>
+          </a:p>
+        </p:txBody>
+      </p:sp>
+      <p:sp>
+        <p:nvSpPr>
+          <p:cNvPr id="10" name="文本框 9">
+            <a:extLst>
+              <a:ext uri="{FF2B5EF4-FFF2-40B4-BE49-F238E27FC236}">
+                <a16:creationId xmlns:a16="http://schemas.microsoft.com/office/drawing/2014/main" id="{349D4407-0428-0B5B-7F14-EE06E79CB335}"/>
+              </a:ext>
+            </a:extLst>
+          </p:cNvPr>
+          <p:cNvSpPr txBox="1"/>
+          <p:nvPr/>
+        </p:nvSpPr>
+        <p:spPr>
+          <a:xfrm>
+            <a:off x="792562" y="1042772"/>
+            <a:ext cx="762000" cy="400110"/>
+          </a:xfrm>
+          <a:prstGeom prst="rect">
+            <a:avLst/>
+          </a:prstGeom>
+          <a:noFill/>
+        </p:spPr>
+        <p:txBody>
+          <a:bodyPr wrap="square" rtlCol="0">
+            <a:spAutoFit/>
+          </a:bodyPr>
+          <a:lstStyle/>
+          <a:p>
+            <a:pPr algn="l"/>
+            <a:r>
+              <a:rPr lang="zh-CN" altLang="en-US" sz="2000" b="1" dirty="0">
+                <a:solidFill>
+                  <a:schemeClr val="bg1"/>
+                </a:solidFill>
+                <a:latin typeface="黑体" panose="02010609060101010101" pitchFamily="49" charset="-122"/>
+                <a:ea typeface="黑体" panose="02010609060101010101" pitchFamily="49" charset="-122"/>
+              </a:rPr>
+              <a:t>首页</a:t>
+            </a:r>
+          </a:p>
+        </p:txBody>
+      </p:sp>
+      <p:sp>
+        <p:nvSpPr>
+          <p:cNvPr id="11" name="文本框 10">
+            <a:extLst>
+              <a:ext uri="{FF2B5EF4-FFF2-40B4-BE49-F238E27FC236}">
+                <a16:creationId xmlns:a16="http://schemas.microsoft.com/office/drawing/2014/main" id="{682ED60C-6E66-F7F1-A96D-0302206FACB3}"/>
+              </a:ext>
+            </a:extLst>
+          </p:cNvPr>
+          <p:cNvSpPr txBox="1"/>
+          <p:nvPr/>
+        </p:nvSpPr>
+        <p:spPr>
+          <a:xfrm>
+            <a:off x="1633547" y="1048406"/>
+            <a:ext cx="1275299" cy="400110"/>
+          </a:xfrm>
+          <a:prstGeom prst="rect">
+            <a:avLst/>
+          </a:prstGeom>
+          <a:noFill/>
+        </p:spPr>
+        <p:txBody>
+          <a:bodyPr wrap="square" rtlCol="0">
+            <a:spAutoFit/>
+          </a:bodyPr>
+          <a:lstStyle/>
+          <a:p>
+            <a:pPr algn="l"/>
+            <a:r>
+              <a:rPr lang="zh-CN" altLang="en-US" sz="2000" b="1" dirty="0">
+                <a:solidFill>
+                  <a:schemeClr val="bg1"/>
+                </a:solidFill>
+                <a:latin typeface="黑体" panose="02010609060101010101" pitchFamily="49" charset="-122"/>
+                <a:ea typeface="黑体" panose="02010609060101010101" pitchFamily="49" charset="-122"/>
+              </a:rPr>
+              <a:t>教师介绍</a:t>
+            </a:r>
+          </a:p>
+        </p:txBody>
+      </p:sp>
+      <p:sp>
+        <p:nvSpPr>
+          <p:cNvPr id="12" name="文本框 11">
+            <a:extLst>
+              <a:ext uri="{FF2B5EF4-FFF2-40B4-BE49-F238E27FC236}">
+                <a16:creationId xmlns:a16="http://schemas.microsoft.com/office/drawing/2014/main" id="{79E15224-BC2A-5C42-37EE-4CCA2AD95AEB}"/>
+              </a:ext>
+            </a:extLst>
+          </p:cNvPr>
+          <p:cNvSpPr txBox="1"/>
+          <p:nvPr/>
+        </p:nvSpPr>
+        <p:spPr>
+          <a:xfrm>
+            <a:off x="2996897" y="1035706"/>
+            <a:ext cx="1275299" cy="400110"/>
+          </a:xfrm>
+          <a:prstGeom prst="rect">
+            <a:avLst/>
+          </a:prstGeom>
+          <a:noFill/>
+        </p:spPr>
+        <p:txBody>
+          <a:bodyPr wrap="square" rtlCol="0">
+            <a:spAutoFit/>
+          </a:bodyPr>
+          <a:lstStyle/>
+          <a:p>
+            <a:pPr algn="l"/>
+            <a:r>
+              <a:rPr lang="zh-CN" altLang="en-US" sz="2000" b="1" dirty="0">
+                <a:solidFill>
+                  <a:schemeClr val="bg1"/>
+                </a:solidFill>
+                <a:latin typeface="黑体" panose="02010609060101010101" pitchFamily="49" charset="-122"/>
+                <a:ea typeface="黑体" panose="02010609060101010101" pitchFamily="49" charset="-122"/>
+              </a:rPr>
+              <a:t>组员介绍</a:t>
+            </a:r>
+          </a:p>
+        </p:txBody>
+      </p:sp>
+      <p:sp>
+        <p:nvSpPr>
+          <p:cNvPr id="13" name="文本框 12">
+            <a:extLst>
+              <a:ext uri="{FF2B5EF4-FFF2-40B4-BE49-F238E27FC236}">
+                <a16:creationId xmlns:a16="http://schemas.microsoft.com/office/drawing/2014/main" id="{3122C9C7-3338-CC25-0340-92F0AC795C24}"/>
+              </a:ext>
+            </a:extLst>
+          </p:cNvPr>
+          <p:cNvSpPr txBox="1"/>
+          <p:nvPr/>
+        </p:nvSpPr>
+        <p:spPr>
+          <a:xfrm>
+            <a:off x="7218196" y="1035326"/>
+            <a:ext cx="1489601" cy="400110"/>
+          </a:xfrm>
+          <a:prstGeom prst="rect">
+            <a:avLst/>
+          </a:prstGeom>
+          <a:noFill/>
+        </p:spPr>
+        <p:txBody>
+          <a:bodyPr wrap="square" rtlCol="0">
+            <a:spAutoFit/>
+          </a:bodyPr>
+          <a:lstStyle/>
+          <a:p>
+            <a:pPr algn="l"/>
+            <a:r>
+              <a:rPr lang="zh-CN" altLang="en-US" sz="2000" b="1" dirty="0">
+                <a:solidFill>
+                  <a:schemeClr val="bg1"/>
+                </a:solidFill>
+                <a:latin typeface="黑体" panose="02010609060101010101" pitchFamily="49" charset="-122"/>
+                <a:ea typeface="黑体" panose="02010609060101010101" pitchFamily="49" charset="-122"/>
+              </a:rPr>
+              <a:t>课题组新闻</a:t>
+            </a:r>
+          </a:p>
+        </p:txBody>
+      </p:sp>
+      <p:sp>
+        <p:nvSpPr>
+          <p:cNvPr id="14" name="文本框 13">
+            <a:extLst>
+              <a:ext uri="{FF2B5EF4-FFF2-40B4-BE49-F238E27FC236}">
+                <a16:creationId xmlns:a16="http://schemas.microsoft.com/office/drawing/2014/main" id="{67D759F4-7B87-5A5A-073C-EA13895C448A}"/>
+              </a:ext>
+            </a:extLst>
+          </p:cNvPr>
+          <p:cNvSpPr txBox="1"/>
+          <p:nvPr/>
+        </p:nvSpPr>
+        <p:spPr>
+          <a:xfrm>
+            <a:off x="4342053" y="1035706"/>
+            <a:ext cx="1275299" cy="400110"/>
+          </a:xfrm>
+          <a:prstGeom prst="rect">
+            <a:avLst/>
+          </a:prstGeom>
+          <a:noFill/>
+        </p:spPr>
+        <p:txBody>
+          <a:bodyPr wrap="square" rtlCol="0">
+            <a:spAutoFit/>
+          </a:bodyPr>
+          <a:lstStyle/>
+          <a:p>
+            <a:pPr algn="l"/>
+            <a:r>
+              <a:rPr lang="zh-CN" altLang="en-US" sz="2000" b="1" dirty="0">
+                <a:solidFill>
+                  <a:schemeClr val="bg1"/>
+                </a:solidFill>
+                <a:latin typeface="黑体" panose="02010609060101010101" pitchFamily="49" charset="-122"/>
+                <a:ea typeface="黑体" panose="02010609060101010101" pitchFamily="49" charset="-122"/>
+              </a:rPr>
+              <a:t>研究方向</a:t>
+            </a:r>
+          </a:p>
+        </p:txBody>
+      </p:sp>
+      <p:sp>
+        <p:nvSpPr>
+          <p:cNvPr id="15" name="文本框 14">
+            <a:extLst>
+              <a:ext uri="{FF2B5EF4-FFF2-40B4-BE49-F238E27FC236}">
+                <a16:creationId xmlns:a16="http://schemas.microsoft.com/office/drawing/2014/main" id="{3468D1C6-4F62-E27F-47B2-28C2E4570F0D}"/>
+              </a:ext>
+            </a:extLst>
+          </p:cNvPr>
+          <p:cNvSpPr txBox="1"/>
+          <p:nvPr/>
+        </p:nvSpPr>
+        <p:spPr>
+          <a:xfrm>
+            <a:off x="8848763" y="1035326"/>
+            <a:ext cx="1275299" cy="400110"/>
+          </a:xfrm>
+          <a:prstGeom prst="rect">
+            <a:avLst/>
+          </a:prstGeom>
+          <a:noFill/>
+        </p:spPr>
+        <p:txBody>
+          <a:bodyPr wrap="square" rtlCol="0">
+            <a:spAutoFit/>
+          </a:bodyPr>
+          <a:lstStyle/>
+          <a:p>
+            <a:pPr algn="l"/>
+            <a:r>
+              <a:rPr lang="zh-CN" altLang="en-US" sz="2000" b="1" dirty="0">
+                <a:solidFill>
+                  <a:schemeClr val="bg1"/>
+                </a:solidFill>
+                <a:latin typeface="黑体" panose="02010609060101010101" pitchFamily="49" charset="-122"/>
+                <a:ea typeface="黑体" panose="02010609060101010101" pitchFamily="49" charset="-122"/>
+              </a:rPr>
+              <a:t>组内活动</a:t>
+            </a:r>
+          </a:p>
+        </p:txBody>
+      </p:sp>
+      <p:sp>
+        <p:nvSpPr>
+          <p:cNvPr id="16" name="文本框 15">
+            <a:extLst>
+              <a:ext uri="{FF2B5EF4-FFF2-40B4-BE49-F238E27FC236}">
+                <a16:creationId xmlns:a16="http://schemas.microsoft.com/office/drawing/2014/main" id="{405076C6-B8A3-BD82-9E5A-A8E04B49A749}"/>
+              </a:ext>
+            </a:extLst>
+          </p:cNvPr>
+          <p:cNvSpPr txBox="1"/>
+          <p:nvPr/>
+        </p:nvSpPr>
+        <p:spPr>
+          <a:xfrm>
+            <a:off x="5681785" y="1042056"/>
+            <a:ext cx="1544513" cy="400110"/>
+          </a:xfrm>
+          <a:prstGeom prst="rect">
+            <a:avLst/>
+          </a:prstGeom>
+          <a:noFill/>
+        </p:spPr>
+        <p:txBody>
+          <a:bodyPr wrap="square" rtlCol="0">
+            <a:spAutoFit/>
+          </a:bodyPr>
+          <a:lstStyle/>
+          <a:p>
+            <a:pPr algn="l"/>
+            <a:r>
+              <a:rPr lang="zh-CN" altLang="en-US" sz="2000" b="1" dirty="0">
+                <a:solidFill>
+                  <a:schemeClr val="bg1"/>
+                </a:solidFill>
+                <a:latin typeface="黑体" panose="02010609060101010101" pitchFamily="49" charset="-122"/>
+                <a:ea typeface="黑体" panose="02010609060101010101" pitchFamily="49" charset="-122"/>
+              </a:rPr>
+              <a:t>成果及论文</a:t>
+            </a:r>
+          </a:p>
+        </p:txBody>
+      </p:sp>
+      <p:sp>
+        <p:nvSpPr>
+          <p:cNvPr id="17" name="文本框 16">
+            <a:extLst>
+              <a:ext uri="{FF2B5EF4-FFF2-40B4-BE49-F238E27FC236}">
+                <a16:creationId xmlns:a16="http://schemas.microsoft.com/office/drawing/2014/main" id="{3D75C95A-6546-170F-98A9-C4E3EC10B561}"/>
+              </a:ext>
+            </a:extLst>
+          </p:cNvPr>
+          <p:cNvSpPr txBox="1"/>
+          <p:nvPr/>
+        </p:nvSpPr>
+        <p:spPr>
+          <a:xfrm>
+            <a:off x="10181426" y="1042772"/>
+            <a:ext cx="1275299" cy="400110"/>
+          </a:xfrm>
+          <a:prstGeom prst="rect">
+            <a:avLst/>
+          </a:prstGeom>
+          <a:noFill/>
+        </p:spPr>
+        <p:txBody>
+          <a:bodyPr wrap="square" rtlCol="0">
+            <a:spAutoFit/>
+          </a:bodyPr>
+          <a:lstStyle/>
+          <a:p>
+            <a:pPr algn="l"/>
+            <a:r>
+              <a:rPr lang="zh-CN" altLang="en-US" sz="2000" b="1" dirty="0">
+                <a:solidFill>
+                  <a:schemeClr val="bg1"/>
+                </a:solidFill>
+                <a:latin typeface="黑体" panose="02010609060101010101" pitchFamily="49" charset="-122"/>
+                <a:ea typeface="黑体" panose="02010609060101010101" pitchFamily="49" charset="-122"/>
+              </a:rPr>
+              <a:t>加入我们</a:t>
+            </a:r>
+          </a:p>
+        </p:txBody>
+      </p:sp>
+      <p:pic>
+        <p:nvPicPr>
+          <p:cNvPr id="18" name="图片 17">
+            <a:extLst>
+              <a:ext uri="{FF2B5EF4-FFF2-40B4-BE49-F238E27FC236}">
+                <a16:creationId xmlns:a16="http://schemas.microsoft.com/office/drawing/2014/main" id="{A8884C4C-DCFC-226F-734D-7416DFB99429}"/>
+              </a:ext>
+            </a:extLst>
+          </p:cNvPr>
+          <p:cNvPicPr>
+            <a:picLocks noChangeAspect="1"/>
+          </p:cNvPicPr>
+          <p:nvPr/>
+        </p:nvPicPr>
+        <p:blipFill>
+          <a:blip r:embed="rId3"/>
+          <a:stretch>
+            <a:fillRect/>
+          </a:stretch>
+        </p:blipFill>
+        <p:spPr>
+          <a:xfrm>
+            <a:off x="971286" y="1509989"/>
+            <a:ext cx="10249427" cy="1416123"/>
+          </a:xfrm>
+          <a:prstGeom prst="rect">
+            <a:avLst/>
+          </a:prstGeom>
+        </p:spPr>
+      </p:pic>
+      <p:pic>
+        <p:nvPicPr>
+          <p:cNvPr id="20" name="图片 19">
+            <a:extLst>
+              <a:ext uri="{FF2B5EF4-FFF2-40B4-BE49-F238E27FC236}">
+                <a16:creationId xmlns:a16="http://schemas.microsoft.com/office/drawing/2014/main" id="{F934CB33-865A-B653-BA4B-9587935831A3}"/>
+              </a:ext>
+            </a:extLst>
+          </p:cNvPr>
+          <p:cNvPicPr>
+            <a:picLocks noChangeAspect="1"/>
+          </p:cNvPicPr>
+          <p:nvPr/>
+        </p:nvPicPr>
+        <p:blipFill>
+          <a:blip r:embed="rId4"/>
+          <a:stretch>
+            <a:fillRect/>
+          </a:stretch>
+        </p:blipFill>
+        <p:spPr>
+          <a:xfrm>
+            <a:off x="971286" y="2870155"/>
+            <a:ext cx="10122420" cy="1752690"/>
+          </a:xfrm>
+          <a:prstGeom prst="rect">
+            <a:avLst/>
+          </a:prstGeom>
+        </p:spPr>
+      </p:pic>
+      <p:pic>
+        <p:nvPicPr>
+          <p:cNvPr id="22" name="图片 21">
+            <a:extLst>
+              <a:ext uri="{FF2B5EF4-FFF2-40B4-BE49-F238E27FC236}">
+                <a16:creationId xmlns:a16="http://schemas.microsoft.com/office/drawing/2014/main" id="{8ABB7DF7-F938-1357-0922-E916D4C38D58}"/>
+              </a:ext>
+            </a:extLst>
+          </p:cNvPr>
+          <p:cNvPicPr>
+            <a:picLocks noChangeAspect="1"/>
+          </p:cNvPicPr>
+          <p:nvPr/>
+        </p:nvPicPr>
+        <p:blipFill>
+          <a:blip r:embed="rId5"/>
+          <a:stretch>
+            <a:fillRect/>
+          </a:stretch>
+        </p:blipFill>
+        <p:spPr>
+          <a:xfrm>
+            <a:off x="1034789" y="4663887"/>
+            <a:ext cx="10058917" cy="1657435"/>
+          </a:xfrm>
+          <a:prstGeom prst="rect">
+            <a:avLst/>
+          </a:prstGeom>
+        </p:spPr>
+      </p:pic>
+    </p:spTree>
+    <p:extLst>
+      <p:ext uri="{BB962C8B-B14F-4D97-AF65-F5344CB8AC3E}">
+        <p14:creationId xmlns:p14="http://schemas.microsoft.com/office/powerpoint/2010/main" val="2692723176"/>
+      </p:ext>
+    </p:extLst>
+  </p:cSld>
+  <p:clrMapOvr>
+    <a:masterClrMapping/>
+  </p:clrMapOvr>
+</p:sld>
+</file>
+
+<file path=ppt/slides/slide8.xml><?xml version="1.0" encoding="utf-8"?>
+<p:sld xmlns:a="http://schemas.openxmlformats.org/drawingml/2006/main" xmlns:r="http://schemas.openxmlformats.org/officeDocument/2006/relationships" xmlns:p="http://schemas.openxmlformats.org/presentationml/2006/main">
+  <p:cSld>
+    <p:spTree>
+      <p:nvGrpSpPr>
+        <p:cNvPr id="1" name=""/>
+        <p:cNvGrpSpPr/>
+        <p:nvPr/>
+      </p:nvGrpSpPr>
+      <p:grpSpPr>
+        <a:xfrm>
+          <a:off x="0" y="0"/>
+          <a:ext cx="0" cy="0"/>
+          <a:chOff x="0" y="0"/>
+          <a:chExt cx="0" cy="0"/>
+        </a:xfrm>
+      </p:grpSpPr>
+      <p:pic>
+        <p:nvPicPr>
+          <p:cNvPr id="4" name="图片 3">
+            <a:extLst>
+              <a:ext uri="{FF2B5EF4-FFF2-40B4-BE49-F238E27FC236}">
+                <a16:creationId xmlns:a16="http://schemas.microsoft.com/office/drawing/2014/main" id="{36D24FAE-CBDE-2DCE-94D0-19FC2ADF291D}"/>
+              </a:ext>
+            </a:extLst>
+          </p:cNvPr>
+          <p:cNvPicPr>
+            <a:picLocks noChangeAspect="1"/>
+          </p:cNvPicPr>
+          <p:nvPr/>
+        </p:nvPicPr>
+        <p:blipFill>
+          <a:blip r:embed="rId2">
+            <a:extLst>
+              <a:ext uri="{28A0092B-C50C-407E-A947-70E740481C1C}">
+                <a14:useLocalDpi xmlns:a14="http://schemas.microsoft.com/office/drawing/2010/main" val="0"/>
+              </a:ext>
+            </a:extLst>
+          </a:blip>
+          <a:srcRect t="32551" b="33333"/>
+          <a:stretch/>
+        </p:blipFill>
+        <p:spPr>
+          <a:xfrm>
+            <a:off x="75927" y="106189"/>
+            <a:ext cx="3799949" cy="935867"/>
+          </a:xfrm>
+          <a:prstGeom prst="rect">
+            <a:avLst/>
+          </a:prstGeom>
+        </p:spPr>
+      </p:pic>
+      <p:sp>
+        <p:nvSpPr>
+          <p:cNvPr id="5" name="文本框 4">
+            <a:extLst>
+              <a:ext uri="{FF2B5EF4-FFF2-40B4-BE49-F238E27FC236}">
+                <a16:creationId xmlns:a16="http://schemas.microsoft.com/office/drawing/2014/main" id="{7F6056AD-7988-F915-A4D6-FC15180100A1}"/>
+              </a:ext>
+            </a:extLst>
+          </p:cNvPr>
+          <p:cNvSpPr txBox="1"/>
+          <p:nvPr/>
+        </p:nvSpPr>
+        <p:spPr>
+          <a:xfrm>
+            <a:off x="4358476" y="112457"/>
+            <a:ext cx="3215149" cy="461665"/>
+          </a:xfrm>
+          <a:prstGeom prst="rect">
+            <a:avLst/>
+          </a:prstGeom>
+          <a:noFill/>
+        </p:spPr>
+        <p:txBody>
+          <a:bodyPr wrap="square" rtlCol="0">
+            <a:spAutoFit/>
+          </a:bodyPr>
+          <a:lstStyle/>
+          <a:p>
+            <a:r>
+              <a:rPr lang="en-US" altLang="zh-CN" sz="2400" b="1" dirty="0" err="1">
+                <a:latin typeface="黑体" panose="02010609060101010101" pitchFamily="49" charset="-122"/>
+                <a:ea typeface="黑体" panose="02010609060101010101" pitchFamily="49" charset="-122"/>
+              </a:rPr>
+              <a:t>xxxx</a:t>
+            </a:r>
+            <a:r>
+              <a:rPr lang="zh-CN" altLang="en-US" sz="2400" b="1" dirty="0">
+                <a:latin typeface="黑体" panose="02010609060101010101" pitchFamily="49" charset="-122"/>
+                <a:ea typeface="黑体" panose="02010609060101010101" pitchFamily="49" charset="-122"/>
+              </a:rPr>
+              <a:t>课题组</a:t>
+            </a:r>
+          </a:p>
+        </p:txBody>
+      </p:sp>
+      <p:sp>
+        <p:nvSpPr>
+          <p:cNvPr id="7" name="文本框 6">
+            <a:extLst>
+              <a:ext uri="{FF2B5EF4-FFF2-40B4-BE49-F238E27FC236}">
+                <a16:creationId xmlns:a16="http://schemas.microsoft.com/office/drawing/2014/main" id="{45AA0A13-A028-9ADC-EDE0-BF3B945D78D8}"/>
+              </a:ext>
+            </a:extLst>
+          </p:cNvPr>
+          <p:cNvSpPr txBox="1"/>
+          <p:nvPr/>
+        </p:nvSpPr>
+        <p:spPr>
+          <a:xfrm>
+            <a:off x="4358476" y="536678"/>
+            <a:ext cx="5822950" cy="400110"/>
+          </a:xfrm>
+          <a:prstGeom prst="rect">
+            <a:avLst/>
+          </a:prstGeom>
+          <a:noFill/>
+        </p:spPr>
+        <p:txBody>
+          <a:bodyPr wrap="square" rtlCol="0">
+            <a:spAutoFit/>
+          </a:bodyPr>
+          <a:lstStyle/>
+          <a:p>
+            <a:pPr algn="l"/>
+            <a:r>
+              <a:rPr lang="zh-CN" altLang="en-US" sz="2000" dirty="0">
+                <a:solidFill>
+                  <a:schemeClr val="bg1">
+                    <a:lumMod val="50000"/>
+                  </a:schemeClr>
+                </a:solidFill>
+                <a:latin typeface="黑体" panose="02010609060101010101" pitchFamily="49" charset="-122"/>
+                <a:ea typeface="黑体" panose="02010609060101010101" pitchFamily="49" charset="-122"/>
+              </a:rPr>
+              <a:t>吉林师范大学</a:t>
+            </a:r>
+            <a:r>
+              <a:rPr lang="en-US" altLang="zh-CN" sz="2000" dirty="0">
+                <a:solidFill>
+                  <a:schemeClr val="bg1">
+                    <a:lumMod val="50000"/>
+                  </a:schemeClr>
+                </a:solidFill>
+                <a:latin typeface="黑体" panose="02010609060101010101" pitchFamily="49" charset="-122"/>
+                <a:ea typeface="黑体" panose="02010609060101010101" pitchFamily="49" charset="-122"/>
+              </a:rPr>
+              <a:t>xx</a:t>
+            </a:r>
+            <a:r>
+              <a:rPr lang="zh-CN" altLang="en-US" sz="2000" dirty="0">
+                <a:solidFill>
+                  <a:schemeClr val="bg1">
+                    <a:lumMod val="50000"/>
+                  </a:schemeClr>
+                </a:solidFill>
+                <a:latin typeface="黑体" panose="02010609060101010101" pitchFamily="49" charset="-122"/>
+                <a:ea typeface="黑体" panose="02010609060101010101" pitchFamily="49" charset="-122"/>
+              </a:rPr>
+              <a:t>学院</a:t>
+            </a:r>
+          </a:p>
+        </p:txBody>
+      </p:sp>
+      <p:sp>
+        <p:nvSpPr>
+          <p:cNvPr id="9" name="矩形 8">
+            <a:extLst>
+              <a:ext uri="{FF2B5EF4-FFF2-40B4-BE49-F238E27FC236}">
+                <a16:creationId xmlns:a16="http://schemas.microsoft.com/office/drawing/2014/main" id="{F5DD76DF-F613-44E7-C86F-FD4AAC9D89CF}"/>
+              </a:ext>
+            </a:extLst>
+          </p:cNvPr>
+          <p:cNvSpPr/>
+          <p:nvPr/>
+        </p:nvSpPr>
+        <p:spPr>
+          <a:xfrm>
+            <a:off x="0" y="1042056"/>
+            <a:ext cx="12192000" cy="400110"/>
+          </a:xfrm>
+          <a:prstGeom prst="rect">
+            <a:avLst/>
+          </a:prstGeom>
+          <a:solidFill>
+            <a:srgbClr val="3F51B5"/>
+          </a:solidFill>
+          <a:ln>
+            <a:noFill/>
+          </a:ln>
+        </p:spPr>
+        <p:style>
+          <a:lnRef idx="2">
+            <a:schemeClr val="accent1">
+              <a:shade val="15000"/>
+            </a:schemeClr>
+          </a:lnRef>
+          <a:fillRef idx="1">
+            <a:schemeClr val="accent1"/>
+          </a:fillRef>
+          <a:effectRef idx="0">
+            <a:schemeClr val="accent1"/>
+          </a:effectRef>
+          <a:fontRef idx="minor">
+            <a:schemeClr val="lt1"/>
+          </a:fontRef>
+        </p:style>
+        <p:txBody>
+          <a:bodyPr rtlCol="0" anchor="ctr"/>
+          <a:lstStyle/>
+          <a:p>
+            <a:pPr algn="ctr"/>
+            <a:endParaRPr lang="zh-CN" altLang="en-US"/>
+          </a:p>
+        </p:txBody>
+      </p:sp>
+      <p:sp>
+        <p:nvSpPr>
+          <p:cNvPr id="3" name="矩形 2">
+            <a:extLst>
+              <a:ext uri="{FF2B5EF4-FFF2-40B4-BE49-F238E27FC236}">
+                <a16:creationId xmlns:a16="http://schemas.microsoft.com/office/drawing/2014/main" id="{1926FEDD-4312-3C66-1B3A-B4A02A1BBF0B}"/>
+              </a:ext>
+            </a:extLst>
+          </p:cNvPr>
+          <p:cNvSpPr/>
+          <p:nvPr/>
+        </p:nvSpPr>
+        <p:spPr>
+          <a:xfrm>
+            <a:off x="8707796" y="1038691"/>
+            <a:ext cx="1350603" cy="406840"/>
+          </a:xfrm>
+          <a:prstGeom prst="rect">
+            <a:avLst/>
+          </a:prstGeom>
+          <a:solidFill>
+            <a:schemeClr val="accent1">
+              <a:lumMod val="60000"/>
+              <a:lumOff val="40000"/>
+            </a:schemeClr>
+          </a:solidFill>
+          <a:ln>
+            <a:noFill/>
+          </a:ln>
+        </p:spPr>
+        <p:style>
+          <a:lnRef idx="2">
+            <a:schemeClr val="accent1">
+              <a:shade val="15000"/>
+            </a:schemeClr>
+          </a:lnRef>
+          <a:fillRef idx="1">
+            <a:schemeClr val="accent1"/>
+          </a:fillRef>
+          <a:effectRef idx="0">
+            <a:schemeClr val="accent1"/>
+          </a:effectRef>
+          <a:fontRef idx="minor">
+            <a:schemeClr val="lt1"/>
+          </a:fontRef>
+        </p:style>
+        <p:txBody>
+          <a:bodyPr rtlCol="0" anchor="ctr"/>
+          <a:lstStyle/>
+          <a:p>
+            <a:pPr algn="ctr"/>
+            <a:endParaRPr lang="zh-CN" altLang="en-US" dirty="0"/>
+          </a:p>
+        </p:txBody>
+      </p:sp>
+      <p:sp>
+        <p:nvSpPr>
+          <p:cNvPr id="10" name="文本框 9">
+            <a:extLst>
+              <a:ext uri="{FF2B5EF4-FFF2-40B4-BE49-F238E27FC236}">
+                <a16:creationId xmlns:a16="http://schemas.microsoft.com/office/drawing/2014/main" id="{349D4407-0428-0B5B-7F14-EE06E79CB335}"/>
+              </a:ext>
+            </a:extLst>
+          </p:cNvPr>
+          <p:cNvSpPr txBox="1"/>
+          <p:nvPr/>
+        </p:nvSpPr>
+        <p:spPr>
+          <a:xfrm>
+            <a:off x="792562" y="1042772"/>
+            <a:ext cx="762000" cy="400110"/>
+          </a:xfrm>
+          <a:prstGeom prst="rect">
+            <a:avLst/>
+          </a:prstGeom>
+          <a:noFill/>
+        </p:spPr>
+        <p:txBody>
+          <a:bodyPr wrap="square" rtlCol="0">
+            <a:spAutoFit/>
+          </a:bodyPr>
+          <a:lstStyle/>
+          <a:p>
+            <a:pPr algn="l"/>
+            <a:r>
+              <a:rPr lang="zh-CN" altLang="en-US" sz="2000" b="1" dirty="0">
+                <a:solidFill>
+                  <a:schemeClr val="bg1"/>
+                </a:solidFill>
+                <a:latin typeface="黑体" panose="02010609060101010101" pitchFamily="49" charset="-122"/>
+                <a:ea typeface="黑体" panose="02010609060101010101" pitchFamily="49" charset="-122"/>
+              </a:rPr>
+              <a:t>首页</a:t>
+            </a:r>
+          </a:p>
+        </p:txBody>
+      </p:sp>
+      <p:sp>
+        <p:nvSpPr>
+          <p:cNvPr id="11" name="文本框 10">
+            <a:extLst>
+              <a:ext uri="{FF2B5EF4-FFF2-40B4-BE49-F238E27FC236}">
+                <a16:creationId xmlns:a16="http://schemas.microsoft.com/office/drawing/2014/main" id="{682ED60C-6E66-F7F1-A96D-0302206FACB3}"/>
+              </a:ext>
+            </a:extLst>
+          </p:cNvPr>
+          <p:cNvSpPr txBox="1"/>
+          <p:nvPr/>
+        </p:nvSpPr>
+        <p:spPr>
+          <a:xfrm>
+            <a:off x="1633547" y="1048406"/>
+            <a:ext cx="1275299" cy="400110"/>
+          </a:xfrm>
+          <a:prstGeom prst="rect">
+            <a:avLst/>
+          </a:prstGeom>
+          <a:noFill/>
+        </p:spPr>
+        <p:txBody>
+          <a:bodyPr wrap="square" rtlCol="0">
+            <a:spAutoFit/>
+          </a:bodyPr>
+          <a:lstStyle/>
+          <a:p>
+            <a:pPr algn="l"/>
+            <a:r>
+              <a:rPr lang="zh-CN" altLang="en-US" sz="2000" b="1" dirty="0">
+                <a:solidFill>
+                  <a:schemeClr val="bg1"/>
+                </a:solidFill>
+                <a:latin typeface="黑体" panose="02010609060101010101" pitchFamily="49" charset="-122"/>
+                <a:ea typeface="黑体" panose="02010609060101010101" pitchFamily="49" charset="-122"/>
+              </a:rPr>
+              <a:t>教师介绍</a:t>
+            </a:r>
+          </a:p>
+        </p:txBody>
+      </p:sp>
+      <p:sp>
+        <p:nvSpPr>
+          <p:cNvPr id="12" name="文本框 11">
+            <a:extLst>
+              <a:ext uri="{FF2B5EF4-FFF2-40B4-BE49-F238E27FC236}">
+                <a16:creationId xmlns:a16="http://schemas.microsoft.com/office/drawing/2014/main" id="{79E15224-BC2A-5C42-37EE-4CCA2AD95AEB}"/>
+              </a:ext>
+            </a:extLst>
+          </p:cNvPr>
+          <p:cNvSpPr txBox="1"/>
+          <p:nvPr/>
+        </p:nvSpPr>
+        <p:spPr>
+          <a:xfrm>
+            <a:off x="2996897" y="1035706"/>
+            <a:ext cx="1275299" cy="400110"/>
+          </a:xfrm>
+          <a:prstGeom prst="rect">
+            <a:avLst/>
+          </a:prstGeom>
+          <a:noFill/>
+        </p:spPr>
+        <p:txBody>
+          <a:bodyPr wrap="square" rtlCol="0">
+            <a:spAutoFit/>
+          </a:bodyPr>
+          <a:lstStyle/>
+          <a:p>
+            <a:pPr algn="l"/>
+            <a:r>
+              <a:rPr lang="zh-CN" altLang="en-US" sz="2000" b="1" dirty="0">
+                <a:solidFill>
+                  <a:schemeClr val="bg1"/>
+                </a:solidFill>
+                <a:latin typeface="黑体" panose="02010609060101010101" pitchFamily="49" charset="-122"/>
+                <a:ea typeface="黑体" panose="02010609060101010101" pitchFamily="49" charset="-122"/>
+              </a:rPr>
+              <a:t>组员介绍</a:t>
+            </a:r>
+          </a:p>
+        </p:txBody>
+      </p:sp>
+      <p:sp>
+        <p:nvSpPr>
+          <p:cNvPr id="13" name="文本框 12">
+            <a:extLst>
+              <a:ext uri="{FF2B5EF4-FFF2-40B4-BE49-F238E27FC236}">
+                <a16:creationId xmlns:a16="http://schemas.microsoft.com/office/drawing/2014/main" id="{3122C9C7-3338-CC25-0340-92F0AC795C24}"/>
+              </a:ext>
+            </a:extLst>
+          </p:cNvPr>
+          <p:cNvSpPr txBox="1"/>
+          <p:nvPr/>
+        </p:nvSpPr>
+        <p:spPr>
+          <a:xfrm>
+            <a:off x="7218196" y="1035326"/>
+            <a:ext cx="1489601" cy="400110"/>
+          </a:xfrm>
+          <a:prstGeom prst="rect">
+            <a:avLst/>
+          </a:prstGeom>
+          <a:noFill/>
+        </p:spPr>
+        <p:txBody>
+          <a:bodyPr wrap="square" rtlCol="0">
+            <a:spAutoFit/>
+          </a:bodyPr>
+          <a:lstStyle/>
+          <a:p>
+            <a:pPr algn="l"/>
+            <a:r>
+              <a:rPr lang="zh-CN" altLang="en-US" sz="2000" b="1" dirty="0">
+                <a:solidFill>
+                  <a:schemeClr val="bg1"/>
+                </a:solidFill>
+                <a:latin typeface="黑体" panose="02010609060101010101" pitchFamily="49" charset="-122"/>
+                <a:ea typeface="黑体" panose="02010609060101010101" pitchFamily="49" charset="-122"/>
+              </a:rPr>
+              <a:t>课题组新闻</a:t>
+            </a:r>
+          </a:p>
+        </p:txBody>
+      </p:sp>
+      <p:sp>
+        <p:nvSpPr>
+          <p:cNvPr id="14" name="文本框 13">
+            <a:extLst>
+              <a:ext uri="{FF2B5EF4-FFF2-40B4-BE49-F238E27FC236}">
+                <a16:creationId xmlns:a16="http://schemas.microsoft.com/office/drawing/2014/main" id="{67D759F4-7B87-5A5A-073C-EA13895C448A}"/>
+              </a:ext>
+            </a:extLst>
+          </p:cNvPr>
+          <p:cNvSpPr txBox="1"/>
+          <p:nvPr/>
+        </p:nvSpPr>
+        <p:spPr>
+          <a:xfrm>
+            <a:off x="4342053" y="1035706"/>
+            <a:ext cx="1275299" cy="400110"/>
+          </a:xfrm>
+          <a:prstGeom prst="rect">
+            <a:avLst/>
+          </a:prstGeom>
+          <a:noFill/>
+        </p:spPr>
+        <p:txBody>
+          <a:bodyPr wrap="square" rtlCol="0">
+            <a:spAutoFit/>
+          </a:bodyPr>
+          <a:lstStyle/>
+          <a:p>
+            <a:pPr algn="l"/>
+            <a:r>
+              <a:rPr lang="zh-CN" altLang="en-US" sz="2000" b="1" dirty="0">
+                <a:solidFill>
+                  <a:schemeClr val="bg1"/>
+                </a:solidFill>
+                <a:latin typeface="黑体" panose="02010609060101010101" pitchFamily="49" charset="-122"/>
+                <a:ea typeface="黑体" panose="02010609060101010101" pitchFamily="49" charset="-122"/>
+              </a:rPr>
+              <a:t>研究方向</a:t>
+            </a:r>
+          </a:p>
+        </p:txBody>
+      </p:sp>
+      <p:sp>
+        <p:nvSpPr>
+          <p:cNvPr id="15" name="文本框 14">
+            <a:extLst>
+              <a:ext uri="{FF2B5EF4-FFF2-40B4-BE49-F238E27FC236}">
+                <a16:creationId xmlns:a16="http://schemas.microsoft.com/office/drawing/2014/main" id="{3468D1C6-4F62-E27F-47B2-28C2E4570F0D}"/>
+              </a:ext>
+            </a:extLst>
+          </p:cNvPr>
+          <p:cNvSpPr txBox="1"/>
+          <p:nvPr/>
+        </p:nvSpPr>
+        <p:spPr>
+          <a:xfrm>
+            <a:off x="8848763" y="1035326"/>
+            <a:ext cx="1275299" cy="400110"/>
+          </a:xfrm>
+          <a:prstGeom prst="rect">
+            <a:avLst/>
+          </a:prstGeom>
+          <a:noFill/>
+        </p:spPr>
+        <p:txBody>
+          <a:bodyPr wrap="square" rtlCol="0">
+            <a:spAutoFit/>
+          </a:bodyPr>
+          <a:lstStyle/>
+          <a:p>
+            <a:pPr algn="l"/>
+            <a:r>
+              <a:rPr lang="zh-CN" altLang="en-US" sz="2000" b="1" dirty="0">
+                <a:solidFill>
+                  <a:schemeClr val="bg1"/>
+                </a:solidFill>
+                <a:latin typeface="黑体" panose="02010609060101010101" pitchFamily="49" charset="-122"/>
+                <a:ea typeface="黑体" panose="02010609060101010101" pitchFamily="49" charset="-122"/>
+              </a:rPr>
+              <a:t>组内活动</a:t>
+            </a:r>
+          </a:p>
+        </p:txBody>
+      </p:sp>
+      <p:sp>
+        <p:nvSpPr>
+          <p:cNvPr id="16" name="文本框 15">
+            <a:extLst>
+              <a:ext uri="{FF2B5EF4-FFF2-40B4-BE49-F238E27FC236}">
+                <a16:creationId xmlns:a16="http://schemas.microsoft.com/office/drawing/2014/main" id="{405076C6-B8A3-BD82-9E5A-A8E04B49A749}"/>
+              </a:ext>
+            </a:extLst>
+          </p:cNvPr>
+          <p:cNvSpPr txBox="1"/>
+          <p:nvPr/>
+        </p:nvSpPr>
+        <p:spPr>
+          <a:xfrm>
+            <a:off x="5681785" y="1042056"/>
+            <a:ext cx="1544513" cy="400110"/>
+          </a:xfrm>
+          <a:prstGeom prst="rect">
+            <a:avLst/>
+          </a:prstGeom>
+          <a:noFill/>
+        </p:spPr>
+        <p:txBody>
+          <a:bodyPr wrap="square" rtlCol="0">
+            <a:spAutoFit/>
+          </a:bodyPr>
+          <a:lstStyle/>
+          <a:p>
+            <a:pPr algn="l"/>
+            <a:r>
+              <a:rPr lang="zh-CN" altLang="en-US" sz="2000" b="1" dirty="0">
+                <a:solidFill>
+                  <a:schemeClr val="bg1"/>
+                </a:solidFill>
+                <a:latin typeface="黑体" panose="02010609060101010101" pitchFamily="49" charset="-122"/>
+                <a:ea typeface="黑体" panose="02010609060101010101" pitchFamily="49" charset="-122"/>
+              </a:rPr>
+              <a:t>成果及论文</a:t>
+            </a:r>
+          </a:p>
+        </p:txBody>
+      </p:sp>
+      <p:sp>
+        <p:nvSpPr>
+          <p:cNvPr id="17" name="文本框 16">
+            <a:extLst>
+              <a:ext uri="{FF2B5EF4-FFF2-40B4-BE49-F238E27FC236}">
+                <a16:creationId xmlns:a16="http://schemas.microsoft.com/office/drawing/2014/main" id="{3D75C95A-6546-170F-98A9-C4E3EC10B561}"/>
+              </a:ext>
+            </a:extLst>
+          </p:cNvPr>
+          <p:cNvSpPr txBox="1"/>
+          <p:nvPr/>
+        </p:nvSpPr>
+        <p:spPr>
+          <a:xfrm>
+            <a:off x="10181426" y="1042772"/>
+            <a:ext cx="1275299" cy="400110"/>
+          </a:xfrm>
+          <a:prstGeom prst="rect">
+            <a:avLst/>
+          </a:prstGeom>
+          <a:noFill/>
+        </p:spPr>
+        <p:txBody>
+          <a:bodyPr wrap="square" rtlCol="0">
+            <a:spAutoFit/>
+          </a:bodyPr>
+          <a:lstStyle/>
+          <a:p>
+            <a:pPr algn="l"/>
+            <a:r>
+              <a:rPr lang="zh-CN" altLang="en-US" sz="2000" b="1" dirty="0">
+                <a:solidFill>
+                  <a:schemeClr val="bg1"/>
+                </a:solidFill>
+                <a:latin typeface="黑体" panose="02010609060101010101" pitchFamily="49" charset="-122"/>
+                <a:ea typeface="黑体" panose="02010609060101010101" pitchFamily="49" charset="-122"/>
+              </a:rPr>
+              <a:t>加入我们</a:t>
+            </a:r>
+          </a:p>
+        </p:txBody>
+      </p:sp>
+      <p:pic>
+        <p:nvPicPr>
+          <p:cNvPr id="6" name="图片 5">
+            <a:extLst>
+              <a:ext uri="{FF2B5EF4-FFF2-40B4-BE49-F238E27FC236}">
+                <a16:creationId xmlns:a16="http://schemas.microsoft.com/office/drawing/2014/main" id="{88F750E6-5BDB-4D18-E4A1-857442947182}"/>
+              </a:ext>
+            </a:extLst>
+          </p:cNvPr>
+          <p:cNvPicPr>
+            <a:picLocks noChangeAspect="1"/>
+          </p:cNvPicPr>
+          <p:nvPr/>
+        </p:nvPicPr>
+        <p:blipFill>
+          <a:blip r:embed="rId3"/>
+          <a:stretch>
+            <a:fillRect/>
+          </a:stretch>
+        </p:blipFill>
+        <p:spPr>
+          <a:xfrm>
+            <a:off x="860156" y="1547434"/>
+            <a:ext cx="10471688" cy="4775445"/>
+          </a:xfrm>
+          <a:prstGeom prst="rect">
+            <a:avLst/>
+          </a:prstGeom>
+        </p:spPr>
+      </p:pic>
+    </p:spTree>
+    <p:extLst>
+      <p:ext uri="{BB962C8B-B14F-4D97-AF65-F5344CB8AC3E}">
+        <p14:creationId xmlns:p14="http://schemas.microsoft.com/office/powerpoint/2010/main" val="3918827411"/>
+      </p:ext>
+    </p:extLst>
+  </p:cSld>
+  <p:clrMapOvr>
+    <a:masterClrMapping/>
+  </p:clrMapOvr>
+</p:sld>
+</file>
+
+<file path=ppt/slides/slide9.xml><?xml version="1.0" encoding="utf-8"?>
+<p:sld xmlns:a="http://schemas.openxmlformats.org/drawingml/2006/main" xmlns:r="http://schemas.openxmlformats.org/officeDocument/2006/relationships" xmlns:p="http://schemas.openxmlformats.org/presentationml/2006/main">
+  <p:cSld>
+    <p:spTree>
+      <p:nvGrpSpPr>
+        <p:cNvPr id="1" name=""/>
+        <p:cNvGrpSpPr/>
+        <p:nvPr/>
+      </p:nvGrpSpPr>
+      <p:grpSpPr>
+        <a:xfrm>
+          <a:off x="0" y="0"/>
+          <a:ext cx="0" cy="0"/>
+          <a:chOff x="0" y="0"/>
+          <a:chExt cx="0" cy="0"/>
+        </a:xfrm>
+      </p:grpSpPr>
+      <p:pic>
+        <p:nvPicPr>
+          <p:cNvPr id="4" name="图片 3">
+            <a:extLst>
+              <a:ext uri="{FF2B5EF4-FFF2-40B4-BE49-F238E27FC236}">
+                <a16:creationId xmlns:a16="http://schemas.microsoft.com/office/drawing/2014/main" id="{36D24FAE-CBDE-2DCE-94D0-19FC2ADF291D}"/>
+              </a:ext>
+            </a:extLst>
+          </p:cNvPr>
+          <p:cNvPicPr>
+            <a:picLocks noChangeAspect="1"/>
+          </p:cNvPicPr>
+          <p:nvPr/>
+        </p:nvPicPr>
+        <p:blipFill>
+          <a:blip r:embed="rId2">
+            <a:extLst>
+              <a:ext uri="{28A0092B-C50C-407E-A947-70E740481C1C}">
+                <a14:useLocalDpi xmlns:a14="http://schemas.microsoft.com/office/drawing/2010/main" val="0"/>
+              </a:ext>
+            </a:extLst>
+          </a:blip>
+          <a:srcRect t="32551" b="33333"/>
+          <a:stretch/>
+        </p:blipFill>
+        <p:spPr>
+          <a:xfrm>
+            <a:off x="75927" y="106189"/>
+            <a:ext cx="3799949" cy="935867"/>
+          </a:xfrm>
+          <a:prstGeom prst="rect">
+            <a:avLst/>
+          </a:prstGeom>
+        </p:spPr>
+      </p:pic>
+      <p:sp>
+        <p:nvSpPr>
+          <p:cNvPr id="5" name="文本框 4">
+            <a:extLst>
+              <a:ext uri="{FF2B5EF4-FFF2-40B4-BE49-F238E27FC236}">
+                <a16:creationId xmlns:a16="http://schemas.microsoft.com/office/drawing/2014/main" id="{7F6056AD-7988-F915-A4D6-FC15180100A1}"/>
+              </a:ext>
+            </a:extLst>
+          </p:cNvPr>
+          <p:cNvSpPr txBox="1"/>
+          <p:nvPr/>
+        </p:nvSpPr>
+        <p:spPr>
+          <a:xfrm>
+            <a:off x="4358476" y="112457"/>
+            <a:ext cx="3215149" cy="461665"/>
+          </a:xfrm>
+          <a:prstGeom prst="rect">
+            <a:avLst/>
+          </a:prstGeom>
+          <a:noFill/>
+        </p:spPr>
+        <p:txBody>
+          <a:bodyPr wrap="square" rtlCol="0">
+            <a:spAutoFit/>
+          </a:bodyPr>
+          <a:lstStyle/>
+          <a:p>
+            <a:r>
+              <a:rPr lang="en-US" altLang="zh-CN" sz="2400" b="1" dirty="0" err="1">
+                <a:latin typeface="黑体" panose="02010609060101010101" pitchFamily="49" charset="-122"/>
+                <a:ea typeface="黑体" panose="02010609060101010101" pitchFamily="49" charset="-122"/>
+              </a:rPr>
+              <a:t>xxxx</a:t>
+            </a:r>
+            <a:r>
+              <a:rPr lang="zh-CN" altLang="en-US" sz="2400" b="1" dirty="0">
+                <a:latin typeface="黑体" panose="02010609060101010101" pitchFamily="49" charset="-122"/>
+                <a:ea typeface="黑体" panose="02010609060101010101" pitchFamily="49" charset="-122"/>
+              </a:rPr>
+              <a:t>课题组</a:t>
+            </a:r>
+          </a:p>
+        </p:txBody>
+      </p:sp>
+      <p:sp>
+        <p:nvSpPr>
+          <p:cNvPr id="7" name="文本框 6">
+            <a:extLst>
+              <a:ext uri="{FF2B5EF4-FFF2-40B4-BE49-F238E27FC236}">
+                <a16:creationId xmlns:a16="http://schemas.microsoft.com/office/drawing/2014/main" id="{45AA0A13-A028-9ADC-EDE0-BF3B945D78D8}"/>
+              </a:ext>
+            </a:extLst>
+          </p:cNvPr>
+          <p:cNvSpPr txBox="1"/>
+          <p:nvPr/>
+        </p:nvSpPr>
+        <p:spPr>
+          <a:xfrm>
+            <a:off x="4358476" y="536678"/>
+            <a:ext cx="5822950" cy="400110"/>
+          </a:xfrm>
+          <a:prstGeom prst="rect">
+            <a:avLst/>
+          </a:prstGeom>
+          <a:noFill/>
+        </p:spPr>
+        <p:txBody>
+          <a:bodyPr wrap="square" rtlCol="0">
+            <a:spAutoFit/>
+          </a:bodyPr>
+          <a:lstStyle/>
+          <a:p>
+            <a:pPr algn="l"/>
+            <a:r>
+              <a:rPr lang="zh-CN" altLang="en-US" sz="2000" dirty="0">
+                <a:solidFill>
+                  <a:schemeClr val="bg1">
+                    <a:lumMod val="50000"/>
+                  </a:schemeClr>
+                </a:solidFill>
+                <a:latin typeface="黑体" panose="02010609060101010101" pitchFamily="49" charset="-122"/>
+                <a:ea typeface="黑体" panose="02010609060101010101" pitchFamily="49" charset="-122"/>
+              </a:rPr>
+              <a:t>吉林师范大学</a:t>
+            </a:r>
+            <a:r>
+              <a:rPr lang="en-US" altLang="zh-CN" sz="2000" dirty="0">
+                <a:solidFill>
+                  <a:schemeClr val="bg1">
+                    <a:lumMod val="50000"/>
+                  </a:schemeClr>
+                </a:solidFill>
+                <a:latin typeface="黑体" panose="02010609060101010101" pitchFamily="49" charset="-122"/>
+                <a:ea typeface="黑体" panose="02010609060101010101" pitchFamily="49" charset="-122"/>
+              </a:rPr>
+              <a:t>xx</a:t>
+            </a:r>
+            <a:r>
+              <a:rPr lang="zh-CN" altLang="en-US" sz="2000" dirty="0">
+                <a:solidFill>
+                  <a:schemeClr val="bg1">
+                    <a:lumMod val="50000"/>
+                  </a:schemeClr>
+                </a:solidFill>
+                <a:latin typeface="黑体" panose="02010609060101010101" pitchFamily="49" charset="-122"/>
+                <a:ea typeface="黑体" panose="02010609060101010101" pitchFamily="49" charset="-122"/>
+              </a:rPr>
+              <a:t>学院</a:t>
+            </a:r>
+          </a:p>
+        </p:txBody>
+      </p:sp>
+      <p:sp>
+        <p:nvSpPr>
+          <p:cNvPr id="9" name="矩形 8">
+            <a:extLst>
+              <a:ext uri="{FF2B5EF4-FFF2-40B4-BE49-F238E27FC236}">
+                <a16:creationId xmlns:a16="http://schemas.microsoft.com/office/drawing/2014/main" id="{F5DD76DF-F613-44E7-C86F-FD4AAC9D89CF}"/>
+              </a:ext>
+            </a:extLst>
+          </p:cNvPr>
+          <p:cNvSpPr/>
+          <p:nvPr/>
+        </p:nvSpPr>
+        <p:spPr>
+          <a:xfrm>
+            <a:off x="0" y="1042056"/>
+            <a:ext cx="12192000" cy="400110"/>
+          </a:xfrm>
+          <a:prstGeom prst="rect">
+            <a:avLst/>
+          </a:prstGeom>
+          <a:solidFill>
+            <a:srgbClr val="3F51B5"/>
+          </a:solidFill>
+          <a:ln>
+            <a:noFill/>
+          </a:ln>
+        </p:spPr>
+        <p:style>
+          <a:lnRef idx="2">
+            <a:schemeClr val="accent1">
+              <a:shade val="15000"/>
+            </a:schemeClr>
+          </a:lnRef>
+          <a:fillRef idx="1">
+            <a:schemeClr val="accent1"/>
+          </a:fillRef>
+          <a:effectRef idx="0">
+            <a:schemeClr val="accent1"/>
+          </a:effectRef>
+          <a:fontRef idx="minor">
+            <a:schemeClr val="lt1"/>
+          </a:fontRef>
+        </p:style>
+        <p:txBody>
+          <a:bodyPr rtlCol="0" anchor="ctr"/>
+          <a:lstStyle/>
+          <a:p>
+            <a:pPr algn="ctr"/>
+            <a:endParaRPr lang="zh-CN" altLang="en-US"/>
+          </a:p>
+        </p:txBody>
+      </p:sp>
+      <p:sp>
+        <p:nvSpPr>
+          <p:cNvPr id="3" name="矩形 2">
+            <a:extLst>
+              <a:ext uri="{FF2B5EF4-FFF2-40B4-BE49-F238E27FC236}">
+                <a16:creationId xmlns:a16="http://schemas.microsoft.com/office/drawing/2014/main" id="{1926FEDD-4312-3C66-1B3A-B4A02A1BBF0B}"/>
+              </a:ext>
+            </a:extLst>
+          </p:cNvPr>
+          <p:cNvSpPr/>
+          <p:nvPr/>
+        </p:nvSpPr>
+        <p:spPr>
+          <a:xfrm>
+            <a:off x="10124061" y="1048406"/>
+            <a:ext cx="1332663" cy="406840"/>
+          </a:xfrm>
+          <a:prstGeom prst="rect">
+            <a:avLst/>
+          </a:prstGeom>
+          <a:solidFill>
+            <a:schemeClr val="accent1">
+              <a:lumMod val="60000"/>
+              <a:lumOff val="40000"/>
+            </a:schemeClr>
+          </a:solidFill>
+          <a:ln>
+            <a:noFill/>
+          </a:ln>
+        </p:spPr>
+        <p:style>
+          <a:lnRef idx="2">
+            <a:schemeClr val="accent1">
+              <a:shade val="15000"/>
+            </a:schemeClr>
+          </a:lnRef>
+          <a:fillRef idx="1">
+            <a:schemeClr val="accent1"/>
+          </a:fillRef>
+          <a:effectRef idx="0">
+            <a:schemeClr val="accent1"/>
+          </a:effectRef>
+          <a:fontRef idx="minor">
+            <a:schemeClr val="lt1"/>
+          </a:fontRef>
+        </p:style>
+        <p:txBody>
+          <a:bodyPr rtlCol="0" anchor="ctr"/>
+          <a:lstStyle/>
+          <a:p>
+            <a:pPr algn="ctr"/>
+            <a:endParaRPr lang="zh-CN" altLang="en-US" dirty="0"/>
+          </a:p>
+        </p:txBody>
+      </p:sp>
+      <p:sp>
+        <p:nvSpPr>
+          <p:cNvPr id="10" name="文本框 9">
+            <a:extLst>
+              <a:ext uri="{FF2B5EF4-FFF2-40B4-BE49-F238E27FC236}">
+                <a16:creationId xmlns:a16="http://schemas.microsoft.com/office/drawing/2014/main" id="{349D4407-0428-0B5B-7F14-EE06E79CB335}"/>
+              </a:ext>
+            </a:extLst>
+          </p:cNvPr>
+          <p:cNvSpPr txBox="1"/>
+          <p:nvPr/>
+        </p:nvSpPr>
+        <p:spPr>
+          <a:xfrm>
+            <a:off x="792562" y="1042772"/>
+            <a:ext cx="762000" cy="400110"/>
+          </a:xfrm>
+          <a:prstGeom prst="rect">
+            <a:avLst/>
+          </a:prstGeom>
+          <a:noFill/>
+        </p:spPr>
+        <p:txBody>
+          <a:bodyPr wrap="square" rtlCol="0">
+            <a:spAutoFit/>
+          </a:bodyPr>
+          <a:lstStyle/>
+          <a:p>
+            <a:pPr algn="l"/>
+            <a:r>
+              <a:rPr lang="zh-CN" altLang="en-US" sz="2000" b="1" dirty="0">
+                <a:solidFill>
+                  <a:schemeClr val="bg1"/>
+                </a:solidFill>
+                <a:latin typeface="黑体" panose="02010609060101010101" pitchFamily="49" charset="-122"/>
+                <a:ea typeface="黑体" panose="02010609060101010101" pitchFamily="49" charset="-122"/>
+              </a:rPr>
+              <a:t>首页</a:t>
+            </a:r>
+          </a:p>
+        </p:txBody>
+      </p:sp>
+      <p:sp>
+        <p:nvSpPr>
+          <p:cNvPr id="11" name="文本框 10">
+            <a:extLst>
+              <a:ext uri="{FF2B5EF4-FFF2-40B4-BE49-F238E27FC236}">
+                <a16:creationId xmlns:a16="http://schemas.microsoft.com/office/drawing/2014/main" id="{682ED60C-6E66-F7F1-A96D-0302206FACB3}"/>
+              </a:ext>
+            </a:extLst>
+          </p:cNvPr>
+          <p:cNvSpPr txBox="1"/>
+          <p:nvPr/>
+        </p:nvSpPr>
+        <p:spPr>
+          <a:xfrm>
+            <a:off x="1633547" y="1048406"/>
+            <a:ext cx="1275299" cy="400110"/>
+          </a:xfrm>
+          <a:prstGeom prst="rect">
+            <a:avLst/>
+          </a:prstGeom>
+          <a:noFill/>
+        </p:spPr>
+        <p:txBody>
+          <a:bodyPr wrap="square" rtlCol="0">
+            <a:spAutoFit/>
+          </a:bodyPr>
+          <a:lstStyle/>
+          <a:p>
+            <a:pPr algn="l"/>
+            <a:r>
+              <a:rPr lang="zh-CN" altLang="en-US" sz="2000" b="1" dirty="0">
+                <a:solidFill>
+                  <a:schemeClr val="bg1"/>
+                </a:solidFill>
+                <a:latin typeface="黑体" panose="02010609060101010101" pitchFamily="49" charset="-122"/>
+                <a:ea typeface="黑体" panose="02010609060101010101" pitchFamily="49" charset="-122"/>
+              </a:rPr>
+              <a:t>教师介绍</a:t>
+            </a:r>
+          </a:p>
+        </p:txBody>
+      </p:sp>
+      <p:sp>
+        <p:nvSpPr>
+          <p:cNvPr id="12" name="文本框 11">
+            <a:extLst>
+              <a:ext uri="{FF2B5EF4-FFF2-40B4-BE49-F238E27FC236}">
+                <a16:creationId xmlns:a16="http://schemas.microsoft.com/office/drawing/2014/main" id="{79E15224-BC2A-5C42-37EE-4CCA2AD95AEB}"/>
+              </a:ext>
+            </a:extLst>
+          </p:cNvPr>
+          <p:cNvSpPr txBox="1"/>
+          <p:nvPr/>
+        </p:nvSpPr>
+        <p:spPr>
+          <a:xfrm>
+            <a:off x="2996897" y="1035706"/>
+            <a:ext cx="1275299" cy="400110"/>
+          </a:xfrm>
+          <a:prstGeom prst="rect">
+            <a:avLst/>
+          </a:prstGeom>
+          <a:noFill/>
+        </p:spPr>
+        <p:txBody>
+          <a:bodyPr wrap="square" rtlCol="0">
+            <a:spAutoFit/>
+          </a:bodyPr>
+          <a:lstStyle/>
+          <a:p>
+            <a:pPr algn="l"/>
+            <a:r>
+              <a:rPr lang="zh-CN" altLang="en-US" sz="2000" b="1" dirty="0">
+                <a:solidFill>
+                  <a:schemeClr val="bg1"/>
+                </a:solidFill>
+                <a:latin typeface="黑体" panose="02010609060101010101" pitchFamily="49" charset="-122"/>
+                <a:ea typeface="黑体" panose="02010609060101010101" pitchFamily="49" charset="-122"/>
+              </a:rPr>
+              <a:t>组员介绍</a:t>
+            </a:r>
+          </a:p>
+        </p:txBody>
+      </p:sp>
+      <p:sp>
+        <p:nvSpPr>
+          <p:cNvPr id="13" name="文本框 12">
+            <a:extLst>
+              <a:ext uri="{FF2B5EF4-FFF2-40B4-BE49-F238E27FC236}">
+                <a16:creationId xmlns:a16="http://schemas.microsoft.com/office/drawing/2014/main" id="{3122C9C7-3338-CC25-0340-92F0AC795C24}"/>
+              </a:ext>
+            </a:extLst>
+          </p:cNvPr>
+          <p:cNvSpPr txBox="1"/>
+          <p:nvPr/>
+        </p:nvSpPr>
+        <p:spPr>
+          <a:xfrm>
+            <a:off x="7218196" y="1035326"/>
+            <a:ext cx="1489601" cy="400110"/>
+          </a:xfrm>
+          <a:prstGeom prst="rect">
+            <a:avLst/>
+          </a:prstGeom>
+          <a:noFill/>
+        </p:spPr>
+        <p:txBody>
+          <a:bodyPr wrap="square" rtlCol="0">
+            <a:spAutoFit/>
+          </a:bodyPr>
+          <a:lstStyle/>
+          <a:p>
+            <a:pPr algn="l"/>
+            <a:r>
+              <a:rPr lang="zh-CN" altLang="en-US" sz="2000" b="1" dirty="0">
+                <a:solidFill>
+                  <a:schemeClr val="bg1"/>
+                </a:solidFill>
+                <a:latin typeface="黑体" panose="02010609060101010101" pitchFamily="49" charset="-122"/>
+                <a:ea typeface="黑体" panose="02010609060101010101" pitchFamily="49" charset="-122"/>
+              </a:rPr>
+              <a:t>课题组新闻</a:t>
+            </a:r>
+          </a:p>
+        </p:txBody>
+      </p:sp>
+      <p:sp>
+        <p:nvSpPr>
+          <p:cNvPr id="14" name="文本框 13">
+            <a:extLst>
+              <a:ext uri="{FF2B5EF4-FFF2-40B4-BE49-F238E27FC236}">
+                <a16:creationId xmlns:a16="http://schemas.microsoft.com/office/drawing/2014/main" id="{67D759F4-7B87-5A5A-073C-EA13895C448A}"/>
+              </a:ext>
+            </a:extLst>
+          </p:cNvPr>
+          <p:cNvSpPr txBox="1"/>
+          <p:nvPr/>
+        </p:nvSpPr>
+        <p:spPr>
+          <a:xfrm>
+            <a:off x="4342053" y="1035706"/>
+            <a:ext cx="1275299" cy="400110"/>
+          </a:xfrm>
+          <a:prstGeom prst="rect">
+            <a:avLst/>
+          </a:prstGeom>
+          <a:noFill/>
+        </p:spPr>
+        <p:txBody>
+          <a:bodyPr wrap="square" rtlCol="0">
+            <a:spAutoFit/>
+          </a:bodyPr>
+          <a:lstStyle/>
+          <a:p>
+            <a:pPr algn="l"/>
+            <a:r>
+              <a:rPr lang="zh-CN" altLang="en-US" sz="2000" b="1" dirty="0">
+                <a:solidFill>
+                  <a:schemeClr val="bg1"/>
+                </a:solidFill>
+                <a:latin typeface="黑体" panose="02010609060101010101" pitchFamily="49" charset="-122"/>
+                <a:ea typeface="黑体" panose="02010609060101010101" pitchFamily="49" charset="-122"/>
+              </a:rPr>
+              <a:t>研究方向</a:t>
+            </a:r>
+          </a:p>
+        </p:txBody>
+      </p:sp>
+      <p:sp>
+        <p:nvSpPr>
+          <p:cNvPr id="15" name="文本框 14">
+            <a:extLst>
+              <a:ext uri="{FF2B5EF4-FFF2-40B4-BE49-F238E27FC236}">
+                <a16:creationId xmlns:a16="http://schemas.microsoft.com/office/drawing/2014/main" id="{3468D1C6-4F62-E27F-47B2-28C2E4570F0D}"/>
+              </a:ext>
+            </a:extLst>
+          </p:cNvPr>
+          <p:cNvSpPr txBox="1"/>
+          <p:nvPr/>
+        </p:nvSpPr>
+        <p:spPr>
+          <a:xfrm>
+            <a:off x="8848763" y="1035326"/>
+            <a:ext cx="1275299" cy="400110"/>
+          </a:xfrm>
+          <a:prstGeom prst="rect">
+            <a:avLst/>
+          </a:prstGeom>
+          <a:noFill/>
+        </p:spPr>
+        <p:txBody>
+          <a:bodyPr wrap="square" rtlCol="0">
+            <a:spAutoFit/>
+          </a:bodyPr>
+          <a:lstStyle/>
+          <a:p>
+            <a:pPr algn="l"/>
+            <a:r>
+              <a:rPr lang="zh-CN" altLang="en-US" sz="2000" b="1" dirty="0">
+                <a:solidFill>
+                  <a:schemeClr val="bg1"/>
+                </a:solidFill>
+                <a:latin typeface="黑体" panose="02010609060101010101" pitchFamily="49" charset="-122"/>
+                <a:ea typeface="黑体" panose="02010609060101010101" pitchFamily="49" charset="-122"/>
+              </a:rPr>
+              <a:t>组内活动</a:t>
+            </a:r>
+          </a:p>
+        </p:txBody>
+      </p:sp>
+      <p:sp>
+        <p:nvSpPr>
+          <p:cNvPr id="16" name="文本框 15">
+            <a:extLst>
+              <a:ext uri="{FF2B5EF4-FFF2-40B4-BE49-F238E27FC236}">
+                <a16:creationId xmlns:a16="http://schemas.microsoft.com/office/drawing/2014/main" id="{405076C6-B8A3-BD82-9E5A-A8E04B49A749}"/>
+              </a:ext>
+            </a:extLst>
+          </p:cNvPr>
+          <p:cNvSpPr txBox="1"/>
+          <p:nvPr/>
+        </p:nvSpPr>
+        <p:spPr>
+          <a:xfrm>
+            <a:off x="5681785" y="1042056"/>
+            <a:ext cx="1544513" cy="400110"/>
+          </a:xfrm>
+          <a:prstGeom prst="rect">
+            <a:avLst/>
+          </a:prstGeom>
+          <a:noFill/>
+        </p:spPr>
+        <p:txBody>
+          <a:bodyPr wrap="square" rtlCol="0">
+            <a:spAutoFit/>
+          </a:bodyPr>
+          <a:lstStyle/>
+          <a:p>
+            <a:pPr algn="l"/>
+            <a:r>
+              <a:rPr lang="zh-CN" altLang="en-US" sz="2000" b="1" dirty="0">
+                <a:solidFill>
+                  <a:schemeClr val="bg1"/>
+                </a:solidFill>
+                <a:latin typeface="黑体" panose="02010609060101010101" pitchFamily="49" charset="-122"/>
+                <a:ea typeface="黑体" panose="02010609060101010101" pitchFamily="49" charset="-122"/>
+              </a:rPr>
+              <a:t>成果及论文</a:t>
+            </a:r>
+          </a:p>
+        </p:txBody>
+      </p:sp>
+      <p:sp>
+        <p:nvSpPr>
+          <p:cNvPr id="17" name="文本框 16">
+            <a:extLst>
+              <a:ext uri="{FF2B5EF4-FFF2-40B4-BE49-F238E27FC236}">
+                <a16:creationId xmlns:a16="http://schemas.microsoft.com/office/drawing/2014/main" id="{3D75C95A-6546-170F-98A9-C4E3EC10B561}"/>
+              </a:ext>
+            </a:extLst>
+          </p:cNvPr>
+          <p:cNvSpPr txBox="1"/>
+          <p:nvPr/>
+        </p:nvSpPr>
+        <p:spPr>
+          <a:xfrm>
+            <a:off x="10181426" y="1042772"/>
+            <a:ext cx="1275299" cy="400110"/>
+          </a:xfrm>
+          <a:prstGeom prst="rect">
+            <a:avLst/>
+          </a:prstGeom>
+          <a:noFill/>
+        </p:spPr>
+        <p:txBody>
+          <a:bodyPr wrap="square" rtlCol="0">
+            <a:spAutoFit/>
+          </a:bodyPr>
+          <a:lstStyle/>
+          <a:p>
+            <a:pPr algn="l"/>
+            <a:r>
+              <a:rPr lang="zh-CN" altLang="en-US" sz="2000" b="1" dirty="0">
+                <a:solidFill>
+                  <a:schemeClr val="bg1"/>
+                </a:solidFill>
+                <a:latin typeface="黑体" panose="02010609060101010101" pitchFamily="49" charset="-122"/>
+                <a:ea typeface="黑体" panose="02010609060101010101" pitchFamily="49" charset="-122"/>
+              </a:rPr>
+              <a:t>加入我们</a:t>
+            </a:r>
+          </a:p>
+        </p:txBody>
+      </p:sp>
+      <p:pic>
+        <p:nvPicPr>
+          <p:cNvPr id="6" name="图片 5">
+            <a:extLst>
+              <a:ext uri="{FF2B5EF4-FFF2-40B4-BE49-F238E27FC236}">
+                <a16:creationId xmlns:a16="http://schemas.microsoft.com/office/drawing/2014/main" id="{44CE2016-F0F4-8BBB-A6A9-D3C03A3D7F89}"/>
+              </a:ext>
+            </a:extLst>
+          </p:cNvPr>
+          <p:cNvPicPr>
+            <a:picLocks noChangeAspect="1"/>
+          </p:cNvPicPr>
+          <p:nvPr/>
+        </p:nvPicPr>
+        <p:blipFill>
+          <a:blip r:embed="rId3"/>
+          <a:stretch>
+            <a:fillRect/>
+          </a:stretch>
+        </p:blipFill>
+        <p:spPr>
+          <a:xfrm>
+            <a:off x="0" y="1799826"/>
+            <a:ext cx="12192000" cy="2585247"/>
+          </a:xfrm>
+          <a:prstGeom prst="rect">
+            <a:avLst/>
+          </a:prstGeom>
+        </p:spPr>
+      </p:pic>
+      <p:pic>
+        <p:nvPicPr>
+          <p:cNvPr id="18" name="图片 17">
+            <a:extLst>
+              <a:ext uri="{FF2B5EF4-FFF2-40B4-BE49-F238E27FC236}">
+                <a16:creationId xmlns:a16="http://schemas.microsoft.com/office/drawing/2014/main" id="{A5935C06-6273-B19E-700D-C2FDD547CA14}"/>
+              </a:ext>
+            </a:extLst>
+          </p:cNvPr>
+          <p:cNvPicPr>
+            <a:picLocks noChangeAspect="1"/>
+          </p:cNvPicPr>
+          <p:nvPr/>
+        </p:nvPicPr>
+        <p:blipFill>
+          <a:blip r:embed="rId4"/>
+          <a:stretch>
+            <a:fillRect/>
+          </a:stretch>
+        </p:blipFill>
+        <p:spPr>
+          <a:xfrm>
+            <a:off x="75927" y="5330807"/>
+            <a:ext cx="4642089" cy="679485"/>
+          </a:xfrm>
+          <a:prstGeom prst="rect">
+            <a:avLst/>
+          </a:prstGeom>
+          <a:solidFill>
+            <a:srgbClr val="FFFFFF">
+              <a:shade val="85000"/>
+            </a:srgbClr>
+          </a:solidFill>
+          <a:ln w="88900" cap="sq">
+            <a:solidFill>
+              <a:srgbClr val="FFFFFF"/>
+            </a:solidFill>
+            <a:miter lim="800000"/>
+          </a:ln>
+          <a:effectLst>
+            <a:outerShdw blurRad="55000" dist="18000" dir="5400000" algn="tl" rotWithShape="0">
+              <a:srgbClr val="000000">
+                <a:alpha val="40000"/>
+              </a:srgbClr>
+            </a:outerShdw>
+          </a:effectLst>
+          <a:scene3d>
+            <a:camera prst="orthographicFront"/>
+            <a:lightRig rig="twoPt" dir="t">
+              <a:rot lat="0" lon="0" rev="7200000"/>
+            </a:lightRig>
+          </a:scene3d>
+          <a:sp3d>
+            <a:bevelT w="25400" h="19050"/>
+            <a:contourClr>
+              <a:srgbClr val="FFFFFF"/>
+            </a:contourClr>
+          </a:sp3d>
+        </p:spPr>
+      </p:pic>
+    </p:spTree>
+    <p:extLst>
+      <p:ext uri="{BB962C8B-B14F-4D97-AF65-F5344CB8AC3E}">
+        <p14:creationId xmlns:p14="http://schemas.microsoft.com/office/powerpoint/2010/main" val="1052768319"/>
       </p:ext>
     </p:extLst>
   </p:cSld>
@@ -3744,7 +10182,24 @@
       </a:bgFillStyleLst>
     </a:fmtScheme>
   </a:themeElements>
-  <a:objectDefaults/>
+  <a:objectDefaults>
+    <a:txDef>
+      <a:spPr>
+        <a:noFill/>
+      </a:spPr>
+      <a:bodyPr wrap="square" rtlCol="0">
+        <a:spAutoFit/>
+      </a:bodyPr>
+      <a:lstStyle>
+        <a:defPPr algn="l">
+          <a:defRPr sz="2000" dirty="0" err="1" smtClean="0">
+            <a:latin typeface="黑体" panose="02010609060101010101" pitchFamily="49" charset="-122"/>
+            <a:ea typeface="黑体" panose="02010609060101010101" pitchFamily="49" charset="-122"/>
+          </a:defRPr>
+        </a:defPPr>
+      </a:lstStyle>
+    </a:txDef>
+  </a:objectDefaults>
   <a:extraClrSchemeLst/>
   <a:extLst>
     <a:ext uri="{05A4C25C-085E-4340-85A3-A5531E510DB2}">
